--- a/Semestre_02/06_BaseGraphes/images/Figures.pptx
+++ b/Semestre_02/06_BaseGraphes/images/Figures.pptx
@@ -6,16 +6,17 @@
   </p:sldMasterIdLst>
   <p:sldIdLst>
     <p:sldId id="262" r:id="rId2"/>
-    <p:sldId id="265" r:id="rId3"/>
-    <p:sldId id="266" r:id="rId4"/>
-    <p:sldId id="267" r:id="rId5"/>
-    <p:sldId id="268" r:id="rId6"/>
-    <p:sldId id="256" r:id="rId7"/>
-    <p:sldId id="260" r:id="rId8"/>
-    <p:sldId id="261" r:id="rId9"/>
-    <p:sldId id="257" r:id="rId10"/>
-    <p:sldId id="259" r:id="rId11"/>
-    <p:sldId id="258" r:id="rId12"/>
+    <p:sldId id="269" r:id="rId3"/>
+    <p:sldId id="265" r:id="rId4"/>
+    <p:sldId id="266" r:id="rId5"/>
+    <p:sldId id="267" r:id="rId6"/>
+    <p:sldId id="268" r:id="rId7"/>
+    <p:sldId id="256" r:id="rId8"/>
+    <p:sldId id="260" r:id="rId9"/>
+    <p:sldId id="261" r:id="rId10"/>
+    <p:sldId id="257" r:id="rId11"/>
+    <p:sldId id="259" r:id="rId12"/>
+    <p:sldId id="258" r:id="rId13"/>
   </p:sldIdLst>
   <p:sldSz cx="12192000" cy="6858000"/>
   <p:notesSz cx="6858000" cy="9144000"/>
@@ -280,7 +281,7 @@
           <a:p>
             <a:fld id="{F79EE508-3896-4166-AC84-A754E1E05FBF}" type="datetimeFigureOut">
               <a:rPr lang="fr-FR" smtClean="0"/>
-              <a:t>13/04/2022</a:t>
+              <a:t>03/04/2023</a:t>
             </a:fld>
             <a:endParaRPr lang="fr-FR"/>
           </a:p>
@@ -478,7 +479,7 @@
           <a:p>
             <a:fld id="{F79EE508-3896-4166-AC84-A754E1E05FBF}" type="datetimeFigureOut">
               <a:rPr lang="fr-FR" smtClean="0"/>
-              <a:t>13/04/2022</a:t>
+              <a:t>03/04/2023</a:t>
             </a:fld>
             <a:endParaRPr lang="fr-FR"/>
           </a:p>
@@ -686,7 +687,7 @@
           <a:p>
             <a:fld id="{F79EE508-3896-4166-AC84-A754E1E05FBF}" type="datetimeFigureOut">
               <a:rPr lang="fr-FR" smtClean="0"/>
-              <a:t>13/04/2022</a:t>
+              <a:t>03/04/2023</a:t>
             </a:fld>
             <a:endParaRPr lang="fr-FR"/>
           </a:p>
@@ -884,7 +885,7 @@
           <a:p>
             <a:fld id="{F79EE508-3896-4166-AC84-A754E1E05FBF}" type="datetimeFigureOut">
               <a:rPr lang="fr-FR" smtClean="0"/>
-              <a:t>13/04/2022</a:t>
+              <a:t>03/04/2023</a:t>
             </a:fld>
             <a:endParaRPr lang="fr-FR"/>
           </a:p>
@@ -1159,7 +1160,7 @@
           <a:p>
             <a:fld id="{F79EE508-3896-4166-AC84-A754E1E05FBF}" type="datetimeFigureOut">
               <a:rPr lang="fr-FR" smtClean="0"/>
-              <a:t>13/04/2022</a:t>
+              <a:t>03/04/2023</a:t>
             </a:fld>
             <a:endParaRPr lang="fr-FR"/>
           </a:p>
@@ -1424,7 +1425,7 @@
           <a:p>
             <a:fld id="{F79EE508-3896-4166-AC84-A754E1E05FBF}" type="datetimeFigureOut">
               <a:rPr lang="fr-FR" smtClean="0"/>
-              <a:t>13/04/2022</a:t>
+              <a:t>03/04/2023</a:t>
             </a:fld>
             <a:endParaRPr lang="fr-FR"/>
           </a:p>
@@ -1836,7 +1837,7 @@
           <a:p>
             <a:fld id="{F79EE508-3896-4166-AC84-A754E1E05FBF}" type="datetimeFigureOut">
               <a:rPr lang="fr-FR" smtClean="0"/>
-              <a:t>13/04/2022</a:t>
+              <a:t>03/04/2023</a:t>
             </a:fld>
             <a:endParaRPr lang="fr-FR"/>
           </a:p>
@@ -1977,7 +1978,7 @@
           <a:p>
             <a:fld id="{F79EE508-3896-4166-AC84-A754E1E05FBF}" type="datetimeFigureOut">
               <a:rPr lang="fr-FR" smtClean="0"/>
-              <a:t>13/04/2022</a:t>
+              <a:t>03/04/2023</a:t>
             </a:fld>
             <a:endParaRPr lang="fr-FR"/>
           </a:p>
@@ -2090,7 +2091,7 @@
           <a:p>
             <a:fld id="{F79EE508-3896-4166-AC84-A754E1E05FBF}" type="datetimeFigureOut">
               <a:rPr lang="fr-FR" smtClean="0"/>
-              <a:t>13/04/2022</a:t>
+              <a:t>03/04/2023</a:t>
             </a:fld>
             <a:endParaRPr lang="fr-FR"/>
           </a:p>
@@ -2401,7 +2402,7 @@
           <a:p>
             <a:fld id="{F79EE508-3896-4166-AC84-A754E1E05FBF}" type="datetimeFigureOut">
               <a:rPr lang="fr-FR" smtClean="0"/>
-              <a:t>13/04/2022</a:t>
+              <a:t>03/04/2023</a:t>
             </a:fld>
             <a:endParaRPr lang="fr-FR"/>
           </a:p>
@@ -2689,7 +2690,7 @@
           <a:p>
             <a:fld id="{F79EE508-3896-4166-AC84-A754E1E05FBF}" type="datetimeFigureOut">
               <a:rPr lang="fr-FR" smtClean="0"/>
-              <a:t>13/04/2022</a:t>
+              <a:t>03/04/2023</a:t>
             </a:fld>
             <a:endParaRPr lang="fr-FR"/>
           </a:p>
@@ -2930,7 +2931,7 @@
           <a:p>
             <a:fld id="{F79EE508-3896-4166-AC84-A754E1E05FBF}" type="datetimeFigureOut">
               <a:rPr lang="fr-FR" smtClean="0"/>
-              <a:t>13/04/2022</a:t>
+              <a:t>03/04/2023</a:t>
             </a:fld>
             <a:endParaRPr lang="fr-FR"/>
           </a:p>
@@ -4298,6 +4299,1237 @@
           <a:chExt cx="0" cy="0"/>
         </a:xfrm>
       </p:grpSpPr>
+      <p:cxnSp>
+        <p:nvCxnSpPr>
+          <p:cNvPr id="11" name="Connecteur droit 10">
+            <a:extLst>
+              <a:ext uri="{FF2B5EF4-FFF2-40B4-BE49-F238E27FC236}">
+                <a16:creationId xmlns:a16="http://schemas.microsoft.com/office/drawing/2014/main" id="{6131883A-8603-4E82-A8CC-816B8FC23C1B}"/>
+              </a:ext>
+            </a:extLst>
+          </p:cNvPr>
+          <p:cNvCxnSpPr>
+            <a:cxnSpLocks/>
+            <a:stCxn id="5" idx="0"/>
+            <a:endCxn id="16" idx="4"/>
+          </p:cNvCxnSpPr>
+          <p:nvPr/>
+        </p:nvCxnSpPr>
+        <p:spPr>
+          <a:xfrm flipV="1">
+            <a:off x="4642888" y="2101712"/>
+            <a:ext cx="0" cy="1114637"/>
+          </a:xfrm>
+          <a:prstGeom prst="line">
+            <a:avLst/>
+          </a:prstGeom>
+          <a:ln w="28575">
+            <a:solidFill>
+              <a:srgbClr val="C00000"/>
+            </a:solidFill>
+            <a:tailEnd type="stealth" w="med" len="lg"/>
+          </a:ln>
+        </p:spPr>
+        <p:style>
+          <a:lnRef idx="1">
+            <a:schemeClr val="accent1"/>
+          </a:lnRef>
+          <a:fillRef idx="0">
+            <a:schemeClr val="accent1"/>
+          </a:fillRef>
+          <a:effectRef idx="0">
+            <a:schemeClr val="accent1"/>
+          </a:effectRef>
+          <a:fontRef idx="minor">
+            <a:schemeClr val="tx1"/>
+          </a:fontRef>
+        </p:style>
+      </p:cxnSp>
+      <p:cxnSp>
+        <p:nvCxnSpPr>
+          <p:cNvPr id="19" name="Connecteur droit 18">
+            <a:extLst>
+              <a:ext uri="{FF2B5EF4-FFF2-40B4-BE49-F238E27FC236}">
+                <a16:creationId xmlns:a16="http://schemas.microsoft.com/office/drawing/2014/main" id="{39598334-531A-4461-B488-0AEDDDFCB2C3}"/>
+              </a:ext>
+            </a:extLst>
+          </p:cNvPr>
+          <p:cNvCxnSpPr>
+            <a:cxnSpLocks/>
+            <a:stCxn id="14" idx="3"/>
+          </p:cNvCxnSpPr>
+          <p:nvPr/>
+        </p:nvCxnSpPr>
+        <p:spPr>
+          <a:xfrm flipH="1">
+            <a:off x="4750724" y="1708052"/>
+            <a:ext cx="1194909" cy="1508297"/>
+          </a:xfrm>
+          <a:prstGeom prst="line">
+            <a:avLst/>
+          </a:prstGeom>
+          <a:ln w="28575">
+            <a:solidFill>
+              <a:srgbClr val="C00000"/>
+            </a:solidFill>
+            <a:tailEnd type="stealth" w="med" len="lg"/>
+          </a:ln>
+        </p:spPr>
+        <p:style>
+          <a:lnRef idx="1">
+            <a:schemeClr val="accent1"/>
+          </a:lnRef>
+          <a:fillRef idx="0">
+            <a:schemeClr val="accent1"/>
+          </a:fillRef>
+          <a:effectRef idx="0">
+            <a:schemeClr val="accent1"/>
+          </a:effectRef>
+          <a:fontRef idx="minor">
+            <a:schemeClr val="tx1"/>
+          </a:fontRef>
+        </p:style>
+      </p:cxnSp>
+      <p:cxnSp>
+        <p:nvCxnSpPr>
+          <p:cNvPr id="22" name="Connecteur droit 21">
+            <a:extLst>
+              <a:ext uri="{FF2B5EF4-FFF2-40B4-BE49-F238E27FC236}">
+                <a16:creationId xmlns:a16="http://schemas.microsoft.com/office/drawing/2014/main" id="{14562189-3E72-4CDF-89B4-4071B884E3FF}"/>
+              </a:ext>
+            </a:extLst>
+          </p:cNvPr>
+          <p:cNvCxnSpPr>
+            <a:cxnSpLocks/>
+            <a:endCxn id="13" idx="3"/>
+          </p:cNvCxnSpPr>
+          <p:nvPr/>
+        </p:nvCxnSpPr>
+        <p:spPr>
+          <a:xfrm flipV="1">
+            <a:off x="4642888" y="2464730"/>
+            <a:ext cx="1302745" cy="964272"/>
+          </a:xfrm>
+          <a:prstGeom prst="line">
+            <a:avLst/>
+          </a:prstGeom>
+          <a:ln w="28575">
+            <a:solidFill>
+              <a:srgbClr val="C00000"/>
+            </a:solidFill>
+            <a:tailEnd type="stealth" w="med" len="lg"/>
+          </a:ln>
+        </p:spPr>
+        <p:style>
+          <a:lnRef idx="1">
+            <a:schemeClr val="accent1"/>
+          </a:lnRef>
+          <a:fillRef idx="0">
+            <a:schemeClr val="accent1"/>
+          </a:fillRef>
+          <a:effectRef idx="0">
+            <a:schemeClr val="accent1"/>
+          </a:effectRef>
+          <a:fontRef idx="minor">
+            <a:schemeClr val="tx1"/>
+          </a:fontRef>
+        </p:style>
+      </p:cxnSp>
+      <p:cxnSp>
+        <p:nvCxnSpPr>
+          <p:cNvPr id="25" name="Connecteur droit 24">
+            <a:extLst>
+              <a:ext uri="{FF2B5EF4-FFF2-40B4-BE49-F238E27FC236}">
+                <a16:creationId xmlns:a16="http://schemas.microsoft.com/office/drawing/2014/main" id="{A7C490C5-8EF0-47D5-BC68-1B3506AE54B9}"/>
+              </a:ext>
+            </a:extLst>
+          </p:cNvPr>
+          <p:cNvCxnSpPr>
+            <a:cxnSpLocks/>
+            <a:endCxn id="12" idx="2"/>
+          </p:cNvCxnSpPr>
+          <p:nvPr/>
+        </p:nvCxnSpPr>
+        <p:spPr>
+          <a:xfrm flipV="1">
+            <a:off x="4642888" y="3071042"/>
+            <a:ext cx="1240461" cy="357958"/>
+          </a:xfrm>
+          <a:prstGeom prst="line">
+            <a:avLst/>
+          </a:prstGeom>
+          <a:ln w="28575">
+            <a:solidFill>
+              <a:srgbClr val="C00000"/>
+            </a:solidFill>
+            <a:tailEnd type="stealth" w="med" len="lg"/>
+          </a:ln>
+        </p:spPr>
+        <p:style>
+          <a:lnRef idx="1">
+            <a:schemeClr val="accent1"/>
+          </a:lnRef>
+          <a:fillRef idx="0">
+            <a:schemeClr val="accent1"/>
+          </a:fillRef>
+          <a:effectRef idx="0">
+            <a:schemeClr val="accent1"/>
+          </a:effectRef>
+          <a:fontRef idx="minor">
+            <a:schemeClr val="tx1"/>
+          </a:fontRef>
+        </p:style>
+      </p:cxnSp>
+      <p:cxnSp>
+        <p:nvCxnSpPr>
+          <p:cNvPr id="27" name="Connecteur droit 26">
+            <a:extLst>
+              <a:ext uri="{FF2B5EF4-FFF2-40B4-BE49-F238E27FC236}">
+                <a16:creationId xmlns:a16="http://schemas.microsoft.com/office/drawing/2014/main" id="{65952C0B-F10C-4DFE-9DB7-FC21BABDC421}"/>
+              </a:ext>
+            </a:extLst>
+          </p:cNvPr>
+          <p:cNvCxnSpPr>
+            <a:cxnSpLocks/>
+            <a:stCxn id="5" idx="5"/>
+            <a:endCxn id="15" idx="1"/>
+          </p:cNvCxnSpPr>
+          <p:nvPr/>
+        </p:nvCxnSpPr>
+        <p:spPr>
+          <a:xfrm>
+            <a:off x="4793255" y="3579367"/>
+            <a:ext cx="450629" cy="410405"/>
+          </a:xfrm>
+          <a:prstGeom prst="line">
+            <a:avLst/>
+          </a:prstGeom>
+          <a:ln w="28575">
+            <a:solidFill>
+              <a:srgbClr val="C00000"/>
+            </a:solidFill>
+            <a:tailEnd type="stealth" w="med" len="lg"/>
+          </a:ln>
+        </p:spPr>
+        <p:style>
+          <a:lnRef idx="1">
+            <a:schemeClr val="accent1"/>
+          </a:lnRef>
+          <a:fillRef idx="0">
+            <a:schemeClr val="accent1"/>
+          </a:fillRef>
+          <a:effectRef idx="0">
+            <a:schemeClr val="accent1"/>
+          </a:effectRef>
+          <a:fontRef idx="minor">
+            <a:schemeClr val="tx1"/>
+          </a:fontRef>
+        </p:style>
+      </p:cxnSp>
+      <p:cxnSp>
+        <p:nvCxnSpPr>
+          <p:cNvPr id="30" name="Connecteur droit 29">
+            <a:extLst>
+              <a:ext uri="{FF2B5EF4-FFF2-40B4-BE49-F238E27FC236}">
+                <a16:creationId xmlns:a16="http://schemas.microsoft.com/office/drawing/2014/main" id="{134C44C7-8A3C-4594-8CF2-0D33B4430A90}"/>
+              </a:ext>
+            </a:extLst>
+          </p:cNvPr>
+          <p:cNvCxnSpPr>
+            <a:cxnSpLocks/>
+            <a:stCxn id="12" idx="0"/>
+            <a:endCxn id="13" idx="4"/>
+          </p:cNvCxnSpPr>
+          <p:nvPr/>
+        </p:nvCxnSpPr>
+        <p:spPr>
+          <a:xfrm flipV="1">
+            <a:off x="6096000" y="2527014"/>
+            <a:ext cx="0" cy="331377"/>
+          </a:xfrm>
+          <a:prstGeom prst="line">
+            <a:avLst/>
+          </a:prstGeom>
+          <a:ln w="28575">
+            <a:solidFill>
+              <a:srgbClr val="C00000"/>
+            </a:solidFill>
+            <a:tailEnd type="stealth" w="med" len="lg"/>
+          </a:ln>
+        </p:spPr>
+        <p:style>
+          <a:lnRef idx="1">
+            <a:schemeClr val="accent1"/>
+          </a:lnRef>
+          <a:fillRef idx="0">
+            <a:schemeClr val="accent1"/>
+          </a:fillRef>
+          <a:effectRef idx="0">
+            <a:schemeClr val="accent1"/>
+          </a:effectRef>
+          <a:fontRef idx="minor">
+            <a:schemeClr val="tx1"/>
+          </a:fontRef>
+        </p:style>
+      </p:cxnSp>
+      <p:cxnSp>
+        <p:nvCxnSpPr>
+          <p:cNvPr id="34" name="Connecteur droit 33">
+            <a:extLst>
+              <a:ext uri="{FF2B5EF4-FFF2-40B4-BE49-F238E27FC236}">
+                <a16:creationId xmlns:a16="http://schemas.microsoft.com/office/drawing/2014/main" id="{E81D9250-C501-48AE-8740-C101211DAA33}"/>
+              </a:ext>
+            </a:extLst>
+          </p:cNvPr>
+          <p:cNvCxnSpPr>
+            <a:cxnSpLocks/>
+            <a:stCxn id="13" idx="0"/>
+            <a:endCxn id="14" idx="4"/>
+          </p:cNvCxnSpPr>
+          <p:nvPr/>
+        </p:nvCxnSpPr>
+        <p:spPr>
+          <a:xfrm flipV="1">
+            <a:off x="6096000" y="1770336"/>
+            <a:ext cx="0" cy="331376"/>
+          </a:xfrm>
+          <a:prstGeom prst="line">
+            <a:avLst/>
+          </a:prstGeom>
+          <a:ln w="28575">
+            <a:solidFill>
+              <a:srgbClr val="C00000"/>
+            </a:solidFill>
+            <a:tailEnd type="stealth" w="med" len="lg"/>
+          </a:ln>
+        </p:spPr>
+        <p:style>
+          <a:lnRef idx="1">
+            <a:schemeClr val="accent1"/>
+          </a:lnRef>
+          <a:fillRef idx="0">
+            <a:schemeClr val="accent1"/>
+          </a:fillRef>
+          <a:effectRef idx="0">
+            <a:schemeClr val="accent1"/>
+          </a:effectRef>
+          <a:fontRef idx="minor">
+            <a:schemeClr val="tx1"/>
+          </a:fontRef>
+        </p:style>
+      </p:cxnSp>
+      <p:sp>
+        <p:nvSpPr>
+          <p:cNvPr id="5" name="Ellipse 4">
+            <a:extLst>
+              <a:ext uri="{FF2B5EF4-FFF2-40B4-BE49-F238E27FC236}">
+                <a16:creationId xmlns:a16="http://schemas.microsoft.com/office/drawing/2014/main" id="{E12EDDBD-B5CB-4ECB-8F42-2B7886FE12E3}"/>
+              </a:ext>
+            </a:extLst>
+          </p:cNvPr>
+          <p:cNvSpPr/>
+          <p:nvPr/>
+        </p:nvSpPr>
+        <p:spPr>
+          <a:xfrm>
+            <a:off x="4430237" y="3216349"/>
+            <a:ext cx="425302" cy="425302"/>
+          </a:xfrm>
+          <a:prstGeom prst="ellipse">
+            <a:avLst/>
+          </a:prstGeom>
+          <a:solidFill>
+            <a:schemeClr val="accent1">
+              <a:lumMod val="20000"/>
+              <a:lumOff val="80000"/>
+            </a:schemeClr>
+          </a:solidFill>
+          <a:ln w="28575">
+            <a:solidFill>
+              <a:schemeClr val="accent1">
+                <a:lumMod val="75000"/>
+              </a:schemeClr>
+            </a:solidFill>
+          </a:ln>
+        </p:spPr>
+        <p:style>
+          <a:lnRef idx="2">
+            <a:schemeClr val="accent1">
+              <a:shade val="50000"/>
+            </a:schemeClr>
+          </a:lnRef>
+          <a:fillRef idx="1">
+            <a:schemeClr val="accent1"/>
+          </a:fillRef>
+          <a:effectRef idx="0">
+            <a:schemeClr val="accent1"/>
+          </a:effectRef>
+          <a:fontRef idx="minor">
+            <a:schemeClr val="lt1"/>
+          </a:fontRef>
+        </p:style>
+        <p:txBody>
+          <a:bodyPr lIns="0" tIns="0" rIns="0" bIns="0" rtlCol="0" anchor="ctr"/>
+          <a:lstStyle/>
+          <a:p>
+            <a:pPr algn="ctr"/>
+            <a:r>
+              <a:rPr lang="fr-FR" b="1" dirty="0">
+                <a:solidFill>
+                  <a:schemeClr val="tx1"/>
+                </a:solidFill>
+              </a:rPr>
+              <a:t>S</a:t>
+            </a:r>
+            <a:r>
+              <a:rPr lang="fr-FR" b="1" baseline="-25000" dirty="0">
+                <a:solidFill>
+                  <a:schemeClr val="tx1"/>
+                </a:solidFill>
+              </a:rPr>
+              <a:t>1</a:t>
+            </a:r>
+          </a:p>
+        </p:txBody>
+      </p:sp>
+      <p:sp>
+        <p:nvSpPr>
+          <p:cNvPr id="12" name="Ellipse 11">
+            <a:extLst>
+              <a:ext uri="{FF2B5EF4-FFF2-40B4-BE49-F238E27FC236}">
+                <a16:creationId xmlns:a16="http://schemas.microsoft.com/office/drawing/2014/main" id="{EDF683E1-C03A-4387-AE76-4E4CD0C2A8AA}"/>
+              </a:ext>
+            </a:extLst>
+          </p:cNvPr>
+          <p:cNvSpPr/>
+          <p:nvPr/>
+        </p:nvSpPr>
+        <p:spPr>
+          <a:xfrm>
+            <a:off x="5883349" y="2858391"/>
+            <a:ext cx="425302" cy="425302"/>
+          </a:xfrm>
+          <a:prstGeom prst="ellipse">
+            <a:avLst/>
+          </a:prstGeom>
+          <a:solidFill>
+            <a:schemeClr val="accent1">
+              <a:lumMod val="20000"/>
+              <a:lumOff val="80000"/>
+            </a:schemeClr>
+          </a:solidFill>
+          <a:ln w="28575">
+            <a:solidFill>
+              <a:schemeClr val="accent1">
+                <a:lumMod val="75000"/>
+              </a:schemeClr>
+            </a:solidFill>
+          </a:ln>
+        </p:spPr>
+        <p:style>
+          <a:lnRef idx="2">
+            <a:schemeClr val="accent1">
+              <a:shade val="50000"/>
+            </a:schemeClr>
+          </a:lnRef>
+          <a:fillRef idx="1">
+            <a:schemeClr val="accent1"/>
+          </a:fillRef>
+          <a:effectRef idx="0">
+            <a:schemeClr val="accent1"/>
+          </a:effectRef>
+          <a:fontRef idx="minor">
+            <a:schemeClr val="lt1"/>
+          </a:fontRef>
+        </p:style>
+        <p:txBody>
+          <a:bodyPr lIns="0" tIns="0" rIns="0" bIns="0" rtlCol="0" anchor="ctr"/>
+          <a:lstStyle/>
+          <a:p>
+            <a:pPr algn="ctr"/>
+            <a:r>
+              <a:rPr lang="fr-FR" b="1" dirty="0">
+                <a:solidFill>
+                  <a:schemeClr val="tx1"/>
+                </a:solidFill>
+              </a:rPr>
+              <a:t>S</a:t>
+            </a:r>
+            <a:r>
+              <a:rPr lang="fr-FR" b="1" baseline="-25000" dirty="0">
+                <a:solidFill>
+                  <a:schemeClr val="tx1"/>
+                </a:solidFill>
+              </a:rPr>
+              <a:t>2</a:t>
+            </a:r>
+          </a:p>
+        </p:txBody>
+      </p:sp>
+      <p:sp>
+        <p:nvSpPr>
+          <p:cNvPr id="13" name="Ellipse 12">
+            <a:extLst>
+              <a:ext uri="{FF2B5EF4-FFF2-40B4-BE49-F238E27FC236}">
+                <a16:creationId xmlns:a16="http://schemas.microsoft.com/office/drawing/2014/main" id="{91C6549F-3030-423F-92E7-078F5FC8C3BB}"/>
+              </a:ext>
+            </a:extLst>
+          </p:cNvPr>
+          <p:cNvSpPr/>
+          <p:nvPr/>
+        </p:nvSpPr>
+        <p:spPr>
+          <a:xfrm>
+            <a:off x="5883349" y="2101712"/>
+            <a:ext cx="425302" cy="425302"/>
+          </a:xfrm>
+          <a:prstGeom prst="ellipse">
+            <a:avLst/>
+          </a:prstGeom>
+          <a:solidFill>
+            <a:schemeClr val="accent1">
+              <a:lumMod val="20000"/>
+              <a:lumOff val="80000"/>
+            </a:schemeClr>
+          </a:solidFill>
+          <a:ln w="28575">
+            <a:solidFill>
+              <a:schemeClr val="accent1">
+                <a:lumMod val="75000"/>
+              </a:schemeClr>
+            </a:solidFill>
+            <a:tailEnd type="stealth" w="med" len="lg"/>
+          </a:ln>
+        </p:spPr>
+        <p:style>
+          <a:lnRef idx="1">
+            <a:schemeClr val="accent1"/>
+          </a:lnRef>
+          <a:fillRef idx="0">
+            <a:schemeClr val="accent1"/>
+          </a:fillRef>
+          <a:effectRef idx="0">
+            <a:schemeClr val="accent1"/>
+          </a:effectRef>
+          <a:fontRef idx="minor">
+            <a:schemeClr val="tx1"/>
+          </a:fontRef>
+        </p:style>
+        <p:txBody>
+          <a:bodyPr lIns="0" tIns="0" rIns="0" bIns="0" rtlCol="0" anchor="ctr"/>
+          <a:lstStyle/>
+          <a:p>
+            <a:pPr algn="ctr"/>
+            <a:r>
+              <a:rPr lang="fr-FR" b="1" dirty="0">
+                <a:solidFill>
+                  <a:schemeClr val="tx1"/>
+                </a:solidFill>
+              </a:rPr>
+              <a:t>S</a:t>
+            </a:r>
+            <a:r>
+              <a:rPr lang="fr-FR" b="1" baseline="-25000" dirty="0">
+                <a:solidFill>
+                  <a:schemeClr val="tx1"/>
+                </a:solidFill>
+              </a:rPr>
+              <a:t>3</a:t>
+            </a:r>
+          </a:p>
+        </p:txBody>
+      </p:sp>
+      <p:sp>
+        <p:nvSpPr>
+          <p:cNvPr id="14" name="Ellipse 13">
+            <a:extLst>
+              <a:ext uri="{FF2B5EF4-FFF2-40B4-BE49-F238E27FC236}">
+                <a16:creationId xmlns:a16="http://schemas.microsoft.com/office/drawing/2014/main" id="{C9406F36-E067-4917-BF14-3669A0DE3999}"/>
+              </a:ext>
+            </a:extLst>
+          </p:cNvPr>
+          <p:cNvSpPr/>
+          <p:nvPr/>
+        </p:nvSpPr>
+        <p:spPr>
+          <a:xfrm>
+            <a:off x="5883349" y="1345034"/>
+            <a:ext cx="425302" cy="425302"/>
+          </a:xfrm>
+          <a:prstGeom prst="ellipse">
+            <a:avLst/>
+          </a:prstGeom>
+          <a:solidFill>
+            <a:schemeClr val="accent1">
+              <a:lumMod val="20000"/>
+              <a:lumOff val="80000"/>
+            </a:schemeClr>
+          </a:solidFill>
+          <a:ln w="28575">
+            <a:solidFill>
+              <a:schemeClr val="accent1">
+                <a:lumMod val="75000"/>
+              </a:schemeClr>
+            </a:solidFill>
+          </a:ln>
+        </p:spPr>
+        <p:style>
+          <a:lnRef idx="2">
+            <a:schemeClr val="accent1">
+              <a:shade val="50000"/>
+            </a:schemeClr>
+          </a:lnRef>
+          <a:fillRef idx="1">
+            <a:schemeClr val="accent1"/>
+          </a:fillRef>
+          <a:effectRef idx="0">
+            <a:schemeClr val="accent1"/>
+          </a:effectRef>
+          <a:fontRef idx="minor">
+            <a:schemeClr val="lt1"/>
+          </a:fontRef>
+        </p:style>
+        <p:txBody>
+          <a:bodyPr lIns="0" tIns="0" rIns="0" bIns="0" rtlCol="0" anchor="ctr"/>
+          <a:lstStyle/>
+          <a:p>
+            <a:pPr algn="ctr"/>
+            <a:r>
+              <a:rPr lang="fr-FR" b="1" dirty="0">
+                <a:solidFill>
+                  <a:schemeClr val="tx1"/>
+                </a:solidFill>
+              </a:rPr>
+              <a:t>S</a:t>
+            </a:r>
+            <a:r>
+              <a:rPr lang="fr-FR" b="1" baseline="-25000" dirty="0">
+                <a:solidFill>
+                  <a:schemeClr val="tx1"/>
+                </a:solidFill>
+              </a:rPr>
+              <a:t>4</a:t>
+            </a:r>
+          </a:p>
+        </p:txBody>
+      </p:sp>
+      <p:sp>
+        <p:nvSpPr>
+          <p:cNvPr id="15" name="Ellipse 14">
+            <a:extLst>
+              <a:ext uri="{FF2B5EF4-FFF2-40B4-BE49-F238E27FC236}">
+                <a16:creationId xmlns:a16="http://schemas.microsoft.com/office/drawing/2014/main" id="{38B99A88-8C8B-4954-A08D-C2B15087B240}"/>
+              </a:ext>
+            </a:extLst>
+          </p:cNvPr>
+          <p:cNvSpPr/>
+          <p:nvPr/>
+        </p:nvSpPr>
+        <p:spPr>
+          <a:xfrm>
+            <a:off x="5181600" y="3927488"/>
+            <a:ext cx="425302" cy="425302"/>
+          </a:xfrm>
+          <a:prstGeom prst="ellipse">
+            <a:avLst/>
+          </a:prstGeom>
+          <a:solidFill>
+            <a:schemeClr val="accent1">
+              <a:lumMod val="20000"/>
+              <a:lumOff val="80000"/>
+            </a:schemeClr>
+          </a:solidFill>
+          <a:ln w="28575">
+            <a:solidFill>
+              <a:schemeClr val="accent1">
+                <a:lumMod val="75000"/>
+              </a:schemeClr>
+            </a:solidFill>
+          </a:ln>
+        </p:spPr>
+        <p:style>
+          <a:lnRef idx="2">
+            <a:schemeClr val="accent1">
+              <a:shade val="50000"/>
+            </a:schemeClr>
+          </a:lnRef>
+          <a:fillRef idx="1">
+            <a:schemeClr val="accent1"/>
+          </a:fillRef>
+          <a:effectRef idx="0">
+            <a:schemeClr val="accent1"/>
+          </a:effectRef>
+          <a:fontRef idx="minor">
+            <a:schemeClr val="lt1"/>
+          </a:fontRef>
+        </p:style>
+        <p:txBody>
+          <a:bodyPr lIns="0" tIns="0" rIns="0" bIns="0" rtlCol="0" anchor="ctr"/>
+          <a:lstStyle/>
+          <a:p>
+            <a:pPr algn="ctr"/>
+            <a:r>
+              <a:rPr lang="fr-FR" b="1" dirty="0">
+                <a:solidFill>
+                  <a:schemeClr val="tx1"/>
+                </a:solidFill>
+              </a:rPr>
+              <a:t>S</a:t>
+            </a:r>
+            <a:r>
+              <a:rPr lang="fr-FR" b="1" baseline="-25000" dirty="0">
+                <a:solidFill>
+                  <a:schemeClr val="tx1"/>
+                </a:solidFill>
+              </a:rPr>
+              <a:t>5</a:t>
+            </a:r>
+          </a:p>
+        </p:txBody>
+      </p:sp>
+      <p:sp>
+        <p:nvSpPr>
+          <p:cNvPr id="16" name="Ellipse 15">
+            <a:extLst>
+              <a:ext uri="{FF2B5EF4-FFF2-40B4-BE49-F238E27FC236}">
+                <a16:creationId xmlns:a16="http://schemas.microsoft.com/office/drawing/2014/main" id="{87B61264-A64D-4915-93F0-607502E150B5}"/>
+              </a:ext>
+            </a:extLst>
+          </p:cNvPr>
+          <p:cNvSpPr/>
+          <p:nvPr/>
+        </p:nvSpPr>
+        <p:spPr>
+          <a:xfrm>
+            <a:off x="4430237" y="1676410"/>
+            <a:ext cx="425302" cy="425302"/>
+          </a:xfrm>
+          <a:prstGeom prst="ellipse">
+            <a:avLst/>
+          </a:prstGeom>
+          <a:solidFill>
+            <a:schemeClr val="accent1">
+              <a:lumMod val="20000"/>
+              <a:lumOff val="80000"/>
+            </a:schemeClr>
+          </a:solidFill>
+          <a:ln w="28575">
+            <a:solidFill>
+              <a:schemeClr val="accent1">
+                <a:lumMod val="75000"/>
+              </a:schemeClr>
+            </a:solidFill>
+          </a:ln>
+        </p:spPr>
+        <p:style>
+          <a:lnRef idx="2">
+            <a:schemeClr val="accent1">
+              <a:shade val="50000"/>
+            </a:schemeClr>
+          </a:lnRef>
+          <a:fillRef idx="1">
+            <a:schemeClr val="accent1"/>
+          </a:fillRef>
+          <a:effectRef idx="0">
+            <a:schemeClr val="accent1"/>
+          </a:effectRef>
+          <a:fontRef idx="minor">
+            <a:schemeClr val="lt1"/>
+          </a:fontRef>
+        </p:style>
+        <p:txBody>
+          <a:bodyPr lIns="0" tIns="0" rIns="0" bIns="0" rtlCol="0" anchor="ctr"/>
+          <a:lstStyle/>
+          <a:p>
+            <a:pPr algn="ctr"/>
+            <a:r>
+              <a:rPr lang="fr-FR" b="1" dirty="0">
+                <a:solidFill>
+                  <a:schemeClr val="tx1"/>
+                </a:solidFill>
+              </a:rPr>
+              <a:t>S</a:t>
+            </a:r>
+            <a:r>
+              <a:rPr lang="fr-FR" b="1" baseline="-25000" dirty="0">
+                <a:solidFill>
+                  <a:schemeClr val="tx1"/>
+                </a:solidFill>
+              </a:rPr>
+              <a:t>6</a:t>
+            </a:r>
+          </a:p>
+        </p:txBody>
+      </p:sp>
+      <p:cxnSp>
+        <p:nvCxnSpPr>
+          <p:cNvPr id="38" name="Connecteur droit 37">
+            <a:extLst>
+              <a:ext uri="{FF2B5EF4-FFF2-40B4-BE49-F238E27FC236}">
+                <a16:creationId xmlns:a16="http://schemas.microsoft.com/office/drawing/2014/main" id="{C446E762-BD1D-4A2D-A188-0AB80ED5ED64}"/>
+              </a:ext>
+            </a:extLst>
+          </p:cNvPr>
+          <p:cNvCxnSpPr>
+            <a:cxnSpLocks/>
+            <a:endCxn id="14" idx="6"/>
+          </p:cNvCxnSpPr>
+          <p:nvPr/>
+        </p:nvCxnSpPr>
+        <p:spPr>
+          <a:xfrm flipH="1">
+            <a:off x="6308651" y="1557685"/>
+            <a:ext cx="900223" cy="0"/>
+          </a:xfrm>
+          <a:prstGeom prst="line">
+            <a:avLst/>
+          </a:prstGeom>
+          <a:ln w="28575">
+            <a:solidFill>
+              <a:schemeClr val="tx1"/>
+            </a:solidFill>
+            <a:tailEnd type="stealth" w="med" len="lg"/>
+          </a:ln>
+        </p:spPr>
+        <p:style>
+          <a:lnRef idx="1">
+            <a:schemeClr val="accent1"/>
+          </a:lnRef>
+          <a:fillRef idx="0">
+            <a:schemeClr val="accent1"/>
+          </a:fillRef>
+          <a:effectRef idx="0">
+            <a:schemeClr val="accent1"/>
+          </a:effectRef>
+          <a:fontRef idx="minor">
+            <a:schemeClr val="tx1"/>
+          </a:fontRef>
+        </p:style>
+      </p:cxnSp>
+      <p:sp>
+        <p:nvSpPr>
+          <p:cNvPr id="41" name="ZoneTexte 40">
+            <a:extLst>
+              <a:ext uri="{FF2B5EF4-FFF2-40B4-BE49-F238E27FC236}">
+                <a16:creationId xmlns:a16="http://schemas.microsoft.com/office/drawing/2014/main" id="{2223C6B3-2445-4A17-9C47-A16BEDBF6BB7}"/>
+              </a:ext>
+            </a:extLst>
+          </p:cNvPr>
+          <p:cNvSpPr txBox="1"/>
+          <p:nvPr/>
+        </p:nvSpPr>
+        <p:spPr>
+          <a:xfrm>
+            <a:off x="7208874" y="1373019"/>
+            <a:ext cx="1318437" cy="369332"/>
+          </a:xfrm>
+          <a:prstGeom prst="rect">
+            <a:avLst/>
+          </a:prstGeom>
+          <a:noFill/>
+        </p:spPr>
+        <p:txBody>
+          <a:bodyPr wrap="square" rtlCol="0" anchor="ctr">
+            <a:spAutoFit/>
+          </a:bodyPr>
+          <a:lstStyle/>
+          <a:p>
+            <a:r>
+              <a:rPr lang="fr-FR" dirty="0"/>
+              <a:t>Sommet</a:t>
+            </a:r>
+          </a:p>
+        </p:txBody>
+      </p:sp>
+      <p:cxnSp>
+        <p:nvCxnSpPr>
+          <p:cNvPr id="42" name="Connecteur droit 41">
+            <a:extLst>
+              <a:ext uri="{FF2B5EF4-FFF2-40B4-BE49-F238E27FC236}">
+                <a16:creationId xmlns:a16="http://schemas.microsoft.com/office/drawing/2014/main" id="{ADC4F4DD-1858-431B-9F53-9AE8577A8189}"/>
+              </a:ext>
+            </a:extLst>
+          </p:cNvPr>
+          <p:cNvCxnSpPr>
+            <a:cxnSpLocks/>
+          </p:cNvCxnSpPr>
+          <p:nvPr/>
+        </p:nvCxnSpPr>
+        <p:spPr>
+          <a:xfrm flipH="1">
+            <a:off x="6096000" y="2711328"/>
+            <a:ext cx="1112875" cy="0"/>
+          </a:xfrm>
+          <a:prstGeom prst="line">
+            <a:avLst/>
+          </a:prstGeom>
+          <a:ln w="28575">
+            <a:solidFill>
+              <a:schemeClr val="tx1"/>
+            </a:solidFill>
+            <a:tailEnd type="stealth" w="med" len="lg"/>
+          </a:ln>
+        </p:spPr>
+        <p:style>
+          <a:lnRef idx="1">
+            <a:schemeClr val="accent1"/>
+          </a:lnRef>
+          <a:fillRef idx="0">
+            <a:schemeClr val="accent1"/>
+          </a:fillRef>
+          <a:effectRef idx="0">
+            <a:schemeClr val="accent1"/>
+          </a:effectRef>
+          <a:fontRef idx="minor">
+            <a:schemeClr val="tx1"/>
+          </a:fontRef>
+        </p:style>
+      </p:cxnSp>
+      <p:sp>
+        <p:nvSpPr>
+          <p:cNvPr id="43" name="ZoneTexte 42">
+            <a:extLst>
+              <a:ext uri="{FF2B5EF4-FFF2-40B4-BE49-F238E27FC236}">
+                <a16:creationId xmlns:a16="http://schemas.microsoft.com/office/drawing/2014/main" id="{F7BAFBEA-9DC0-4073-BB0C-94FE76C0F473}"/>
+              </a:ext>
+            </a:extLst>
+          </p:cNvPr>
+          <p:cNvSpPr txBox="1"/>
+          <p:nvPr/>
+        </p:nvSpPr>
+        <p:spPr>
+          <a:xfrm>
+            <a:off x="7208874" y="2526662"/>
+            <a:ext cx="1318437" cy="369332"/>
+          </a:xfrm>
+          <a:prstGeom prst="rect">
+            <a:avLst/>
+          </a:prstGeom>
+          <a:noFill/>
+        </p:spPr>
+        <p:txBody>
+          <a:bodyPr wrap="square" rtlCol="0" anchor="ctr">
+            <a:spAutoFit/>
+          </a:bodyPr>
+          <a:lstStyle/>
+          <a:p>
+            <a:r>
+              <a:rPr lang="fr-FR" dirty="0"/>
+              <a:t>Arc</a:t>
+            </a:r>
+          </a:p>
+        </p:txBody>
+      </p:sp>
+      <p:sp>
+        <p:nvSpPr>
+          <p:cNvPr id="40" name="ZoneTexte 39">
+            <a:extLst>
+              <a:ext uri="{FF2B5EF4-FFF2-40B4-BE49-F238E27FC236}">
+                <a16:creationId xmlns:a16="http://schemas.microsoft.com/office/drawing/2014/main" id="{8F622977-B0CF-4BF2-93F5-270EEED4F226}"/>
+              </a:ext>
+            </a:extLst>
+          </p:cNvPr>
+          <p:cNvSpPr txBox="1"/>
+          <p:nvPr/>
+        </p:nvSpPr>
+        <p:spPr>
+          <a:xfrm>
+            <a:off x="5219009" y="2856452"/>
+            <a:ext cx="425302" cy="369298"/>
+          </a:xfrm>
+          <a:prstGeom prst="rect">
+            <a:avLst/>
+          </a:prstGeom>
+          <a:noFill/>
+        </p:spPr>
+        <p:txBody>
+          <a:bodyPr wrap="square" rtlCol="0" anchor="ctr">
+            <a:spAutoFit/>
+          </a:bodyPr>
+          <a:lstStyle/>
+          <a:p>
+            <a:pPr algn="ctr"/>
+            <a:r>
+              <a:rPr lang="fr-FR" b="1" dirty="0"/>
+              <a:t>A</a:t>
+            </a:r>
+            <a:r>
+              <a:rPr lang="fr-FR" b="1" baseline="-25000" dirty="0"/>
+              <a:t>1</a:t>
+            </a:r>
+          </a:p>
+        </p:txBody>
+      </p:sp>
+      <p:sp>
+        <p:nvSpPr>
+          <p:cNvPr id="44" name="ZoneTexte 43">
+            <a:extLst>
+              <a:ext uri="{FF2B5EF4-FFF2-40B4-BE49-F238E27FC236}">
+                <a16:creationId xmlns:a16="http://schemas.microsoft.com/office/drawing/2014/main" id="{A56711C1-51DF-474A-8B9B-50F3B714431B}"/>
+              </a:ext>
+            </a:extLst>
+          </p:cNvPr>
+          <p:cNvSpPr txBox="1"/>
+          <p:nvPr/>
+        </p:nvSpPr>
+        <p:spPr>
+          <a:xfrm>
+            <a:off x="5755762" y="2487658"/>
+            <a:ext cx="425302" cy="369332"/>
+          </a:xfrm>
+          <a:prstGeom prst="rect">
+            <a:avLst/>
+          </a:prstGeom>
+          <a:noFill/>
+        </p:spPr>
+        <p:txBody>
+          <a:bodyPr wrap="square" rtlCol="0" anchor="ctr">
+            <a:spAutoFit/>
+          </a:bodyPr>
+          <a:lstStyle/>
+          <a:p>
+            <a:pPr algn="ctr"/>
+            <a:r>
+              <a:rPr lang="fr-FR" b="1" dirty="0"/>
+              <a:t>A</a:t>
+            </a:r>
+            <a:r>
+              <a:rPr lang="fr-FR" b="1" baseline="-25000" dirty="0"/>
+              <a:t>2</a:t>
+            </a:r>
+          </a:p>
+        </p:txBody>
+      </p:sp>
+      <p:sp>
+        <p:nvSpPr>
+          <p:cNvPr id="45" name="ZoneTexte 44">
+            <a:extLst>
+              <a:ext uri="{FF2B5EF4-FFF2-40B4-BE49-F238E27FC236}">
+                <a16:creationId xmlns:a16="http://schemas.microsoft.com/office/drawing/2014/main" id="{4E9DD261-96BD-456F-B7F2-9D0E8A31627D}"/>
+              </a:ext>
+            </a:extLst>
+          </p:cNvPr>
+          <p:cNvSpPr txBox="1"/>
+          <p:nvPr/>
+        </p:nvSpPr>
+        <p:spPr>
+          <a:xfrm>
+            <a:off x="5751748" y="1750650"/>
+            <a:ext cx="425302" cy="369332"/>
+          </a:xfrm>
+          <a:prstGeom prst="rect">
+            <a:avLst/>
+          </a:prstGeom>
+          <a:noFill/>
+        </p:spPr>
+        <p:txBody>
+          <a:bodyPr wrap="square" rtlCol="0" anchor="ctr">
+            <a:spAutoFit/>
+          </a:bodyPr>
+          <a:lstStyle/>
+          <a:p>
+            <a:pPr algn="ctr"/>
+            <a:r>
+              <a:rPr lang="fr-FR" b="1" dirty="0"/>
+              <a:t>A</a:t>
+            </a:r>
+            <a:r>
+              <a:rPr lang="fr-FR" b="1" baseline="-25000" dirty="0"/>
+              <a:t>3</a:t>
+            </a:r>
+          </a:p>
+        </p:txBody>
+      </p:sp>
+      <p:sp>
+        <p:nvSpPr>
+          <p:cNvPr id="46" name="ZoneTexte 45">
+            <a:extLst>
+              <a:ext uri="{FF2B5EF4-FFF2-40B4-BE49-F238E27FC236}">
+                <a16:creationId xmlns:a16="http://schemas.microsoft.com/office/drawing/2014/main" id="{1DC7FEB4-AD69-4D94-9560-E0DE9EFF4D60}"/>
+              </a:ext>
+            </a:extLst>
+          </p:cNvPr>
+          <p:cNvSpPr txBox="1"/>
+          <p:nvPr/>
+        </p:nvSpPr>
+        <p:spPr>
+          <a:xfrm>
+            <a:off x="5219009" y="2424287"/>
+            <a:ext cx="425302" cy="369332"/>
+          </a:xfrm>
+          <a:prstGeom prst="rect">
+            <a:avLst/>
+          </a:prstGeom>
+          <a:noFill/>
+        </p:spPr>
+        <p:txBody>
+          <a:bodyPr wrap="square" rtlCol="0" anchor="ctr">
+            <a:spAutoFit/>
+          </a:bodyPr>
+          <a:lstStyle/>
+          <a:p>
+            <a:pPr algn="ctr"/>
+            <a:r>
+              <a:rPr lang="fr-FR" b="1" dirty="0"/>
+              <a:t>A</a:t>
+            </a:r>
+            <a:r>
+              <a:rPr lang="fr-FR" b="1" baseline="-25000" dirty="0"/>
+              <a:t>5</a:t>
+            </a:r>
+          </a:p>
+        </p:txBody>
+      </p:sp>
+      <p:sp>
+        <p:nvSpPr>
+          <p:cNvPr id="47" name="ZoneTexte 46">
+            <a:extLst>
+              <a:ext uri="{FF2B5EF4-FFF2-40B4-BE49-F238E27FC236}">
+                <a16:creationId xmlns:a16="http://schemas.microsoft.com/office/drawing/2014/main" id="{26C194D8-BCEC-4D48-9372-2BCC6835448B}"/>
+              </a:ext>
+            </a:extLst>
+          </p:cNvPr>
+          <p:cNvSpPr txBox="1"/>
+          <p:nvPr/>
+        </p:nvSpPr>
+        <p:spPr>
+          <a:xfrm>
+            <a:off x="5219009" y="1890641"/>
+            <a:ext cx="425302" cy="369332"/>
+          </a:xfrm>
+          <a:prstGeom prst="rect">
+            <a:avLst/>
+          </a:prstGeom>
+          <a:noFill/>
+        </p:spPr>
+        <p:txBody>
+          <a:bodyPr wrap="square" rtlCol="0" anchor="ctr">
+            <a:spAutoFit/>
+          </a:bodyPr>
+          <a:lstStyle/>
+          <a:p>
+            <a:pPr algn="ctr"/>
+            <a:r>
+              <a:rPr lang="fr-FR" b="1" dirty="0"/>
+              <a:t>A</a:t>
+            </a:r>
+            <a:r>
+              <a:rPr lang="fr-FR" b="1" baseline="-25000" dirty="0"/>
+              <a:t>4</a:t>
+            </a:r>
+          </a:p>
+        </p:txBody>
+      </p:sp>
+      <p:sp>
+        <p:nvSpPr>
+          <p:cNvPr id="48" name="ZoneTexte 47">
+            <a:extLst>
+              <a:ext uri="{FF2B5EF4-FFF2-40B4-BE49-F238E27FC236}">
+                <a16:creationId xmlns:a16="http://schemas.microsoft.com/office/drawing/2014/main" id="{7B72A33D-DBFB-4462-B259-C761D93B3B96}"/>
+              </a:ext>
+            </a:extLst>
+          </p:cNvPr>
+          <p:cNvSpPr txBox="1"/>
+          <p:nvPr/>
+        </p:nvSpPr>
+        <p:spPr>
+          <a:xfrm>
+            <a:off x="4862624" y="3445752"/>
+            <a:ext cx="425302" cy="369332"/>
+          </a:xfrm>
+          <a:prstGeom prst="rect">
+            <a:avLst/>
+          </a:prstGeom>
+          <a:noFill/>
+        </p:spPr>
+        <p:txBody>
+          <a:bodyPr wrap="square" rtlCol="0" anchor="ctr">
+            <a:spAutoFit/>
+          </a:bodyPr>
+          <a:lstStyle/>
+          <a:p>
+            <a:pPr algn="ctr"/>
+            <a:r>
+              <a:rPr lang="fr-FR" b="1" dirty="0"/>
+              <a:t>A</a:t>
+            </a:r>
+            <a:r>
+              <a:rPr lang="fr-FR" b="1" baseline="-25000" dirty="0"/>
+              <a:t>6</a:t>
+            </a:r>
+          </a:p>
+        </p:txBody>
+      </p:sp>
+      <p:sp>
+        <p:nvSpPr>
+          <p:cNvPr id="49" name="ZoneTexte 48">
+            <a:extLst>
+              <a:ext uri="{FF2B5EF4-FFF2-40B4-BE49-F238E27FC236}">
+                <a16:creationId xmlns:a16="http://schemas.microsoft.com/office/drawing/2014/main" id="{5C458C46-E063-4857-A271-CFCF88EB32C1}"/>
+              </a:ext>
+            </a:extLst>
+          </p:cNvPr>
+          <p:cNvSpPr txBox="1"/>
+          <p:nvPr/>
+        </p:nvSpPr>
+        <p:spPr>
+          <a:xfrm>
+            <a:off x="4217586" y="2402687"/>
+            <a:ext cx="425302" cy="369332"/>
+          </a:xfrm>
+          <a:prstGeom prst="rect">
+            <a:avLst/>
+          </a:prstGeom>
+          <a:noFill/>
+        </p:spPr>
+        <p:txBody>
+          <a:bodyPr wrap="square" rtlCol="0" anchor="ctr">
+            <a:spAutoFit/>
+          </a:bodyPr>
+          <a:lstStyle/>
+          <a:p>
+            <a:pPr algn="ctr"/>
+            <a:r>
+              <a:rPr lang="fr-FR" b="1" dirty="0"/>
+              <a:t>A</a:t>
+            </a:r>
+            <a:r>
+              <a:rPr lang="fr-FR" b="1" baseline="-25000" dirty="0"/>
+              <a:t>7</a:t>
+            </a:r>
+          </a:p>
+        </p:txBody>
+      </p:sp>
+    </p:spTree>
+    <p:extLst>
+      <p:ext uri="{BB962C8B-B14F-4D97-AF65-F5344CB8AC3E}">
+        <p14:creationId xmlns:p14="http://schemas.microsoft.com/office/powerpoint/2010/main" val="3649243130"/>
+      </p:ext>
+    </p:extLst>
+  </p:cSld>
+  <p:clrMapOvr>
+    <a:masterClrMapping/>
+  </p:clrMapOvr>
+</p:sld>
+</file>
+
+<file path=ppt/slides/slide11.xml><?xml version="1.0" encoding="utf-8"?>
+<p:sld xmlns:a="http://schemas.openxmlformats.org/drawingml/2006/main" xmlns:r="http://schemas.openxmlformats.org/officeDocument/2006/relationships" xmlns:p="http://schemas.openxmlformats.org/presentationml/2006/main">
+  <p:cSld>
+    <p:spTree>
+      <p:nvGrpSpPr>
+        <p:cNvPr id="1" name=""/>
+        <p:cNvGrpSpPr/>
+        <p:nvPr/>
+      </p:nvGrpSpPr>
+      <p:grpSpPr>
+        <a:xfrm>
+          <a:off x="0" y="0"/>
+          <a:ext cx="0" cy="0"/>
+          <a:chOff x="0" y="0"/>
+          <a:chExt cx="0" cy="0"/>
+        </a:xfrm>
+      </p:grpSpPr>
       <p:sp>
         <p:nvSpPr>
           <p:cNvPr id="45" name="ZoneTexte 44">
@@ -5516,7 +6748,7 @@
 </p:sld>
 </file>
 
-<file path=ppt/slides/slide11.xml><?xml version="1.0" encoding="utf-8"?>
+<file path=ppt/slides/slide12.xml><?xml version="1.0" encoding="utf-8"?>
 <p:sld xmlns:a="http://schemas.openxmlformats.org/drawingml/2006/main" xmlns:r="http://schemas.openxmlformats.org/officeDocument/2006/relationships" xmlns:p="http://schemas.openxmlformats.org/presentationml/2006/main">
   <p:cSld>
     <p:spTree>
@@ -6659,6 +7891,1421 @@
 </file>
 
 <file path=ppt/slides/slide2.xml><?xml version="1.0" encoding="utf-8"?>
+<p:sld xmlns:a="http://schemas.openxmlformats.org/drawingml/2006/main" xmlns:r="http://schemas.openxmlformats.org/officeDocument/2006/relationships" xmlns:p="http://schemas.openxmlformats.org/presentationml/2006/main">
+  <p:cSld>
+    <p:spTree>
+      <p:nvGrpSpPr>
+        <p:cNvPr id="1" name=""/>
+        <p:cNvGrpSpPr/>
+        <p:nvPr/>
+      </p:nvGrpSpPr>
+      <p:grpSpPr>
+        <a:xfrm>
+          <a:off x="0" y="0"/>
+          <a:ext cx="0" cy="0"/>
+          <a:chOff x="0" y="0"/>
+          <a:chExt cx="0" cy="0"/>
+        </a:xfrm>
+      </p:grpSpPr>
+      <p:cxnSp>
+        <p:nvCxnSpPr>
+          <p:cNvPr id="25" name="Connecteur droit 24">
+            <a:extLst>
+              <a:ext uri="{FF2B5EF4-FFF2-40B4-BE49-F238E27FC236}">
+                <a16:creationId xmlns:a16="http://schemas.microsoft.com/office/drawing/2014/main" id="{39598334-531A-4461-B488-0AEDDDFCB2C3}"/>
+              </a:ext>
+            </a:extLst>
+          </p:cNvPr>
+          <p:cNvCxnSpPr>
+            <a:cxnSpLocks/>
+            <a:stCxn id="15" idx="3"/>
+            <a:endCxn id="19" idx="7"/>
+          </p:cNvCxnSpPr>
+          <p:nvPr/>
+        </p:nvCxnSpPr>
+        <p:spPr>
+          <a:xfrm rot="5400000">
+            <a:off x="1567331" y="2505863"/>
+            <a:ext cx="420327" cy="1139742"/>
+          </a:xfrm>
+          <a:prstGeom prst="curvedConnector3">
+            <a:avLst>
+              <a:gd name="adj1" fmla="val 50000"/>
+            </a:avLst>
+          </a:prstGeom>
+          <a:ln w="28575">
+            <a:solidFill>
+              <a:srgbClr val="C00000"/>
+            </a:solidFill>
+            <a:headEnd type="none" w="med" len="med"/>
+            <a:tailEnd type="none" w="med" len="med"/>
+          </a:ln>
+        </p:spPr>
+        <p:style>
+          <a:lnRef idx="1">
+            <a:schemeClr val="accent1"/>
+          </a:lnRef>
+          <a:fillRef idx="0">
+            <a:schemeClr val="accent1"/>
+          </a:fillRef>
+          <a:effectRef idx="0">
+            <a:schemeClr val="accent1"/>
+          </a:effectRef>
+          <a:fontRef idx="minor">
+            <a:schemeClr val="tx1"/>
+          </a:fontRef>
+        </p:style>
+      </p:cxnSp>
+      <p:cxnSp>
+        <p:nvCxnSpPr>
+          <p:cNvPr id="28" name="Connecteur droit 27">
+            <a:extLst>
+              <a:ext uri="{FF2B5EF4-FFF2-40B4-BE49-F238E27FC236}">
+                <a16:creationId xmlns:a16="http://schemas.microsoft.com/office/drawing/2014/main" id="{39598334-531A-4461-B488-0AEDDDFCB2C3}"/>
+              </a:ext>
+            </a:extLst>
+          </p:cNvPr>
+          <p:cNvCxnSpPr>
+            <a:cxnSpLocks/>
+            <a:stCxn id="23" idx="2"/>
+            <a:endCxn id="19" idx="6"/>
+          </p:cNvCxnSpPr>
+          <p:nvPr/>
+        </p:nvCxnSpPr>
+        <p:spPr>
+          <a:xfrm flipH="1">
+            <a:off x="1269907" y="3436265"/>
+            <a:ext cx="2455650" cy="0"/>
+          </a:xfrm>
+          <a:prstGeom prst="line">
+            <a:avLst/>
+          </a:prstGeom>
+          <a:ln w="28575">
+            <a:solidFill>
+              <a:srgbClr val="C00000"/>
+            </a:solidFill>
+            <a:headEnd type="none" w="med" len="med"/>
+            <a:tailEnd type="none" w="med" len="med"/>
+          </a:ln>
+        </p:spPr>
+        <p:style>
+          <a:lnRef idx="1">
+            <a:schemeClr val="accent1"/>
+          </a:lnRef>
+          <a:fillRef idx="0">
+            <a:schemeClr val="accent1"/>
+          </a:fillRef>
+          <a:effectRef idx="0">
+            <a:schemeClr val="accent1"/>
+          </a:effectRef>
+          <a:fontRef idx="minor">
+            <a:schemeClr val="tx1"/>
+          </a:fontRef>
+        </p:style>
+      </p:cxnSp>
+      <p:cxnSp>
+        <p:nvCxnSpPr>
+          <p:cNvPr id="31" name="Connecteur droit 30">
+            <a:extLst>
+              <a:ext uri="{FF2B5EF4-FFF2-40B4-BE49-F238E27FC236}">
+                <a16:creationId xmlns:a16="http://schemas.microsoft.com/office/drawing/2014/main" id="{39598334-531A-4461-B488-0AEDDDFCB2C3}"/>
+              </a:ext>
+            </a:extLst>
+          </p:cNvPr>
+          <p:cNvCxnSpPr>
+            <a:cxnSpLocks/>
+            <a:stCxn id="15" idx="2"/>
+            <a:endCxn id="19" idx="0"/>
+          </p:cNvCxnSpPr>
+          <p:nvPr/>
+        </p:nvCxnSpPr>
+        <p:spPr>
+          <a:xfrm rot="10800000" flipV="1">
+            <a:off x="1057257" y="2715204"/>
+            <a:ext cx="1227825" cy="508410"/>
+          </a:xfrm>
+          <a:prstGeom prst="curvedConnector2">
+            <a:avLst/>
+          </a:prstGeom>
+          <a:ln w="28575">
+            <a:solidFill>
+              <a:srgbClr val="C00000"/>
+            </a:solidFill>
+            <a:headEnd type="none" w="med" len="med"/>
+            <a:tailEnd type="none" w="med" len="med"/>
+          </a:ln>
+        </p:spPr>
+        <p:style>
+          <a:lnRef idx="1">
+            <a:schemeClr val="accent1"/>
+          </a:lnRef>
+          <a:fillRef idx="0">
+            <a:schemeClr val="accent1"/>
+          </a:fillRef>
+          <a:effectRef idx="0">
+            <a:schemeClr val="accent1"/>
+          </a:effectRef>
+          <a:fontRef idx="minor">
+            <a:schemeClr val="tx1"/>
+          </a:fontRef>
+        </p:style>
+      </p:cxnSp>
+      <p:cxnSp>
+        <p:nvCxnSpPr>
+          <p:cNvPr id="4" name="Connecteur droit 3">
+            <a:extLst>
+              <a:ext uri="{FF2B5EF4-FFF2-40B4-BE49-F238E27FC236}">
+                <a16:creationId xmlns:a16="http://schemas.microsoft.com/office/drawing/2014/main" id="{6131883A-8603-4E82-A8CC-816B8FC23C1B}"/>
+              </a:ext>
+            </a:extLst>
+          </p:cNvPr>
+          <p:cNvCxnSpPr>
+            <a:cxnSpLocks/>
+            <a:endCxn id="16" idx="2"/>
+          </p:cNvCxnSpPr>
+          <p:nvPr/>
+        </p:nvCxnSpPr>
+        <p:spPr>
+          <a:xfrm>
+            <a:off x="9231538" y="975661"/>
+            <a:ext cx="1114637" cy="0"/>
+          </a:xfrm>
+          <a:prstGeom prst="line">
+            <a:avLst/>
+          </a:prstGeom>
+          <a:ln w="28575">
+            <a:solidFill>
+              <a:srgbClr val="C00000"/>
+            </a:solidFill>
+            <a:headEnd type="none" w="med" len="med"/>
+            <a:tailEnd type="none" w="med" len="med"/>
+          </a:ln>
+        </p:spPr>
+        <p:style>
+          <a:lnRef idx="1">
+            <a:schemeClr val="accent1"/>
+          </a:lnRef>
+          <a:fillRef idx="0">
+            <a:schemeClr val="accent1"/>
+          </a:fillRef>
+          <a:effectRef idx="0">
+            <a:schemeClr val="accent1"/>
+          </a:effectRef>
+          <a:fontRef idx="minor">
+            <a:schemeClr val="tx1"/>
+          </a:fontRef>
+        </p:style>
+      </p:cxnSp>
+      <p:cxnSp>
+        <p:nvCxnSpPr>
+          <p:cNvPr id="5" name="Connecteur droit 4">
+            <a:extLst>
+              <a:ext uri="{FF2B5EF4-FFF2-40B4-BE49-F238E27FC236}">
+                <a16:creationId xmlns:a16="http://schemas.microsoft.com/office/drawing/2014/main" id="{39598334-531A-4461-B488-0AEDDDFCB2C3}"/>
+              </a:ext>
+            </a:extLst>
+          </p:cNvPr>
+          <p:cNvCxnSpPr>
+            <a:cxnSpLocks/>
+            <a:stCxn id="14" idx="0"/>
+          </p:cNvCxnSpPr>
+          <p:nvPr/>
+        </p:nvCxnSpPr>
+        <p:spPr>
+          <a:xfrm flipH="1" flipV="1">
+            <a:off x="9169254" y="1126028"/>
+            <a:ext cx="1720948" cy="1090094"/>
+          </a:xfrm>
+          <a:prstGeom prst="line">
+            <a:avLst/>
+          </a:prstGeom>
+          <a:ln w="28575">
+            <a:solidFill>
+              <a:srgbClr val="C00000"/>
+            </a:solidFill>
+            <a:headEnd type="none" w="med" len="med"/>
+            <a:tailEnd type="none" w="med" len="med"/>
+          </a:ln>
+        </p:spPr>
+        <p:style>
+          <a:lnRef idx="1">
+            <a:schemeClr val="accent1"/>
+          </a:lnRef>
+          <a:fillRef idx="0">
+            <a:schemeClr val="accent1"/>
+          </a:fillRef>
+          <a:effectRef idx="0">
+            <a:schemeClr val="accent1"/>
+          </a:effectRef>
+          <a:fontRef idx="minor">
+            <a:schemeClr val="tx1"/>
+          </a:fontRef>
+        </p:style>
+      </p:cxnSp>
+      <p:cxnSp>
+        <p:nvCxnSpPr>
+          <p:cNvPr id="6" name="Connecteur droit 5">
+            <a:extLst>
+              <a:ext uri="{FF2B5EF4-FFF2-40B4-BE49-F238E27FC236}">
+                <a16:creationId xmlns:a16="http://schemas.microsoft.com/office/drawing/2014/main" id="{14562189-3E72-4CDF-89B4-4071B884E3FF}"/>
+              </a:ext>
+            </a:extLst>
+          </p:cNvPr>
+          <p:cNvCxnSpPr>
+            <a:cxnSpLocks/>
+            <a:endCxn id="13" idx="1"/>
+          </p:cNvCxnSpPr>
+          <p:nvPr/>
+        </p:nvCxnSpPr>
+        <p:spPr>
+          <a:xfrm>
+            <a:off x="8868520" y="825294"/>
+            <a:ext cx="1114637" cy="1453112"/>
+          </a:xfrm>
+          <a:prstGeom prst="line">
+            <a:avLst/>
+          </a:prstGeom>
+          <a:ln w="28575">
+            <a:solidFill>
+              <a:srgbClr val="C00000"/>
+            </a:solidFill>
+            <a:headEnd type="none" w="med" len="med"/>
+            <a:tailEnd type="none" w="med" len="med"/>
+          </a:ln>
+        </p:spPr>
+        <p:style>
+          <a:lnRef idx="1">
+            <a:schemeClr val="accent1"/>
+          </a:lnRef>
+          <a:fillRef idx="0">
+            <a:schemeClr val="accent1"/>
+          </a:fillRef>
+          <a:effectRef idx="0">
+            <a:schemeClr val="accent1"/>
+          </a:effectRef>
+          <a:fontRef idx="minor">
+            <a:schemeClr val="tx1"/>
+          </a:fontRef>
+        </p:style>
+      </p:cxnSp>
+      <p:cxnSp>
+        <p:nvCxnSpPr>
+          <p:cNvPr id="7" name="Connecteur droit 6">
+            <a:extLst>
+              <a:ext uri="{FF2B5EF4-FFF2-40B4-BE49-F238E27FC236}">
+                <a16:creationId xmlns:a16="http://schemas.microsoft.com/office/drawing/2014/main" id="{A7C490C5-8EF0-47D5-BC68-1B3506AE54B9}"/>
+              </a:ext>
+            </a:extLst>
+          </p:cNvPr>
+          <p:cNvCxnSpPr>
+            <a:cxnSpLocks/>
+            <a:endCxn id="12" idx="0"/>
+          </p:cNvCxnSpPr>
+          <p:nvPr/>
+        </p:nvCxnSpPr>
+        <p:spPr>
+          <a:xfrm>
+            <a:off x="9018887" y="975660"/>
+            <a:ext cx="357958" cy="1240462"/>
+          </a:xfrm>
+          <a:prstGeom prst="line">
+            <a:avLst/>
+          </a:prstGeom>
+          <a:ln w="28575">
+            <a:solidFill>
+              <a:srgbClr val="C00000"/>
+            </a:solidFill>
+            <a:headEnd type="none" w="med" len="med"/>
+            <a:tailEnd type="none" w="med" len="med"/>
+          </a:ln>
+        </p:spPr>
+        <p:style>
+          <a:lnRef idx="1">
+            <a:schemeClr val="accent1"/>
+          </a:lnRef>
+          <a:fillRef idx="0">
+            <a:schemeClr val="accent1"/>
+          </a:fillRef>
+          <a:effectRef idx="0">
+            <a:schemeClr val="accent1"/>
+          </a:effectRef>
+          <a:fontRef idx="minor">
+            <a:schemeClr val="tx1"/>
+          </a:fontRef>
+        </p:style>
+      </p:cxnSp>
+      <p:cxnSp>
+        <p:nvCxnSpPr>
+          <p:cNvPr id="8" name="Connecteur droit 7">
+            <a:extLst>
+              <a:ext uri="{FF2B5EF4-FFF2-40B4-BE49-F238E27FC236}">
+                <a16:creationId xmlns:a16="http://schemas.microsoft.com/office/drawing/2014/main" id="{65952C0B-F10C-4DFE-9DB7-FC21BABDC421}"/>
+              </a:ext>
+            </a:extLst>
+          </p:cNvPr>
+          <p:cNvCxnSpPr>
+            <a:cxnSpLocks/>
+          </p:cNvCxnSpPr>
+          <p:nvPr/>
+        </p:nvCxnSpPr>
+        <p:spPr>
+          <a:xfrm flipH="1">
+            <a:off x="8283630" y="1014229"/>
+            <a:ext cx="711139" cy="751363"/>
+          </a:xfrm>
+          <a:prstGeom prst="line">
+            <a:avLst/>
+          </a:prstGeom>
+          <a:ln w="28575">
+            <a:solidFill>
+              <a:srgbClr val="C00000"/>
+            </a:solidFill>
+            <a:headEnd type="none" w="med" len="med"/>
+            <a:tailEnd type="none" w="med" len="med"/>
+          </a:ln>
+        </p:spPr>
+        <p:style>
+          <a:lnRef idx="1">
+            <a:schemeClr val="accent1"/>
+          </a:lnRef>
+          <a:fillRef idx="0">
+            <a:schemeClr val="accent1"/>
+          </a:fillRef>
+          <a:effectRef idx="0">
+            <a:schemeClr val="accent1"/>
+          </a:effectRef>
+          <a:fontRef idx="minor">
+            <a:schemeClr val="tx1"/>
+          </a:fontRef>
+        </p:style>
+      </p:cxnSp>
+      <p:cxnSp>
+        <p:nvCxnSpPr>
+          <p:cNvPr id="9" name="Connecteur droit 8">
+            <a:extLst>
+              <a:ext uri="{FF2B5EF4-FFF2-40B4-BE49-F238E27FC236}">
+                <a16:creationId xmlns:a16="http://schemas.microsoft.com/office/drawing/2014/main" id="{134C44C7-8A3C-4594-8CF2-0D33B4430A90}"/>
+              </a:ext>
+            </a:extLst>
+          </p:cNvPr>
+          <p:cNvCxnSpPr>
+            <a:cxnSpLocks/>
+            <a:stCxn id="12" idx="6"/>
+            <a:endCxn id="13" idx="2"/>
+          </p:cNvCxnSpPr>
+          <p:nvPr/>
+        </p:nvCxnSpPr>
+        <p:spPr>
+          <a:xfrm>
+            <a:off x="9589496" y="2428773"/>
+            <a:ext cx="331377" cy="0"/>
+          </a:xfrm>
+          <a:prstGeom prst="line">
+            <a:avLst/>
+          </a:prstGeom>
+          <a:ln w="28575">
+            <a:solidFill>
+              <a:srgbClr val="C00000"/>
+            </a:solidFill>
+            <a:headEnd type="none" w="med" len="med"/>
+            <a:tailEnd type="none" w="med" len="med"/>
+          </a:ln>
+        </p:spPr>
+        <p:style>
+          <a:lnRef idx="1">
+            <a:schemeClr val="accent1"/>
+          </a:lnRef>
+          <a:fillRef idx="0">
+            <a:schemeClr val="accent1"/>
+          </a:fillRef>
+          <a:effectRef idx="0">
+            <a:schemeClr val="accent1"/>
+          </a:effectRef>
+          <a:fontRef idx="minor">
+            <a:schemeClr val="tx1"/>
+          </a:fontRef>
+        </p:style>
+      </p:cxnSp>
+      <p:cxnSp>
+        <p:nvCxnSpPr>
+          <p:cNvPr id="10" name="Connecteur droit 9">
+            <a:extLst>
+              <a:ext uri="{FF2B5EF4-FFF2-40B4-BE49-F238E27FC236}">
+                <a16:creationId xmlns:a16="http://schemas.microsoft.com/office/drawing/2014/main" id="{E81D9250-C501-48AE-8740-C101211DAA33}"/>
+              </a:ext>
+            </a:extLst>
+          </p:cNvPr>
+          <p:cNvCxnSpPr>
+            <a:cxnSpLocks/>
+            <a:stCxn id="13" idx="6"/>
+            <a:endCxn id="14" idx="2"/>
+          </p:cNvCxnSpPr>
+          <p:nvPr/>
+        </p:nvCxnSpPr>
+        <p:spPr>
+          <a:xfrm>
+            <a:off x="10346175" y="2428773"/>
+            <a:ext cx="331376" cy="0"/>
+          </a:xfrm>
+          <a:prstGeom prst="line">
+            <a:avLst/>
+          </a:prstGeom>
+          <a:ln w="28575">
+            <a:solidFill>
+              <a:srgbClr val="C00000"/>
+            </a:solidFill>
+            <a:headEnd type="none" w="med" len="med"/>
+            <a:tailEnd type="none" w="med" len="med"/>
+          </a:ln>
+        </p:spPr>
+        <p:style>
+          <a:lnRef idx="1">
+            <a:schemeClr val="accent1"/>
+          </a:lnRef>
+          <a:fillRef idx="0">
+            <a:schemeClr val="accent1"/>
+          </a:fillRef>
+          <a:effectRef idx="0">
+            <a:schemeClr val="accent1"/>
+          </a:effectRef>
+          <a:fontRef idx="minor">
+            <a:schemeClr val="tx1"/>
+          </a:fontRef>
+        </p:style>
+      </p:cxnSp>
+      <p:sp>
+        <p:nvSpPr>
+          <p:cNvPr id="12" name="Ellipse 11">
+            <a:extLst>
+              <a:ext uri="{FF2B5EF4-FFF2-40B4-BE49-F238E27FC236}">
+                <a16:creationId xmlns:a16="http://schemas.microsoft.com/office/drawing/2014/main" id="{EDF683E1-C03A-4387-AE76-4E4CD0C2A8AA}"/>
+              </a:ext>
+            </a:extLst>
+          </p:cNvPr>
+          <p:cNvSpPr/>
+          <p:nvPr/>
+        </p:nvSpPr>
+        <p:spPr>
+          <a:xfrm>
+            <a:off x="9164194" y="2216122"/>
+            <a:ext cx="425302" cy="425302"/>
+          </a:xfrm>
+          <a:prstGeom prst="ellipse">
+            <a:avLst/>
+          </a:prstGeom>
+          <a:solidFill>
+            <a:schemeClr val="accent1">
+              <a:lumMod val="20000"/>
+              <a:lumOff val="80000"/>
+            </a:schemeClr>
+          </a:solidFill>
+          <a:ln w="28575">
+            <a:solidFill>
+              <a:schemeClr val="accent1">
+                <a:lumMod val="75000"/>
+              </a:schemeClr>
+            </a:solidFill>
+          </a:ln>
+        </p:spPr>
+        <p:style>
+          <a:lnRef idx="2">
+            <a:schemeClr val="accent1">
+              <a:shade val="50000"/>
+            </a:schemeClr>
+          </a:lnRef>
+          <a:fillRef idx="1">
+            <a:schemeClr val="accent1"/>
+          </a:fillRef>
+          <a:effectRef idx="0">
+            <a:schemeClr val="accent1"/>
+          </a:effectRef>
+          <a:fontRef idx="minor">
+            <a:schemeClr val="lt1"/>
+          </a:fontRef>
+        </p:style>
+        <p:txBody>
+          <a:bodyPr lIns="0" tIns="0" rIns="0" bIns="0" rtlCol="0" anchor="ctr"/>
+          <a:lstStyle/>
+          <a:p>
+            <a:pPr algn="ctr"/>
+            <a:r>
+              <a:rPr lang="fr-FR" b="1" dirty="0">
+                <a:solidFill>
+                  <a:schemeClr val="tx1"/>
+                </a:solidFill>
+              </a:rPr>
+              <a:t>S</a:t>
+            </a:r>
+            <a:r>
+              <a:rPr lang="fr-FR" b="1" baseline="-25000" dirty="0">
+                <a:solidFill>
+                  <a:schemeClr val="tx1"/>
+                </a:solidFill>
+              </a:rPr>
+              <a:t>2</a:t>
+            </a:r>
+          </a:p>
+        </p:txBody>
+      </p:sp>
+      <p:sp>
+        <p:nvSpPr>
+          <p:cNvPr id="13" name="Ellipse 12">
+            <a:extLst>
+              <a:ext uri="{FF2B5EF4-FFF2-40B4-BE49-F238E27FC236}">
+                <a16:creationId xmlns:a16="http://schemas.microsoft.com/office/drawing/2014/main" id="{91C6549F-3030-423F-92E7-078F5FC8C3BB}"/>
+              </a:ext>
+            </a:extLst>
+          </p:cNvPr>
+          <p:cNvSpPr/>
+          <p:nvPr/>
+        </p:nvSpPr>
+        <p:spPr>
+          <a:xfrm>
+            <a:off x="9920873" y="2216122"/>
+            <a:ext cx="425302" cy="425302"/>
+          </a:xfrm>
+          <a:prstGeom prst="ellipse">
+            <a:avLst/>
+          </a:prstGeom>
+          <a:solidFill>
+            <a:schemeClr val="accent1">
+              <a:lumMod val="20000"/>
+              <a:lumOff val="80000"/>
+            </a:schemeClr>
+          </a:solidFill>
+          <a:ln w="28575">
+            <a:solidFill>
+              <a:schemeClr val="accent1">
+                <a:lumMod val="75000"/>
+              </a:schemeClr>
+            </a:solidFill>
+            <a:tailEnd type="stealth" w="med" len="lg"/>
+          </a:ln>
+        </p:spPr>
+        <p:style>
+          <a:lnRef idx="1">
+            <a:schemeClr val="accent1"/>
+          </a:lnRef>
+          <a:fillRef idx="0">
+            <a:schemeClr val="accent1"/>
+          </a:fillRef>
+          <a:effectRef idx="0">
+            <a:schemeClr val="accent1"/>
+          </a:effectRef>
+          <a:fontRef idx="minor">
+            <a:schemeClr val="tx1"/>
+          </a:fontRef>
+        </p:style>
+        <p:txBody>
+          <a:bodyPr lIns="0" tIns="0" rIns="0" bIns="0" rtlCol="0" anchor="ctr"/>
+          <a:lstStyle/>
+          <a:p>
+            <a:pPr algn="ctr"/>
+            <a:r>
+              <a:rPr lang="fr-FR" b="1" dirty="0">
+                <a:solidFill>
+                  <a:schemeClr val="tx1"/>
+                </a:solidFill>
+              </a:rPr>
+              <a:t>S</a:t>
+            </a:r>
+            <a:r>
+              <a:rPr lang="fr-FR" b="1" baseline="-25000" dirty="0">
+                <a:solidFill>
+                  <a:schemeClr val="tx1"/>
+                </a:solidFill>
+              </a:rPr>
+              <a:t>3</a:t>
+            </a:r>
+          </a:p>
+        </p:txBody>
+      </p:sp>
+      <p:sp>
+        <p:nvSpPr>
+          <p:cNvPr id="14" name="Ellipse 13">
+            <a:extLst>
+              <a:ext uri="{FF2B5EF4-FFF2-40B4-BE49-F238E27FC236}">
+                <a16:creationId xmlns:a16="http://schemas.microsoft.com/office/drawing/2014/main" id="{C9406F36-E067-4917-BF14-3669A0DE3999}"/>
+              </a:ext>
+            </a:extLst>
+          </p:cNvPr>
+          <p:cNvSpPr/>
+          <p:nvPr/>
+        </p:nvSpPr>
+        <p:spPr>
+          <a:xfrm>
+            <a:off x="10677551" y="2216122"/>
+            <a:ext cx="425302" cy="425302"/>
+          </a:xfrm>
+          <a:prstGeom prst="ellipse">
+            <a:avLst/>
+          </a:prstGeom>
+          <a:solidFill>
+            <a:schemeClr val="accent1">
+              <a:lumMod val="20000"/>
+              <a:lumOff val="80000"/>
+            </a:schemeClr>
+          </a:solidFill>
+          <a:ln w="28575">
+            <a:solidFill>
+              <a:schemeClr val="accent1">
+                <a:lumMod val="75000"/>
+              </a:schemeClr>
+            </a:solidFill>
+          </a:ln>
+        </p:spPr>
+        <p:style>
+          <a:lnRef idx="2">
+            <a:schemeClr val="accent1">
+              <a:shade val="50000"/>
+            </a:schemeClr>
+          </a:lnRef>
+          <a:fillRef idx="1">
+            <a:schemeClr val="accent1"/>
+          </a:fillRef>
+          <a:effectRef idx="0">
+            <a:schemeClr val="accent1"/>
+          </a:effectRef>
+          <a:fontRef idx="minor">
+            <a:schemeClr val="lt1"/>
+          </a:fontRef>
+        </p:style>
+        <p:txBody>
+          <a:bodyPr lIns="0" tIns="0" rIns="0" bIns="0" rtlCol="0" anchor="ctr"/>
+          <a:lstStyle/>
+          <a:p>
+            <a:pPr algn="ctr"/>
+            <a:r>
+              <a:rPr lang="fr-FR" b="1" dirty="0">
+                <a:solidFill>
+                  <a:schemeClr val="tx1"/>
+                </a:solidFill>
+              </a:rPr>
+              <a:t>S</a:t>
+            </a:r>
+            <a:r>
+              <a:rPr lang="fr-FR" b="1" baseline="-25000" dirty="0">
+                <a:solidFill>
+                  <a:schemeClr val="tx1"/>
+                </a:solidFill>
+              </a:rPr>
+              <a:t>4</a:t>
+            </a:r>
+          </a:p>
+        </p:txBody>
+      </p:sp>
+      <p:sp>
+        <p:nvSpPr>
+          <p:cNvPr id="16" name="Ellipse 15">
+            <a:extLst>
+              <a:ext uri="{FF2B5EF4-FFF2-40B4-BE49-F238E27FC236}">
+                <a16:creationId xmlns:a16="http://schemas.microsoft.com/office/drawing/2014/main" id="{87B61264-A64D-4915-93F0-607502E150B5}"/>
+              </a:ext>
+            </a:extLst>
+          </p:cNvPr>
+          <p:cNvSpPr/>
+          <p:nvPr/>
+        </p:nvSpPr>
+        <p:spPr>
+          <a:xfrm>
+            <a:off x="10346175" y="763010"/>
+            <a:ext cx="425302" cy="425302"/>
+          </a:xfrm>
+          <a:prstGeom prst="ellipse">
+            <a:avLst/>
+          </a:prstGeom>
+          <a:solidFill>
+            <a:schemeClr val="accent1">
+              <a:lumMod val="20000"/>
+              <a:lumOff val="80000"/>
+            </a:schemeClr>
+          </a:solidFill>
+          <a:ln w="28575">
+            <a:solidFill>
+              <a:schemeClr val="accent1">
+                <a:lumMod val="75000"/>
+              </a:schemeClr>
+            </a:solidFill>
+          </a:ln>
+        </p:spPr>
+        <p:style>
+          <a:lnRef idx="2">
+            <a:schemeClr val="accent1">
+              <a:shade val="50000"/>
+            </a:schemeClr>
+          </a:lnRef>
+          <a:fillRef idx="1">
+            <a:schemeClr val="accent1"/>
+          </a:fillRef>
+          <a:effectRef idx="0">
+            <a:schemeClr val="accent1"/>
+          </a:effectRef>
+          <a:fontRef idx="minor">
+            <a:schemeClr val="lt1"/>
+          </a:fontRef>
+        </p:style>
+        <p:txBody>
+          <a:bodyPr lIns="0" tIns="0" rIns="0" bIns="0" rtlCol="0" anchor="ctr"/>
+          <a:lstStyle/>
+          <a:p>
+            <a:pPr algn="ctr"/>
+            <a:r>
+              <a:rPr lang="fr-FR" b="1" dirty="0">
+                <a:solidFill>
+                  <a:schemeClr val="tx1"/>
+                </a:solidFill>
+              </a:rPr>
+              <a:t>S</a:t>
+            </a:r>
+            <a:r>
+              <a:rPr lang="fr-FR" b="1" baseline="-25000" dirty="0">
+                <a:solidFill>
+                  <a:schemeClr val="tx1"/>
+                </a:solidFill>
+              </a:rPr>
+              <a:t>6</a:t>
+            </a:r>
+          </a:p>
+        </p:txBody>
+      </p:sp>
+      <p:sp>
+        <p:nvSpPr>
+          <p:cNvPr id="17" name="Forme libre : forme 1">
+            <a:extLst>
+              <a:ext uri="{FF2B5EF4-FFF2-40B4-BE49-F238E27FC236}">
+                <a16:creationId xmlns:a16="http://schemas.microsoft.com/office/drawing/2014/main" id="{2EFAFA69-BCD8-45EC-8E5B-8F3890A35400}"/>
+              </a:ext>
+            </a:extLst>
+          </p:cNvPr>
+          <p:cNvSpPr/>
+          <p:nvPr/>
+        </p:nvSpPr>
+        <p:spPr>
+          <a:xfrm>
+            <a:off x="8571412" y="1346470"/>
+            <a:ext cx="1534885" cy="1509200"/>
+          </a:xfrm>
+          <a:custGeom>
+            <a:avLst/>
+            <a:gdLst>
+              <a:gd name="connsiteX0" fmla="*/ 0 w 1534885"/>
+              <a:gd name="connsiteY0" fmla="*/ 491914 h 1640703"/>
+              <a:gd name="connsiteX1" fmla="*/ 359228 w 1534885"/>
+              <a:gd name="connsiteY1" fmla="*/ 45600 h 1640703"/>
+              <a:gd name="connsiteX2" fmla="*/ 566057 w 1534885"/>
+              <a:gd name="connsiteY2" fmla="*/ 1471629 h 1640703"/>
+              <a:gd name="connsiteX3" fmla="*/ 1534885 w 1534885"/>
+              <a:gd name="connsiteY3" fmla="*/ 1558714 h 1640703"/>
+              <a:gd name="connsiteX0" fmla="*/ 0 w 1534885"/>
+              <a:gd name="connsiteY0" fmla="*/ 360411 h 1509200"/>
+              <a:gd name="connsiteX1" fmla="*/ 478971 w 1534885"/>
+              <a:gd name="connsiteY1" fmla="*/ 66497 h 1509200"/>
+              <a:gd name="connsiteX2" fmla="*/ 566057 w 1534885"/>
+              <a:gd name="connsiteY2" fmla="*/ 1340126 h 1509200"/>
+              <a:gd name="connsiteX3" fmla="*/ 1534885 w 1534885"/>
+              <a:gd name="connsiteY3" fmla="*/ 1427211 h 1509200"/>
+            </a:gdLst>
+            <a:ahLst/>
+            <a:cxnLst>
+              <a:cxn ang="0">
+                <a:pos x="connsiteX0" y="connsiteY0"/>
+              </a:cxn>
+              <a:cxn ang="0">
+                <a:pos x="connsiteX1" y="connsiteY1"/>
+              </a:cxn>
+              <a:cxn ang="0">
+                <a:pos x="connsiteX2" y="connsiteY2"/>
+              </a:cxn>
+              <a:cxn ang="0">
+                <a:pos x="connsiteX3" y="connsiteY3"/>
+              </a:cxn>
+            </a:cxnLst>
+            <a:rect l="l" t="t" r="r" b="b"/>
+            <a:pathLst>
+              <a:path w="1534885" h="1509200">
+                <a:moveTo>
+                  <a:pt x="0" y="360411"/>
+                </a:moveTo>
+                <a:cubicBezTo>
+                  <a:pt x="132442" y="55611"/>
+                  <a:pt x="384628" y="-96789"/>
+                  <a:pt x="478971" y="66497"/>
+                </a:cubicBezTo>
+                <a:cubicBezTo>
+                  <a:pt x="573314" y="229783"/>
+                  <a:pt x="370114" y="1087940"/>
+                  <a:pt x="566057" y="1340126"/>
+                </a:cubicBezTo>
+                <a:cubicBezTo>
+                  <a:pt x="762000" y="1592312"/>
+                  <a:pt x="1148442" y="1509761"/>
+                  <a:pt x="1534885" y="1427211"/>
+                </a:cubicBezTo>
+              </a:path>
+            </a:pathLst>
+          </a:custGeom>
+          <a:noFill/>
+          <a:ln w="28575">
+            <a:solidFill>
+              <a:srgbClr val="00B050"/>
+            </a:solidFill>
+            <a:tailEnd type="stealth" w="med" len="lg"/>
+          </a:ln>
+        </p:spPr>
+        <p:style>
+          <a:lnRef idx="2">
+            <a:schemeClr val="accent1">
+              <a:shade val="50000"/>
+            </a:schemeClr>
+          </a:lnRef>
+          <a:fillRef idx="1">
+            <a:schemeClr val="accent1"/>
+          </a:fillRef>
+          <a:effectRef idx="0">
+            <a:schemeClr val="accent1"/>
+          </a:effectRef>
+          <a:fontRef idx="minor">
+            <a:schemeClr val="lt1"/>
+          </a:fontRef>
+        </p:style>
+        <p:txBody>
+          <a:bodyPr rtlCol="0" anchor="ctr"/>
+          <a:lstStyle/>
+          <a:p>
+            <a:pPr algn="ctr"/>
+            <a:endParaRPr lang="fr-FR"/>
+          </a:p>
+        </p:txBody>
+      </p:sp>
+      <p:sp>
+        <p:nvSpPr>
+          <p:cNvPr id="18" name="ZoneTexte 17">
+            <a:extLst>
+              <a:ext uri="{FF2B5EF4-FFF2-40B4-BE49-F238E27FC236}">
+                <a16:creationId xmlns:a16="http://schemas.microsoft.com/office/drawing/2014/main" id="{9884206D-4135-4AE7-BDEF-F46F4DB5230E}"/>
+              </a:ext>
+            </a:extLst>
+          </p:cNvPr>
+          <p:cNvSpPr txBox="1"/>
+          <p:nvPr/>
+        </p:nvSpPr>
+        <p:spPr>
+          <a:xfrm>
+            <a:off x="8520399" y="3187911"/>
+            <a:ext cx="2157152" cy="646331"/>
+          </a:xfrm>
+          <a:prstGeom prst="rect">
+            <a:avLst/>
+          </a:prstGeom>
+          <a:noFill/>
+        </p:spPr>
+        <p:txBody>
+          <a:bodyPr wrap="square" rtlCol="0" anchor="ctr">
+            <a:spAutoFit/>
+          </a:bodyPr>
+          <a:lstStyle/>
+          <a:p>
+            <a:r>
+              <a:rPr lang="fr-FR" dirty="0"/>
+              <a:t>Chemin</a:t>
+            </a:r>
+          </a:p>
+          <a:p>
+            <a:r>
+              <a:rPr lang="fr-FR" dirty="0"/>
+              <a:t>Chemin élémentaire</a:t>
+            </a:r>
+          </a:p>
+        </p:txBody>
+      </p:sp>
+      <p:sp>
+        <p:nvSpPr>
+          <p:cNvPr id="20" name="Ellipse 19">
+            <a:extLst>
+              <a:ext uri="{FF2B5EF4-FFF2-40B4-BE49-F238E27FC236}">
+                <a16:creationId xmlns:a16="http://schemas.microsoft.com/office/drawing/2014/main" id="{38B99A88-8C8B-4954-A08D-C2B15087B240}"/>
+              </a:ext>
+            </a:extLst>
+          </p:cNvPr>
+          <p:cNvSpPr/>
+          <p:nvPr/>
+        </p:nvSpPr>
+        <p:spPr>
+          <a:xfrm>
+            <a:off x="2285081" y="3944526"/>
+            <a:ext cx="425302" cy="425302"/>
+          </a:xfrm>
+          <a:prstGeom prst="ellipse">
+            <a:avLst/>
+          </a:prstGeom>
+          <a:solidFill>
+            <a:schemeClr val="accent1">
+              <a:lumMod val="20000"/>
+              <a:lumOff val="80000"/>
+            </a:schemeClr>
+          </a:solidFill>
+          <a:ln w="28575">
+            <a:solidFill>
+              <a:schemeClr val="accent1">
+                <a:lumMod val="75000"/>
+              </a:schemeClr>
+            </a:solidFill>
+          </a:ln>
+        </p:spPr>
+        <p:style>
+          <a:lnRef idx="2">
+            <a:schemeClr val="accent1">
+              <a:shade val="50000"/>
+            </a:schemeClr>
+          </a:lnRef>
+          <a:fillRef idx="1">
+            <a:schemeClr val="accent1"/>
+          </a:fillRef>
+          <a:effectRef idx="0">
+            <a:schemeClr val="accent1"/>
+          </a:effectRef>
+          <a:fontRef idx="minor">
+            <a:schemeClr val="lt1"/>
+          </a:fontRef>
+        </p:style>
+        <p:txBody>
+          <a:bodyPr lIns="0" tIns="0" rIns="0" bIns="0" rtlCol="0" anchor="ctr"/>
+          <a:lstStyle/>
+          <a:p>
+            <a:pPr algn="ctr"/>
+            <a:r>
+              <a:rPr lang="fr-FR" b="1" dirty="0" smtClean="0">
+                <a:solidFill>
+                  <a:schemeClr val="tx1"/>
+                </a:solidFill>
+              </a:rPr>
+              <a:t>B</a:t>
+            </a:r>
+            <a:endParaRPr lang="fr-FR" b="1" baseline="-25000" dirty="0">
+              <a:solidFill>
+                <a:schemeClr val="tx1"/>
+              </a:solidFill>
+            </a:endParaRPr>
+          </a:p>
+        </p:txBody>
+      </p:sp>
+      <p:sp>
+        <p:nvSpPr>
+          <p:cNvPr id="23" name="Ellipse 22">
+            <a:extLst>
+              <a:ext uri="{FF2B5EF4-FFF2-40B4-BE49-F238E27FC236}">
+                <a16:creationId xmlns:a16="http://schemas.microsoft.com/office/drawing/2014/main" id="{38B99A88-8C8B-4954-A08D-C2B15087B240}"/>
+              </a:ext>
+            </a:extLst>
+          </p:cNvPr>
+          <p:cNvSpPr/>
+          <p:nvPr/>
+        </p:nvSpPr>
+        <p:spPr>
+          <a:xfrm>
+            <a:off x="3725557" y="3223614"/>
+            <a:ext cx="425302" cy="425302"/>
+          </a:xfrm>
+          <a:prstGeom prst="ellipse">
+            <a:avLst/>
+          </a:prstGeom>
+          <a:solidFill>
+            <a:schemeClr val="accent1">
+              <a:lumMod val="20000"/>
+              <a:lumOff val="80000"/>
+            </a:schemeClr>
+          </a:solidFill>
+          <a:ln w="28575">
+            <a:solidFill>
+              <a:schemeClr val="accent1">
+                <a:lumMod val="75000"/>
+              </a:schemeClr>
+            </a:solidFill>
+          </a:ln>
+        </p:spPr>
+        <p:style>
+          <a:lnRef idx="2">
+            <a:schemeClr val="accent1">
+              <a:shade val="50000"/>
+            </a:schemeClr>
+          </a:lnRef>
+          <a:fillRef idx="1">
+            <a:schemeClr val="accent1"/>
+          </a:fillRef>
+          <a:effectRef idx="0">
+            <a:schemeClr val="accent1"/>
+          </a:effectRef>
+          <a:fontRef idx="minor">
+            <a:schemeClr val="lt1"/>
+          </a:fontRef>
+        </p:style>
+        <p:txBody>
+          <a:bodyPr lIns="0" tIns="0" rIns="0" bIns="0" rtlCol="0" anchor="ctr"/>
+          <a:lstStyle/>
+          <a:p>
+            <a:pPr algn="ctr"/>
+            <a:r>
+              <a:rPr lang="fr-FR" b="1" dirty="0" smtClean="0">
+                <a:solidFill>
+                  <a:schemeClr val="tx1"/>
+                </a:solidFill>
+              </a:rPr>
+              <a:t>D</a:t>
+            </a:r>
+            <a:endParaRPr lang="fr-FR" b="1" baseline="-25000" dirty="0">
+              <a:solidFill>
+                <a:schemeClr val="tx1"/>
+              </a:solidFill>
+            </a:endParaRPr>
+          </a:p>
+        </p:txBody>
+      </p:sp>
+      <p:sp>
+        <p:nvSpPr>
+          <p:cNvPr id="19" name="Ellipse 18">
+            <a:extLst>
+              <a:ext uri="{FF2B5EF4-FFF2-40B4-BE49-F238E27FC236}">
+                <a16:creationId xmlns:a16="http://schemas.microsoft.com/office/drawing/2014/main" id="{E12EDDBD-B5CB-4ECB-8F42-2B7886FE12E3}"/>
+              </a:ext>
+            </a:extLst>
+          </p:cNvPr>
+          <p:cNvSpPr/>
+          <p:nvPr/>
+        </p:nvSpPr>
+        <p:spPr>
+          <a:xfrm>
+            <a:off x="844605" y="3223614"/>
+            <a:ext cx="425302" cy="425302"/>
+          </a:xfrm>
+          <a:prstGeom prst="ellipse">
+            <a:avLst/>
+          </a:prstGeom>
+          <a:solidFill>
+            <a:schemeClr val="accent1">
+              <a:lumMod val="20000"/>
+              <a:lumOff val="80000"/>
+            </a:schemeClr>
+          </a:solidFill>
+          <a:ln w="28575">
+            <a:solidFill>
+              <a:schemeClr val="accent1">
+                <a:lumMod val="75000"/>
+              </a:schemeClr>
+            </a:solidFill>
+          </a:ln>
+        </p:spPr>
+        <p:style>
+          <a:lnRef idx="2">
+            <a:schemeClr val="accent1">
+              <a:shade val="50000"/>
+            </a:schemeClr>
+          </a:lnRef>
+          <a:fillRef idx="1">
+            <a:schemeClr val="accent1"/>
+          </a:fillRef>
+          <a:effectRef idx="0">
+            <a:schemeClr val="accent1"/>
+          </a:effectRef>
+          <a:fontRef idx="minor">
+            <a:schemeClr val="lt1"/>
+          </a:fontRef>
+        </p:style>
+        <p:txBody>
+          <a:bodyPr lIns="0" tIns="0" rIns="0" bIns="0" rtlCol="0" anchor="ctr"/>
+          <a:lstStyle/>
+          <a:p>
+            <a:pPr algn="ctr"/>
+            <a:r>
+              <a:rPr lang="fr-FR" b="1" dirty="0" smtClean="0">
+                <a:solidFill>
+                  <a:schemeClr val="tx1"/>
+                </a:solidFill>
+              </a:rPr>
+              <a:t>A</a:t>
+            </a:r>
+            <a:endParaRPr lang="fr-FR" b="1" baseline="-25000" dirty="0">
+              <a:solidFill>
+                <a:schemeClr val="tx1"/>
+              </a:solidFill>
+            </a:endParaRPr>
+          </a:p>
+        </p:txBody>
+      </p:sp>
+      <p:sp>
+        <p:nvSpPr>
+          <p:cNvPr id="15" name="Ellipse 14">
+            <a:extLst>
+              <a:ext uri="{FF2B5EF4-FFF2-40B4-BE49-F238E27FC236}">
+                <a16:creationId xmlns:a16="http://schemas.microsoft.com/office/drawing/2014/main" id="{38B99A88-8C8B-4954-A08D-C2B15087B240}"/>
+              </a:ext>
+            </a:extLst>
+          </p:cNvPr>
+          <p:cNvSpPr/>
+          <p:nvPr/>
+        </p:nvSpPr>
+        <p:spPr>
+          <a:xfrm>
+            <a:off x="2285081" y="2502553"/>
+            <a:ext cx="425302" cy="425302"/>
+          </a:xfrm>
+          <a:prstGeom prst="ellipse">
+            <a:avLst/>
+          </a:prstGeom>
+          <a:solidFill>
+            <a:schemeClr val="accent1">
+              <a:lumMod val="20000"/>
+              <a:lumOff val="80000"/>
+            </a:schemeClr>
+          </a:solidFill>
+          <a:ln w="28575">
+            <a:solidFill>
+              <a:schemeClr val="accent1">
+                <a:lumMod val="75000"/>
+              </a:schemeClr>
+            </a:solidFill>
+          </a:ln>
+        </p:spPr>
+        <p:style>
+          <a:lnRef idx="2">
+            <a:schemeClr val="accent1">
+              <a:shade val="50000"/>
+            </a:schemeClr>
+          </a:lnRef>
+          <a:fillRef idx="1">
+            <a:schemeClr val="accent1"/>
+          </a:fillRef>
+          <a:effectRef idx="0">
+            <a:schemeClr val="accent1"/>
+          </a:effectRef>
+          <a:fontRef idx="minor">
+            <a:schemeClr val="lt1"/>
+          </a:fontRef>
+        </p:style>
+        <p:txBody>
+          <a:bodyPr lIns="0" tIns="0" rIns="0" bIns="0" rtlCol="0" anchor="ctr"/>
+          <a:lstStyle/>
+          <a:p>
+            <a:pPr algn="ctr"/>
+            <a:r>
+              <a:rPr lang="fr-FR" b="1" dirty="0" smtClean="0">
+                <a:solidFill>
+                  <a:schemeClr val="tx1"/>
+                </a:solidFill>
+              </a:rPr>
+              <a:t>C</a:t>
+            </a:r>
+            <a:endParaRPr lang="fr-FR" b="1" baseline="-25000" dirty="0">
+              <a:solidFill>
+                <a:schemeClr val="tx1"/>
+              </a:solidFill>
+            </a:endParaRPr>
+          </a:p>
+        </p:txBody>
+      </p:sp>
+      <p:cxnSp>
+        <p:nvCxnSpPr>
+          <p:cNvPr id="35" name="Connecteur droit 34">
+            <a:extLst>
+              <a:ext uri="{FF2B5EF4-FFF2-40B4-BE49-F238E27FC236}">
+                <a16:creationId xmlns:a16="http://schemas.microsoft.com/office/drawing/2014/main" id="{39598334-531A-4461-B488-0AEDDDFCB2C3}"/>
+              </a:ext>
+            </a:extLst>
+          </p:cNvPr>
+          <p:cNvCxnSpPr>
+            <a:cxnSpLocks/>
+            <a:stCxn id="20" idx="1"/>
+            <a:endCxn id="19" idx="5"/>
+          </p:cNvCxnSpPr>
+          <p:nvPr/>
+        </p:nvCxnSpPr>
+        <p:spPr>
+          <a:xfrm rot="16200000" flipV="1">
+            <a:off x="1567405" y="3226850"/>
+            <a:ext cx="420178" cy="1139742"/>
+          </a:xfrm>
+          <a:prstGeom prst="curvedConnector3">
+            <a:avLst>
+              <a:gd name="adj1" fmla="val 50000"/>
+            </a:avLst>
+          </a:prstGeom>
+          <a:ln w="28575">
+            <a:solidFill>
+              <a:srgbClr val="C00000"/>
+            </a:solidFill>
+            <a:headEnd type="none" w="med" len="med"/>
+            <a:tailEnd type="none" w="med" len="med"/>
+          </a:ln>
+        </p:spPr>
+        <p:style>
+          <a:lnRef idx="1">
+            <a:schemeClr val="accent1"/>
+          </a:lnRef>
+          <a:fillRef idx="0">
+            <a:schemeClr val="accent1"/>
+          </a:fillRef>
+          <a:effectRef idx="0">
+            <a:schemeClr val="accent1"/>
+          </a:effectRef>
+          <a:fontRef idx="minor">
+            <a:schemeClr val="tx1"/>
+          </a:fontRef>
+        </p:style>
+      </p:cxnSp>
+      <p:cxnSp>
+        <p:nvCxnSpPr>
+          <p:cNvPr id="38" name="Connecteur droit 37">
+            <a:extLst>
+              <a:ext uri="{FF2B5EF4-FFF2-40B4-BE49-F238E27FC236}">
+                <a16:creationId xmlns:a16="http://schemas.microsoft.com/office/drawing/2014/main" id="{39598334-531A-4461-B488-0AEDDDFCB2C3}"/>
+              </a:ext>
+            </a:extLst>
+          </p:cNvPr>
+          <p:cNvCxnSpPr>
+            <a:cxnSpLocks/>
+            <a:stCxn id="20" idx="2"/>
+            <a:endCxn id="19" idx="4"/>
+          </p:cNvCxnSpPr>
+          <p:nvPr/>
+        </p:nvCxnSpPr>
+        <p:spPr>
+          <a:xfrm rot="10800000">
+            <a:off x="1057257" y="3648917"/>
+            <a:ext cx="1227825" cy="508261"/>
+          </a:xfrm>
+          <a:prstGeom prst="curvedConnector2">
+            <a:avLst/>
+          </a:prstGeom>
+          <a:ln w="28575">
+            <a:solidFill>
+              <a:srgbClr val="C00000"/>
+            </a:solidFill>
+            <a:headEnd type="none" w="med" len="med"/>
+            <a:tailEnd type="none" w="med" len="med"/>
+          </a:ln>
+        </p:spPr>
+        <p:style>
+          <a:lnRef idx="1">
+            <a:schemeClr val="accent1"/>
+          </a:lnRef>
+          <a:fillRef idx="0">
+            <a:schemeClr val="accent1"/>
+          </a:fillRef>
+          <a:effectRef idx="0">
+            <a:schemeClr val="accent1"/>
+          </a:effectRef>
+          <a:fontRef idx="minor">
+            <a:schemeClr val="tx1"/>
+          </a:fontRef>
+        </p:style>
+      </p:cxnSp>
+      <p:cxnSp>
+        <p:nvCxnSpPr>
+          <p:cNvPr id="42" name="Connecteur droit 41">
+            <a:extLst>
+              <a:ext uri="{FF2B5EF4-FFF2-40B4-BE49-F238E27FC236}">
+                <a16:creationId xmlns:a16="http://schemas.microsoft.com/office/drawing/2014/main" id="{39598334-531A-4461-B488-0AEDDDFCB2C3}"/>
+              </a:ext>
+            </a:extLst>
+          </p:cNvPr>
+          <p:cNvCxnSpPr>
+            <a:cxnSpLocks/>
+            <a:stCxn id="23" idx="0"/>
+            <a:endCxn id="15" idx="6"/>
+          </p:cNvCxnSpPr>
+          <p:nvPr/>
+        </p:nvCxnSpPr>
+        <p:spPr>
+          <a:xfrm rot="16200000" flipV="1">
+            <a:off x="3070091" y="2355496"/>
+            <a:ext cx="508410" cy="1227825"/>
+          </a:xfrm>
+          <a:prstGeom prst="curvedConnector2">
+            <a:avLst/>
+          </a:prstGeom>
+          <a:ln w="28575">
+            <a:solidFill>
+              <a:srgbClr val="C00000"/>
+            </a:solidFill>
+            <a:headEnd type="none" w="med" len="med"/>
+            <a:tailEnd type="none" w="med" len="med"/>
+          </a:ln>
+        </p:spPr>
+        <p:style>
+          <a:lnRef idx="1">
+            <a:schemeClr val="accent1"/>
+          </a:lnRef>
+          <a:fillRef idx="0">
+            <a:schemeClr val="accent1"/>
+          </a:fillRef>
+          <a:effectRef idx="0">
+            <a:schemeClr val="accent1"/>
+          </a:effectRef>
+          <a:fontRef idx="minor">
+            <a:schemeClr val="tx1"/>
+          </a:fontRef>
+        </p:style>
+      </p:cxnSp>
+      <p:cxnSp>
+        <p:nvCxnSpPr>
+          <p:cNvPr id="43" name="Connecteur droit 42">
+            <a:extLst>
+              <a:ext uri="{FF2B5EF4-FFF2-40B4-BE49-F238E27FC236}">
+                <a16:creationId xmlns:a16="http://schemas.microsoft.com/office/drawing/2014/main" id="{39598334-531A-4461-B488-0AEDDDFCB2C3}"/>
+              </a:ext>
+            </a:extLst>
+          </p:cNvPr>
+          <p:cNvCxnSpPr>
+            <a:cxnSpLocks/>
+            <a:stCxn id="23" idx="4"/>
+            <a:endCxn id="20" idx="6"/>
+          </p:cNvCxnSpPr>
+          <p:nvPr/>
+        </p:nvCxnSpPr>
+        <p:spPr>
+          <a:xfrm rot="5400000">
+            <a:off x="3070166" y="3289134"/>
+            <a:ext cx="508261" cy="1227825"/>
+          </a:xfrm>
+          <a:prstGeom prst="curvedConnector2">
+            <a:avLst/>
+          </a:prstGeom>
+          <a:ln w="28575">
+            <a:solidFill>
+              <a:srgbClr val="C00000"/>
+            </a:solidFill>
+            <a:headEnd type="none" w="med" len="med"/>
+            <a:tailEnd type="none" w="med" len="med"/>
+          </a:ln>
+        </p:spPr>
+        <p:style>
+          <a:lnRef idx="1">
+            <a:schemeClr val="accent1"/>
+          </a:lnRef>
+          <a:fillRef idx="0">
+            <a:schemeClr val="accent1"/>
+          </a:fillRef>
+          <a:effectRef idx="0">
+            <a:schemeClr val="accent1"/>
+          </a:effectRef>
+          <a:fontRef idx="minor">
+            <a:schemeClr val="tx1"/>
+          </a:fontRef>
+        </p:style>
+      </p:cxnSp>
+    </p:spTree>
+    <p:extLst>
+      <p:ext uri="{BB962C8B-B14F-4D97-AF65-F5344CB8AC3E}">
+        <p14:creationId xmlns:p14="http://schemas.microsoft.com/office/powerpoint/2010/main" val="1486439584"/>
+      </p:ext>
+    </p:extLst>
+  </p:cSld>
+  <p:clrMapOvr>
+    <a:masterClrMapping/>
+  </p:clrMapOvr>
+</p:sld>
+</file>
+
+<file path=ppt/slides/slide3.xml><?xml version="1.0" encoding="utf-8"?>
 <p:sld xmlns:a="http://schemas.openxmlformats.org/drawingml/2006/main" xmlns:r="http://schemas.openxmlformats.org/officeDocument/2006/relationships" xmlns:p="http://schemas.openxmlformats.org/presentationml/2006/main">
   <p:cSld>
     <p:spTree>
@@ -7657,7 +10304,7 @@
 </p:sld>
 </file>
 
-<file path=ppt/slides/slide3.xml><?xml version="1.0" encoding="utf-8"?>
+<file path=ppt/slides/slide4.xml><?xml version="1.0" encoding="utf-8"?>
 <p:sld xmlns:a="http://schemas.openxmlformats.org/drawingml/2006/main" xmlns:r="http://schemas.openxmlformats.org/officeDocument/2006/relationships" xmlns:p="http://schemas.openxmlformats.org/presentationml/2006/main">
   <p:cSld>
     <p:spTree>
@@ -8683,7 +11330,7 @@
 </p:sld>
 </file>
 
-<file path=ppt/slides/slide4.xml><?xml version="1.0" encoding="utf-8"?>
+<file path=ppt/slides/slide5.xml><?xml version="1.0" encoding="utf-8"?>
 <p:sld xmlns:a="http://schemas.openxmlformats.org/drawingml/2006/main" xmlns:r="http://schemas.openxmlformats.org/officeDocument/2006/relationships" xmlns:p="http://schemas.openxmlformats.org/presentationml/2006/main">
   <p:cSld>
     <p:spTree>
@@ -9363,7 +12010,7 @@
 </p:sld>
 </file>
 
-<file path=ppt/slides/slide5.xml><?xml version="1.0" encoding="utf-8"?>
+<file path=ppt/slides/slide6.xml><?xml version="1.0" encoding="utf-8"?>
 <p:sld xmlns:a="http://schemas.openxmlformats.org/drawingml/2006/main" xmlns:r="http://schemas.openxmlformats.org/officeDocument/2006/relationships" xmlns:p="http://schemas.openxmlformats.org/presentationml/2006/main">
   <p:cSld>
     <p:spTree>
@@ -10108,1226 +12755,6 @@
     <p:extLst>
       <p:ext uri="{BB962C8B-B14F-4D97-AF65-F5344CB8AC3E}">
         <p14:creationId xmlns:p14="http://schemas.microsoft.com/office/powerpoint/2010/main" val="3663782207"/>
-      </p:ext>
-    </p:extLst>
-  </p:cSld>
-  <p:clrMapOvr>
-    <a:masterClrMapping/>
-  </p:clrMapOvr>
-</p:sld>
-</file>
-
-<file path=ppt/slides/slide6.xml><?xml version="1.0" encoding="utf-8"?>
-<p:sld xmlns:a="http://schemas.openxmlformats.org/drawingml/2006/main" xmlns:r="http://schemas.openxmlformats.org/officeDocument/2006/relationships" xmlns:p="http://schemas.openxmlformats.org/presentationml/2006/main">
-  <p:cSld>
-    <p:spTree>
-      <p:nvGrpSpPr>
-        <p:cNvPr id="1" name=""/>
-        <p:cNvGrpSpPr/>
-        <p:nvPr/>
-      </p:nvGrpSpPr>
-      <p:grpSpPr>
-        <a:xfrm>
-          <a:off x="0" y="0"/>
-          <a:ext cx="0" cy="0"/>
-          <a:chOff x="0" y="0"/>
-          <a:chExt cx="0" cy="0"/>
-        </a:xfrm>
-      </p:grpSpPr>
-      <p:cxnSp>
-        <p:nvCxnSpPr>
-          <p:cNvPr id="11" name="Connecteur droit 10">
-            <a:extLst>
-              <a:ext uri="{FF2B5EF4-FFF2-40B4-BE49-F238E27FC236}">
-                <a16:creationId xmlns:a16="http://schemas.microsoft.com/office/drawing/2014/main" id="{6131883A-8603-4E82-A8CC-816B8FC23C1B}"/>
-              </a:ext>
-            </a:extLst>
-          </p:cNvPr>
-          <p:cNvCxnSpPr>
-            <a:cxnSpLocks/>
-            <a:stCxn id="5" idx="0"/>
-            <a:endCxn id="16" idx="4"/>
-          </p:cNvCxnSpPr>
-          <p:nvPr/>
-        </p:nvCxnSpPr>
-        <p:spPr>
-          <a:xfrm flipV="1">
-            <a:off x="4642888" y="2101712"/>
-            <a:ext cx="0" cy="1114637"/>
-          </a:xfrm>
-          <a:prstGeom prst="line">
-            <a:avLst/>
-          </a:prstGeom>
-          <a:ln w="28575">
-            <a:solidFill>
-              <a:srgbClr val="C00000"/>
-            </a:solidFill>
-          </a:ln>
-        </p:spPr>
-        <p:style>
-          <a:lnRef idx="1">
-            <a:schemeClr val="accent1"/>
-          </a:lnRef>
-          <a:fillRef idx="0">
-            <a:schemeClr val="accent1"/>
-          </a:fillRef>
-          <a:effectRef idx="0">
-            <a:schemeClr val="accent1"/>
-          </a:effectRef>
-          <a:fontRef idx="minor">
-            <a:schemeClr val="tx1"/>
-          </a:fontRef>
-        </p:style>
-      </p:cxnSp>
-      <p:cxnSp>
-        <p:nvCxnSpPr>
-          <p:cNvPr id="19" name="Connecteur droit 18">
-            <a:extLst>
-              <a:ext uri="{FF2B5EF4-FFF2-40B4-BE49-F238E27FC236}">
-                <a16:creationId xmlns:a16="http://schemas.microsoft.com/office/drawing/2014/main" id="{39598334-531A-4461-B488-0AEDDDFCB2C3}"/>
-              </a:ext>
-            </a:extLst>
-          </p:cNvPr>
-          <p:cNvCxnSpPr>
-            <a:cxnSpLocks/>
-          </p:cNvCxnSpPr>
-          <p:nvPr/>
-        </p:nvCxnSpPr>
-        <p:spPr>
-          <a:xfrm flipV="1">
-            <a:off x="4642888" y="1557685"/>
-            <a:ext cx="1453112" cy="1871316"/>
-          </a:xfrm>
-          <a:prstGeom prst="line">
-            <a:avLst/>
-          </a:prstGeom>
-          <a:ln w="28575">
-            <a:solidFill>
-              <a:srgbClr val="C00000"/>
-            </a:solidFill>
-          </a:ln>
-        </p:spPr>
-        <p:style>
-          <a:lnRef idx="1">
-            <a:schemeClr val="accent1"/>
-          </a:lnRef>
-          <a:fillRef idx="0">
-            <a:schemeClr val="accent1"/>
-          </a:fillRef>
-          <a:effectRef idx="0">
-            <a:schemeClr val="accent1"/>
-          </a:effectRef>
-          <a:fontRef idx="minor">
-            <a:schemeClr val="tx1"/>
-          </a:fontRef>
-        </p:style>
-      </p:cxnSp>
-      <p:cxnSp>
-        <p:nvCxnSpPr>
-          <p:cNvPr id="22" name="Connecteur droit 21">
-            <a:extLst>
-              <a:ext uri="{FF2B5EF4-FFF2-40B4-BE49-F238E27FC236}">
-                <a16:creationId xmlns:a16="http://schemas.microsoft.com/office/drawing/2014/main" id="{14562189-3E72-4CDF-89B4-4071B884E3FF}"/>
-              </a:ext>
-            </a:extLst>
-          </p:cNvPr>
-          <p:cNvCxnSpPr>
-            <a:cxnSpLocks/>
-          </p:cNvCxnSpPr>
-          <p:nvPr/>
-        </p:nvCxnSpPr>
-        <p:spPr>
-          <a:xfrm flipV="1">
-            <a:off x="4642888" y="2327655"/>
-            <a:ext cx="1453112" cy="1101345"/>
-          </a:xfrm>
-          <a:prstGeom prst="line">
-            <a:avLst/>
-          </a:prstGeom>
-          <a:ln w="28575">
-            <a:solidFill>
-              <a:srgbClr val="C00000"/>
-            </a:solidFill>
-          </a:ln>
-        </p:spPr>
-        <p:style>
-          <a:lnRef idx="1">
-            <a:schemeClr val="accent1"/>
-          </a:lnRef>
-          <a:fillRef idx="0">
-            <a:schemeClr val="accent1"/>
-          </a:fillRef>
-          <a:effectRef idx="0">
-            <a:schemeClr val="accent1"/>
-          </a:effectRef>
-          <a:fontRef idx="minor">
-            <a:schemeClr val="tx1"/>
-          </a:fontRef>
-        </p:style>
-      </p:cxnSp>
-      <p:cxnSp>
-        <p:nvCxnSpPr>
-          <p:cNvPr id="25" name="Connecteur droit 24">
-            <a:extLst>
-              <a:ext uri="{FF2B5EF4-FFF2-40B4-BE49-F238E27FC236}">
-                <a16:creationId xmlns:a16="http://schemas.microsoft.com/office/drawing/2014/main" id="{A7C490C5-8EF0-47D5-BC68-1B3506AE54B9}"/>
-              </a:ext>
-            </a:extLst>
-          </p:cNvPr>
-          <p:cNvCxnSpPr>
-            <a:cxnSpLocks/>
-          </p:cNvCxnSpPr>
-          <p:nvPr/>
-        </p:nvCxnSpPr>
-        <p:spPr>
-          <a:xfrm flipV="1">
-            <a:off x="4642888" y="3097626"/>
-            <a:ext cx="1453112" cy="331374"/>
-          </a:xfrm>
-          <a:prstGeom prst="line">
-            <a:avLst/>
-          </a:prstGeom>
-          <a:ln w="28575">
-            <a:solidFill>
-              <a:srgbClr val="C00000"/>
-            </a:solidFill>
-          </a:ln>
-        </p:spPr>
-        <p:style>
-          <a:lnRef idx="1">
-            <a:schemeClr val="accent1"/>
-          </a:lnRef>
-          <a:fillRef idx="0">
-            <a:schemeClr val="accent1"/>
-          </a:fillRef>
-          <a:effectRef idx="0">
-            <a:schemeClr val="accent1"/>
-          </a:effectRef>
-          <a:fontRef idx="minor">
-            <a:schemeClr val="tx1"/>
-          </a:fontRef>
-        </p:style>
-      </p:cxnSp>
-      <p:cxnSp>
-        <p:nvCxnSpPr>
-          <p:cNvPr id="27" name="Connecteur droit 26">
-            <a:extLst>
-              <a:ext uri="{FF2B5EF4-FFF2-40B4-BE49-F238E27FC236}">
-                <a16:creationId xmlns:a16="http://schemas.microsoft.com/office/drawing/2014/main" id="{65952C0B-F10C-4DFE-9DB7-FC21BABDC421}"/>
-              </a:ext>
-            </a:extLst>
-          </p:cNvPr>
-          <p:cNvCxnSpPr>
-            <a:cxnSpLocks/>
-          </p:cNvCxnSpPr>
-          <p:nvPr/>
-        </p:nvCxnSpPr>
-        <p:spPr>
-          <a:xfrm>
-            <a:off x="4642888" y="3455584"/>
-            <a:ext cx="751363" cy="716803"/>
-          </a:xfrm>
-          <a:prstGeom prst="line">
-            <a:avLst/>
-          </a:prstGeom>
-          <a:ln w="28575">
-            <a:solidFill>
-              <a:srgbClr val="C00000"/>
-            </a:solidFill>
-          </a:ln>
-        </p:spPr>
-        <p:style>
-          <a:lnRef idx="1">
-            <a:schemeClr val="accent1"/>
-          </a:lnRef>
-          <a:fillRef idx="0">
-            <a:schemeClr val="accent1"/>
-          </a:fillRef>
-          <a:effectRef idx="0">
-            <a:schemeClr val="accent1"/>
-          </a:effectRef>
-          <a:fontRef idx="minor">
-            <a:schemeClr val="tx1"/>
-          </a:fontRef>
-        </p:style>
-      </p:cxnSp>
-      <p:cxnSp>
-        <p:nvCxnSpPr>
-          <p:cNvPr id="30" name="Connecteur droit 29">
-            <a:extLst>
-              <a:ext uri="{FF2B5EF4-FFF2-40B4-BE49-F238E27FC236}">
-                <a16:creationId xmlns:a16="http://schemas.microsoft.com/office/drawing/2014/main" id="{134C44C7-8A3C-4594-8CF2-0D33B4430A90}"/>
-              </a:ext>
-            </a:extLst>
-          </p:cNvPr>
-          <p:cNvCxnSpPr>
-            <a:cxnSpLocks/>
-            <a:stCxn id="12" idx="0"/>
-            <a:endCxn id="13" idx="4"/>
-          </p:cNvCxnSpPr>
-          <p:nvPr/>
-        </p:nvCxnSpPr>
-        <p:spPr>
-          <a:xfrm flipV="1">
-            <a:off x="6096000" y="2527014"/>
-            <a:ext cx="0" cy="331377"/>
-          </a:xfrm>
-          <a:prstGeom prst="line">
-            <a:avLst/>
-          </a:prstGeom>
-          <a:ln w="28575">
-            <a:solidFill>
-              <a:srgbClr val="C00000"/>
-            </a:solidFill>
-          </a:ln>
-        </p:spPr>
-        <p:style>
-          <a:lnRef idx="1">
-            <a:schemeClr val="accent1"/>
-          </a:lnRef>
-          <a:fillRef idx="0">
-            <a:schemeClr val="accent1"/>
-          </a:fillRef>
-          <a:effectRef idx="0">
-            <a:schemeClr val="accent1"/>
-          </a:effectRef>
-          <a:fontRef idx="minor">
-            <a:schemeClr val="tx1"/>
-          </a:fontRef>
-        </p:style>
-      </p:cxnSp>
-      <p:cxnSp>
-        <p:nvCxnSpPr>
-          <p:cNvPr id="34" name="Connecteur droit 33">
-            <a:extLst>
-              <a:ext uri="{FF2B5EF4-FFF2-40B4-BE49-F238E27FC236}">
-                <a16:creationId xmlns:a16="http://schemas.microsoft.com/office/drawing/2014/main" id="{E81D9250-C501-48AE-8740-C101211DAA33}"/>
-              </a:ext>
-            </a:extLst>
-          </p:cNvPr>
-          <p:cNvCxnSpPr>
-            <a:cxnSpLocks/>
-            <a:stCxn id="13" idx="0"/>
-            <a:endCxn id="14" idx="4"/>
-          </p:cNvCxnSpPr>
-          <p:nvPr/>
-        </p:nvCxnSpPr>
-        <p:spPr>
-          <a:xfrm flipV="1">
-            <a:off x="6096000" y="1770336"/>
-            <a:ext cx="0" cy="331376"/>
-          </a:xfrm>
-          <a:prstGeom prst="line">
-            <a:avLst/>
-          </a:prstGeom>
-          <a:ln w="28575">
-            <a:solidFill>
-              <a:srgbClr val="C00000"/>
-            </a:solidFill>
-          </a:ln>
-        </p:spPr>
-        <p:style>
-          <a:lnRef idx="1">
-            <a:schemeClr val="accent1"/>
-          </a:lnRef>
-          <a:fillRef idx="0">
-            <a:schemeClr val="accent1"/>
-          </a:fillRef>
-          <a:effectRef idx="0">
-            <a:schemeClr val="accent1"/>
-          </a:effectRef>
-          <a:fontRef idx="minor">
-            <a:schemeClr val="tx1"/>
-          </a:fontRef>
-        </p:style>
-      </p:cxnSp>
-      <p:sp>
-        <p:nvSpPr>
-          <p:cNvPr id="5" name="Ellipse 4">
-            <a:extLst>
-              <a:ext uri="{FF2B5EF4-FFF2-40B4-BE49-F238E27FC236}">
-                <a16:creationId xmlns:a16="http://schemas.microsoft.com/office/drawing/2014/main" id="{E12EDDBD-B5CB-4ECB-8F42-2B7886FE12E3}"/>
-              </a:ext>
-            </a:extLst>
-          </p:cNvPr>
-          <p:cNvSpPr/>
-          <p:nvPr/>
-        </p:nvSpPr>
-        <p:spPr>
-          <a:xfrm>
-            <a:off x="4430237" y="3216349"/>
-            <a:ext cx="425302" cy="425302"/>
-          </a:xfrm>
-          <a:prstGeom prst="ellipse">
-            <a:avLst/>
-          </a:prstGeom>
-          <a:solidFill>
-            <a:schemeClr val="accent1">
-              <a:lumMod val="20000"/>
-              <a:lumOff val="80000"/>
-            </a:schemeClr>
-          </a:solidFill>
-          <a:ln w="28575">
-            <a:solidFill>
-              <a:schemeClr val="accent1">
-                <a:lumMod val="75000"/>
-              </a:schemeClr>
-            </a:solidFill>
-          </a:ln>
-        </p:spPr>
-        <p:style>
-          <a:lnRef idx="2">
-            <a:schemeClr val="accent1">
-              <a:shade val="50000"/>
-            </a:schemeClr>
-          </a:lnRef>
-          <a:fillRef idx="1">
-            <a:schemeClr val="accent1"/>
-          </a:fillRef>
-          <a:effectRef idx="0">
-            <a:schemeClr val="accent1"/>
-          </a:effectRef>
-          <a:fontRef idx="minor">
-            <a:schemeClr val="lt1"/>
-          </a:fontRef>
-        </p:style>
-        <p:txBody>
-          <a:bodyPr lIns="0" tIns="0" rIns="0" bIns="0" rtlCol="0" anchor="ctr"/>
-          <a:lstStyle/>
-          <a:p>
-            <a:pPr algn="ctr"/>
-            <a:r>
-              <a:rPr lang="fr-FR" b="1" dirty="0">
-                <a:solidFill>
-                  <a:schemeClr val="tx1"/>
-                </a:solidFill>
-              </a:rPr>
-              <a:t>S</a:t>
-            </a:r>
-            <a:r>
-              <a:rPr lang="fr-FR" b="1" baseline="-25000" dirty="0">
-                <a:solidFill>
-                  <a:schemeClr val="tx1"/>
-                </a:solidFill>
-              </a:rPr>
-              <a:t>1</a:t>
-            </a:r>
-          </a:p>
-        </p:txBody>
-      </p:sp>
-      <p:sp>
-        <p:nvSpPr>
-          <p:cNvPr id="12" name="Ellipse 11">
-            <a:extLst>
-              <a:ext uri="{FF2B5EF4-FFF2-40B4-BE49-F238E27FC236}">
-                <a16:creationId xmlns:a16="http://schemas.microsoft.com/office/drawing/2014/main" id="{EDF683E1-C03A-4387-AE76-4E4CD0C2A8AA}"/>
-              </a:ext>
-            </a:extLst>
-          </p:cNvPr>
-          <p:cNvSpPr/>
-          <p:nvPr/>
-        </p:nvSpPr>
-        <p:spPr>
-          <a:xfrm>
-            <a:off x="5883349" y="2858391"/>
-            <a:ext cx="425302" cy="425302"/>
-          </a:xfrm>
-          <a:prstGeom prst="ellipse">
-            <a:avLst/>
-          </a:prstGeom>
-          <a:solidFill>
-            <a:schemeClr val="accent1">
-              <a:lumMod val="20000"/>
-              <a:lumOff val="80000"/>
-            </a:schemeClr>
-          </a:solidFill>
-          <a:ln w="28575">
-            <a:solidFill>
-              <a:schemeClr val="accent1">
-                <a:lumMod val="75000"/>
-              </a:schemeClr>
-            </a:solidFill>
-          </a:ln>
-        </p:spPr>
-        <p:style>
-          <a:lnRef idx="2">
-            <a:schemeClr val="accent1">
-              <a:shade val="50000"/>
-            </a:schemeClr>
-          </a:lnRef>
-          <a:fillRef idx="1">
-            <a:schemeClr val="accent1"/>
-          </a:fillRef>
-          <a:effectRef idx="0">
-            <a:schemeClr val="accent1"/>
-          </a:effectRef>
-          <a:fontRef idx="minor">
-            <a:schemeClr val="lt1"/>
-          </a:fontRef>
-        </p:style>
-        <p:txBody>
-          <a:bodyPr lIns="0" tIns="0" rIns="0" bIns="0" rtlCol="0" anchor="ctr"/>
-          <a:lstStyle/>
-          <a:p>
-            <a:pPr algn="ctr"/>
-            <a:r>
-              <a:rPr lang="fr-FR" b="1" dirty="0">
-                <a:solidFill>
-                  <a:schemeClr val="tx1"/>
-                </a:solidFill>
-              </a:rPr>
-              <a:t>S</a:t>
-            </a:r>
-            <a:r>
-              <a:rPr lang="fr-FR" b="1" baseline="-25000" dirty="0">
-                <a:solidFill>
-                  <a:schemeClr val="tx1"/>
-                </a:solidFill>
-              </a:rPr>
-              <a:t>2</a:t>
-            </a:r>
-          </a:p>
-        </p:txBody>
-      </p:sp>
-      <p:sp>
-        <p:nvSpPr>
-          <p:cNvPr id="13" name="Ellipse 12">
-            <a:extLst>
-              <a:ext uri="{FF2B5EF4-FFF2-40B4-BE49-F238E27FC236}">
-                <a16:creationId xmlns:a16="http://schemas.microsoft.com/office/drawing/2014/main" id="{91C6549F-3030-423F-92E7-078F5FC8C3BB}"/>
-              </a:ext>
-            </a:extLst>
-          </p:cNvPr>
-          <p:cNvSpPr/>
-          <p:nvPr/>
-        </p:nvSpPr>
-        <p:spPr>
-          <a:xfrm>
-            <a:off x="5883349" y="2101712"/>
-            <a:ext cx="425302" cy="425302"/>
-          </a:xfrm>
-          <a:prstGeom prst="ellipse">
-            <a:avLst/>
-          </a:prstGeom>
-          <a:solidFill>
-            <a:schemeClr val="accent1">
-              <a:lumMod val="20000"/>
-              <a:lumOff val="80000"/>
-            </a:schemeClr>
-          </a:solidFill>
-          <a:ln w="28575">
-            <a:solidFill>
-              <a:schemeClr val="accent1">
-                <a:lumMod val="75000"/>
-              </a:schemeClr>
-            </a:solidFill>
-          </a:ln>
-        </p:spPr>
-        <p:style>
-          <a:lnRef idx="2">
-            <a:schemeClr val="accent1">
-              <a:shade val="50000"/>
-            </a:schemeClr>
-          </a:lnRef>
-          <a:fillRef idx="1">
-            <a:schemeClr val="accent1"/>
-          </a:fillRef>
-          <a:effectRef idx="0">
-            <a:schemeClr val="accent1"/>
-          </a:effectRef>
-          <a:fontRef idx="minor">
-            <a:schemeClr val="lt1"/>
-          </a:fontRef>
-        </p:style>
-        <p:txBody>
-          <a:bodyPr lIns="0" tIns="0" rIns="0" bIns="0" rtlCol="0" anchor="ctr"/>
-          <a:lstStyle/>
-          <a:p>
-            <a:pPr algn="ctr"/>
-            <a:r>
-              <a:rPr lang="fr-FR" b="1" dirty="0">
-                <a:solidFill>
-                  <a:schemeClr val="tx1"/>
-                </a:solidFill>
-              </a:rPr>
-              <a:t>S</a:t>
-            </a:r>
-            <a:r>
-              <a:rPr lang="fr-FR" b="1" baseline="-25000" dirty="0">
-                <a:solidFill>
-                  <a:schemeClr val="tx1"/>
-                </a:solidFill>
-              </a:rPr>
-              <a:t>3</a:t>
-            </a:r>
-          </a:p>
-        </p:txBody>
-      </p:sp>
-      <p:sp>
-        <p:nvSpPr>
-          <p:cNvPr id="14" name="Ellipse 13">
-            <a:extLst>
-              <a:ext uri="{FF2B5EF4-FFF2-40B4-BE49-F238E27FC236}">
-                <a16:creationId xmlns:a16="http://schemas.microsoft.com/office/drawing/2014/main" id="{C9406F36-E067-4917-BF14-3669A0DE3999}"/>
-              </a:ext>
-            </a:extLst>
-          </p:cNvPr>
-          <p:cNvSpPr/>
-          <p:nvPr/>
-        </p:nvSpPr>
-        <p:spPr>
-          <a:xfrm>
-            <a:off x="5883349" y="1345034"/>
-            <a:ext cx="425302" cy="425302"/>
-          </a:xfrm>
-          <a:prstGeom prst="ellipse">
-            <a:avLst/>
-          </a:prstGeom>
-          <a:solidFill>
-            <a:schemeClr val="accent1">
-              <a:lumMod val="20000"/>
-              <a:lumOff val="80000"/>
-            </a:schemeClr>
-          </a:solidFill>
-          <a:ln w="28575">
-            <a:solidFill>
-              <a:schemeClr val="accent1">
-                <a:lumMod val="75000"/>
-              </a:schemeClr>
-            </a:solidFill>
-          </a:ln>
-        </p:spPr>
-        <p:style>
-          <a:lnRef idx="2">
-            <a:schemeClr val="accent1">
-              <a:shade val="50000"/>
-            </a:schemeClr>
-          </a:lnRef>
-          <a:fillRef idx="1">
-            <a:schemeClr val="accent1"/>
-          </a:fillRef>
-          <a:effectRef idx="0">
-            <a:schemeClr val="accent1"/>
-          </a:effectRef>
-          <a:fontRef idx="minor">
-            <a:schemeClr val="lt1"/>
-          </a:fontRef>
-        </p:style>
-        <p:txBody>
-          <a:bodyPr lIns="0" tIns="0" rIns="0" bIns="0" rtlCol="0" anchor="ctr"/>
-          <a:lstStyle/>
-          <a:p>
-            <a:pPr algn="ctr"/>
-            <a:r>
-              <a:rPr lang="fr-FR" b="1" dirty="0">
-                <a:solidFill>
-                  <a:schemeClr val="tx1"/>
-                </a:solidFill>
-              </a:rPr>
-              <a:t>S</a:t>
-            </a:r>
-            <a:r>
-              <a:rPr lang="fr-FR" b="1" baseline="-25000" dirty="0">
-                <a:solidFill>
-                  <a:schemeClr val="tx1"/>
-                </a:solidFill>
-              </a:rPr>
-              <a:t>4</a:t>
-            </a:r>
-          </a:p>
-        </p:txBody>
-      </p:sp>
-      <p:sp>
-        <p:nvSpPr>
-          <p:cNvPr id="15" name="Ellipse 14">
-            <a:extLst>
-              <a:ext uri="{FF2B5EF4-FFF2-40B4-BE49-F238E27FC236}">
-                <a16:creationId xmlns:a16="http://schemas.microsoft.com/office/drawing/2014/main" id="{38B99A88-8C8B-4954-A08D-C2B15087B240}"/>
-              </a:ext>
-            </a:extLst>
-          </p:cNvPr>
-          <p:cNvSpPr/>
-          <p:nvPr/>
-        </p:nvSpPr>
-        <p:spPr>
-          <a:xfrm>
-            <a:off x="5181600" y="3927488"/>
-            <a:ext cx="425302" cy="425302"/>
-          </a:xfrm>
-          <a:prstGeom prst="ellipse">
-            <a:avLst/>
-          </a:prstGeom>
-          <a:solidFill>
-            <a:schemeClr val="accent1">
-              <a:lumMod val="20000"/>
-              <a:lumOff val="80000"/>
-            </a:schemeClr>
-          </a:solidFill>
-          <a:ln w="28575">
-            <a:solidFill>
-              <a:schemeClr val="accent1">
-                <a:lumMod val="75000"/>
-              </a:schemeClr>
-            </a:solidFill>
-          </a:ln>
-        </p:spPr>
-        <p:style>
-          <a:lnRef idx="2">
-            <a:schemeClr val="accent1">
-              <a:shade val="50000"/>
-            </a:schemeClr>
-          </a:lnRef>
-          <a:fillRef idx="1">
-            <a:schemeClr val="accent1"/>
-          </a:fillRef>
-          <a:effectRef idx="0">
-            <a:schemeClr val="accent1"/>
-          </a:effectRef>
-          <a:fontRef idx="minor">
-            <a:schemeClr val="lt1"/>
-          </a:fontRef>
-        </p:style>
-        <p:txBody>
-          <a:bodyPr lIns="0" tIns="0" rIns="0" bIns="0" rtlCol="0" anchor="ctr"/>
-          <a:lstStyle/>
-          <a:p>
-            <a:pPr algn="ctr"/>
-            <a:r>
-              <a:rPr lang="fr-FR" b="1" dirty="0">
-                <a:solidFill>
-                  <a:schemeClr val="tx1"/>
-                </a:solidFill>
-              </a:rPr>
-              <a:t>S</a:t>
-            </a:r>
-            <a:r>
-              <a:rPr lang="fr-FR" b="1" baseline="-25000" dirty="0">
-                <a:solidFill>
-                  <a:schemeClr val="tx1"/>
-                </a:solidFill>
-              </a:rPr>
-              <a:t>5</a:t>
-            </a:r>
-          </a:p>
-        </p:txBody>
-      </p:sp>
-      <p:sp>
-        <p:nvSpPr>
-          <p:cNvPr id="16" name="Ellipse 15">
-            <a:extLst>
-              <a:ext uri="{FF2B5EF4-FFF2-40B4-BE49-F238E27FC236}">
-                <a16:creationId xmlns:a16="http://schemas.microsoft.com/office/drawing/2014/main" id="{87B61264-A64D-4915-93F0-607502E150B5}"/>
-              </a:ext>
-            </a:extLst>
-          </p:cNvPr>
-          <p:cNvSpPr/>
-          <p:nvPr/>
-        </p:nvSpPr>
-        <p:spPr>
-          <a:xfrm>
-            <a:off x="4430237" y="1676410"/>
-            <a:ext cx="425302" cy="425302"/>
-          </a:xfrm>
-          <a:prstGeom prst="ellipse">
-            <a:avLst/>
-          </a:prstGeom>
-          <a:solidFill>
-            <a:schemeClr val="accent1">
-              <a:lumMod val="20000"/>
-              <a:lumOff val="80000"/>
-            </a:schemeClr>
-          </a:solidFill>
-          <a:ln w="28575">
-            <a:solidFill>
-              <a:schemeClr val="accent1">
-                <a:lumMod val="75000"/>
-              </a:schemeClr>
-            </a:solidFill>
-          </a:ln>
-        </p:spPr>
-        <p:style>
-          <a:lnRef idx="2">
-            <a:schemeClr val="accent1">
-              <a:shade val="50000"/>
-            </a:schemeClr>
-          </a:lnRef>
-          <a:fillRef idx="1">
-            <a:schemeClr val="accent1"/>
-          </a:fillRef>
-          <a:effectRef idx="0">
-            <a:schemeClr val="accent1"/>
-          </a:effectRef>
-          <a:fontRef idx="minor">
-            <a:schemeClr val="lt1"/>
-          </a:fontRef>
-        </p:style>
-        <p:txBody>
-          <a:bodyPr lIns="0" tIns="0" rIns="0" bIns="0" rtlCol="0" anchor="ctr"/>
-          <a:lstStyle/>
-          <a:p>
-            <a:pPr algn="ctr"/>
-            <a:r>
-              <a:rPr lang="fr-FR" b="1" dirty="0">
-                <a:solidFill>
-                  <a:schemeClr val="tx1"/>
-                </a:solidFill>
-              </a:rPr>
-              <a:t>S</a:t>
-            </a:r>
-            <a:r>
-              <a:rPr lang="fr-FR" b="1" baseline="-25000" dirty="0">
-                <a:solidFill>
-                  <a:schemeClr val="tx1"/>
-                </a:solidFill>
-              </a:rPr>
-              <a:t>6</a:t>
-            </a:r>
-          </a:p>
-        </p:txBody>
-      </p:sp>
-      <p:cxnSp>
-        <p:nvCxnSpPr>
-          <p:cNvPr id="38" name="Connecteur droit 37">
-            <a:extLst>
-              <a:ext uri="{FF2B5EF4-FFF2-40B4-BE49-F238E27FC236}">
-                <a16:creationId xmlns:a16="http://schemas.microsoft.com/office/drawing/2014/main" id="{C446E762-BD1D-4A2D-A188-0AB80ED5ED64}"/>
-              </a:ext>
-            </a:extLst>
-          </p:cNvPr>
-          <p:cNvCxnSpPr>
-            <a:cxnSpLocks/>
-            <a:endCxn id="14" idx="6"/>
-          </p:cNvCxnSpPr>
-          <p:nvPr/>
-        </p:nvCxnSpPr>
-        <p:spPr>
-          <a:xfrm flipH="1">
-            <a:off x="6308651" y="1557685"/>
-            <a:ext cx="900223" cy="0"/>
-          </a:xfrm>
-          <a:prstGeom prst="line">
-            <a:avLst/>
-          </a:prstGeom>
-          <a:ln w="28575">
-            <a:solidFill>
-              <a:schemeClr val="tx1"/>
-            </a:solidFill>
-            <a:tailEnd type="stealth" w="med" len="lg"/>
-          </a:ln>
-        </p:spPr>
-        <p:style>
-          <a:lnRef idx="1">
-            <a:schemeClr val="accent1"/>
-          </a:lnRef>
-          <a:fillRef idx="0">
-            <a:schemeClr val="accent1"/>
-          </a:fillRef>
-          <a:effectRef idx="0">
-            <a:schemeClr val="accent1"/>
-          </a:effectRef>
-          <a:fontRef idx="minor">
-            <a:schemeClr val="tx1"/>
-          </a:fontRef>
-        </p:style>
-      </p:cxnSp>
-      <p:sp>
-        <p:nvSpPr>
-          <p:cNvPr id="41" name="ZoneTexte 40">
-            <a:extLst>
-              <a:ext uri="{FF2B5EF4-FFF2-40B4-BE49-F238E27FC236}">
-                <a16:creationId xmlns:a16="http://schemas.microsoft.com/office/drawing/2014/main" id="{2223C6B3-2445-4A17-9C47-A16BEDBF6BB7}"/>
-              </a:ext>
-            </a:extLst>
-          </p:cNvPr>
-          <p:cNvSpPr txBox="1"/>
-          <p:nvPr/>
-        </p:nvSpPr>
-        <p:spPr>
-          <a:xfrm>
-            <a:off x="7208874" y="1373019"/>
-            <a:ext cx="1318437" cy="369332"/>
-          </a:xfrm>
-          <a:prstGeom prst="rect">
-            <a:avLst/>
-          </a:prstGeom>
-          <a:noFill/>
-        </p:spPr>
-        <p:txBody>
-          <a:bodyPr wrap="square" rtlCol="0" anchor="ctr">
-            <a:spAutoFit/>
-          </a:bodyPr>
-          <a:lstStyle/>
-          <a:p>
-            <a:r>
-              <a:rPr lang="fr-FR" dirty="0"/>
-              <a:t>Sommet</a:t>
-            </a:r>
-          </a:p>
-        </p:txBody>
-      </p:sp>
-      <p:cxnSp>
-        <p:nvCxnSpPr>
-          <p:cNvPr id="42" name="Connecteur droit 41">
-            <a:extLst>
-              <a:ext uri="{FF2B5EF4-FFF2-40B4-BE49-F238E27FC236}">
-                <a16:creationId xmlns:a16="http://schemas.microsoft.com/office/drawing/2014/main" id="{ADC4F4DD-1858-431B-9F53-9AE8577A8189}"/>
-              </a:ext>
-            </a:extLst>
-          </p:cNvPr>
-          <p:cNvCxnSpPr>
-            <a:cxnSpLocks/>
-          </p:cNvCxnSpPr>
-          <p:nvPr/>
-        </p:nvCxnSpPr>
-        <p:spPr>
-          <a:xfrm flipH="1">
-            <a:off x="6096000" y="2711328"/>
-            <a:ext cx="1112875" cy="0"/>
-          </a:xfrm>
-          <a:prstGeom prst="line">
-            <a:avLst/>
-          </a:prstGeom>
-          <a:ln w="28575">
-            <a:solidFill>
-              <a:schemeClr val="tx1"/>
-            </a:solidFill>
-            <a:tailEnd type="stealth" w="med" len="lg"/>
-          </a:ln>
-        </p:spPr>
-        <p:style>
-          <a:lnRef idx="1">
-            <a:schemeClr val="accent1"/>
-          </a:lnRef>
-          <a:fillRef idx="0">
-            <a:schemeClr val="accent1"/>
-          </a:fillRef>
-          <a:effectRef idx="0">
-            <a:schemeClr val="accent1"/>
-          </a:effectRef>
-          <a:fontRef idx="minor">
-            <a:schemeClr val="tx1"/>
-          </a:fontRef>
-        </p:style>
-      </p:cxnSp>
-      <p:sp>
-        <p:nvSpPr>
-          <p:cNvPr id="43" name="ZoneTexte 42">
-            <a:extLst>
-              <a:ext uri="{FF2B5EF4-FFF2-40B4-BE49-F238E27FC236}">
-                <a16:creationId xmlns:a16="http://schemas.microsoft.com/office/drawing/2014/main" id="{F7BAFBEA-9DC0-4073-BB0C-94FE76C0F473}"/>
-              </a:ext>
-            </a:extLst>
-          </p:cNvPr>
-          <p:cNvSpPr txBox="1"/>
-          <p:nvPr/>
-        </p:nvSpPr>
-        <p:spPr>
-          <a:xfrm>
-            <a:off x="7208874" y="2526662"/>
-            <a:ext cx="1318437" cy="369332"/>
-          </a:xfrm>
-          <a:prstGeom prst="rect">
-            <a:avLst/>
-          </a:prstGeom>
-          <a:noFill/>
-        </p:spPr>
-        <p:txBody>
-          <a:bodyPr wrap="square" rtlCol="0" anchor="ctr">
-            <a:spAutoFit/>
-          </a:bodyPr>
-          <a:lstStyle/>
-          <a:p>
-            <a:r>
-              <a:rPr lang="fr-FR" dirty="0"/>
-              <a:t>Arête</a:t>
-            </a:r>
-          </a:p>
-        </p:txBody>
-      </p:sp>
-      <p:sp>
-        <p:nvSpPr>
-          <p:cNvPr id="45" name="ZoneTexte 44">
-            <a:extLst>
-              <a:ext uri="{FF2B5EF4-FFF2-40B4-BE49-F238E27FC236}">
-                <a16:creationId xmlns:a16="http://schemas.microsoft.com/office/drawing/2014/main" id="{01C5EF54-E211-48C1-A92B-566F667A85CA}"/>
-              </a:ext>
-            </a:extLst>
-          </p:cNvPr>
-          <p:cNvSpPr txBox="1"/>
-          <p:nvPr/>
-        </p:nvSpPr>
-        <p:spPr>
-          <a:xfrm>
-            <a:off x="5219009" y="2896208"/>
-            <a:ext cx="425302" cy="369298"/>
-          </a:xfrm>
-          <a:prstGeom prst="rect">
-            <a:avLst/>
-          </a:prstGeom>
-          <a:noFill/>
-        </p:spPr>
-        <p:txBody>
-          <a:bodyPr wrap="square" rtlCol="0" anchor="ctr">
-            <a:spAutoFit/>
-          </a:bodyPr>
-          <a:lstStyle/>
-          <a:p>
-            <a:pPr algn="ctr"/>
-            <a:r>
-              <a:rPr lang="fr-FR" b="1" dirty="0"/>
-              <a:t>A</a:t>
-            </a:r>
-            <a:r>
-              <a:rPr lang="fr-FR" b="1" baseline="-25000" dirty="0"/>
-              <a:t>1</a:t>
-            </a:r>
-          </a:p>
-        </p:txBody>
-      </p:sp>
-      <p:sp>
-        <p:nvSpPr>
-          <p:cNvPr id="46" name="ZoneTexte 45">
-            <a:extLst>
-              <a:ext uri="{FF2B5EF4-FFF2-40B4-BE49-F238E27FC236}">
-                <a16:creationId xmlns:a16="http://schemas.microsoft.com/office/drawing/2014/main" id="{E01E72EA-71E1-4ADD-A080-292E77E7D98C}"/>
-              </a:ext>
-            </a:extLst>
-          </p:cNvPr>
-          <p:cNvSpPr txBox="1"/>
-          <p:nvPr/>
-        </p:nvSpPr>
-        <p:spPr>
-          <a:xfrm>
-            <a:off x="5755762" y="2487658"/>
-            <a:ext cx="425302" cy="369332"/>
-          </a:xfrm>
-          <a:prstGeom prst="rect">
-            <a:avLst/>
-          </a:prstGeom>
-          <a:noFill/>
-        </p:spPr>
-        <p:txBody>
-          <a:bodyPr wrap="square" rtlCol="0" anchor="ctr">
-            <a:spAutoFit/>
-          </a:bodyPr>
-          <a:lstStyle/>
-          <a:p>
-            <a:pPr algn="ctr"/>
-            <a:r>
-              <a:rPr lang="fr-FR" b="1" dirty="0"/>
-              <a:t>A</a:t>
-            </a:r>
-            <a:r>
-              <a:rPr lang="fr-FR" b="1" baseline="-25000" dirty="0"/>
-              <a:t>2</a:t>
-            </a:r>
-          </a:p>
-        </p:txBody>
-      </p:sp>
-      <p:sp>
-        <p:nvSpPr>
-          <p:cNvPr id="47" name="ZoneTexte 46">
-            <a:extLst>
-              <a:ext uri="{FF2B5EF4-FFF2-40B4-BE49-F238E27FC236}">
-                <a16:creationId xmlns:a16="http://schemas.microsoft.com/office/drawing/2014/main" id="{CA5DCCA3-EE20-44C0-8ABE-8CF6C0B1A567}"/>
-              </a:ext>
-            </a:extLst>
-          </p:cNvPr>
-          <p:cNvSpPr txBox="1"/>
-          <p:nvPr/>
-        </p:nvSpPr>
-        <p:spPr>
-          <a:xfrm>
-            <a:off x="5751748" y="1750650"/>
-            <a:ext cx="425302" cy="369332"/>
-          </a:xfrm>
-          <a:prstGeom prst="rect">
-            <a:avLst/>
-          </a:prstGeom>
-          <a:noFill/>
-        </p:spPr>
-        <p:txBody>
-          <a:bodyPr wrap="square" rtlCol="0" anchor="ctr">
-            <a:spAutoFit/>
-          </a:bodyPr>
-          <a:lstStyle/>
-          <a:p>
-            <a:pPr algn="ctr"/>
-            <a:r>
-              <a:rPr lang="fr-FR" b="1" dirty="0"/>
-              <a:t>A</a:t>
-            </a:r>
-            <a:r>
-              <a:rPr lang="fr-FR" b="1" baseline="-25000" dirty="0"/>
-              <a:t>3</a:t>
-            </a:r>
-          </a:p>
-        </p:txBody>
-      </p:sp>
-      <p:sp>
-        <p:nvSpPr>
-          <p:cNvPr id="48" name="ZoneTexte 47">
-            <a:extLst>
-              <a:ext uri="{FF2B5EF4-FFF2-40B4-BE49-F238E27FC236}">
-                <a16:creationId xmlns:a16="http://schemas.microsoft.com/office/drawing/2014/main" id="{3EEFD66A-6E9B-41E3-821A-002CEA81C5ED}"/>
-              </a:ext>
-            </a:extLst>
-          </p:cNvPr>
-          <p:cNvSpPr txBox="1"/>
-          <p:nvPr/>
-        </p:nvSpPr>
-        <p:spPr>
-          <a:xfrm>
-            <a:off x="5219009" y="2424287"/>
-            <a:ext cx="425302" cy="369332"/>
-          </a:xfrm>
-          <a:prstGeom prst="rect">
-            <a:avLst/>
-          </a:prstGeom>
-          <a:noFill/>
-        </p:spPr>
-        <p:txBody>
-          <a:bodyPr wrap="square" rtlCol="0" anchor="ctr">
-            <a:spAutoFit/>
-          </a:bodyPr>
-          <a:lstStyle/>
-          <a:p>
-            <a:pPr algn="ctr"/>
-            <a:r>
-              <a:rPr lang="fr-FR" b="1" dirty="0"/>
-              <a:t>A</a:t>
-            </a:r>
-            <a:r>
-              <a:rPr lang="fr-FR" b="1" baseline="-25000" dirty="0"/>
-              <a:t>5</a:t>
-            </a:r>
-          </a:p>
-        </p:txBody>
-      </p:sp>
-      <p:sp>
-        <p:nvSpPr>
-          <p:cNvPr id="49" name="ZoneTexte 48">
-            <a:extLst>
-              <a:ext uri="{FF2B5EF4-FFF2-40B4-BE49-F238E27FC236}">
-                <a16:creationId xmlns:a16="http://schemas.microsoft.com/office/drawing/2014/main" id="{394ABA33-80FA-41D2-B907-E2F7B2588791}"/>
-              </a:ext>
-            </a:extLst>
-          </p:cNvPr>
-          <p:cNvSpPr txBox="1"/>
-          <p:nvPr/>
-        </p:nvSpPr>
-        <p:spPr>
-          <a:xfrm>
-            <a:off x="5219009" y="1950275"/>
-            <a:ext cx="425302" cy="369332"/>
-          </a:xfrm>
-          <a:prstGeom prst="rect">
-            <a:avLst/>
-          </a:prstGeom>
-          <a:noFill/>
-        </p:spPr>
-        <p:txBody>
-          <a:bodyPr wrap="square" rtlCol="0" anchor="ctr">
-            <a:spAutoFit/>
-          </a:bodyPr>
-          <a:lstStyle/>
-          <a:p>
-            <a:pPr algn="ctr"/>
-            <a:r>
-              <a:rPr lang="fr-FR" b="1" dirty="0"/>
-              <a:t>A</a:t>
-            </a:r>
-            <a:r>
-              <a:rPr lang="fr-FR" b="1" baseline="-25000" dirty="0"/>
-              <a:t>4</a:t>
-            </a:r>
-          </a:p>
-        </p:txBody>
-      </p:sp>
-      <p:sp>
-        <p:nvSpPr>
-          <p:cNvPr id="50" name="ZoneTexte 49">
-            <a:extLst>
-              <a:ext uri="{FF2B5EF4-FFF2-40B4-BE49-F238E27FC236}">
-                <a16:creationId xmlns:a16="http://schemas.microsoft.com/office/drawing/2014/main" id="{793D7C54-E14F-4F3A-B446-89B96F8F1F6E}"/>
-              </a:ext>
-            </a:extLst>
-          </p:cNvPr>
-          <p:cNvSpPr txBox="1"/>
-          <p:nvPr/>
-        </p:nvSpPr>
-        <p:spPr>
-          <a:xfrm>
-            <a:off x="4862624" y="3445752"/>
-            <a:ext cx="425302" cy="369332"/>
-          </a:xfrm>
-          <a:prstGeom prst="rect">
-            <a:avLst/>
-          </a:prstGeom>
-          <a:noFill/>
-        </p:spPr>
-        <p:txBody>
-          <a:bodyPr wrap="square" rtlCol="0" anchor="ctr">
-            <a:spAutoFit/>
-          </a:bodyPr>
-          <a:lstStyle/>
-          <a:p>
-            <a:pPr algn="ctr"/>
-            <a:r>
-              <a:rPr lang="fr-FR" b="1" dirty="0"/>
-              <a:t>A</a:t>
-            </a:r>
-            <a:r>
-              <a:rPr lang="fr-FR" b="1" baseline="-25000" dirty="0"/>
-              <a:t>6</a:t>
-            </a:r>
-          </a:p>
-        </p:txBody>
-      </p:sp>
-      <p:sp>
-        <p:nvSpPr>
-          <p:cNvPr id="51" name="ZoneTexte 50">
-            <a:extLst>
-              <a:ext uri="{FF2B5EF4-FFF2-40B4-BE49-F238E27FC236}">
-                <a16:creationId xmlns:a16="http://schemas.microsoft.com/office/drawing/2014/main" id="{8E6B923C-EB05-474C-BB58-15FD7E70FC44}"/>
-              </a:ext>
-            </a:extLst>
-          </p:cNvPr>
-          <p:cNvSpPr txBox="1"/>
-          <p:nvPr/>
-        </p:nvSpPr>
-        <p:spPr>
-          <a:xfrm>
-            <a:off x="4217586" y="2402687"/>
-            <a:ext cx="425302" cy="369332"/>
-          </a:xfrm>
-          <a:prstGeom prst="rect">
-            <a:avLst/>
-          </a:prstGeom>
-          <a:noFill/>
-        </p:spPr>
-        <p:txBody>
-          <a:bodyPr wrap="square" rtlCol="0" anchor="ctr">
-            <a:spAutoFit/>
-          </a:bodyPr>
-          <a:lstStyle/>
-          <a:p>
-            <a:pPr algn="ctr"/>
-            <a:r>
-              <a:rPr lang="fr-FR" b="1" dirty="0"/>
-              <a:t>A</a:t>
-            </a:r>
-            <a:r>
-              <a:rPr lang="fr-FR" b="1" baseline="-25000" dirty="0"/>
-              <a:t>7</a:t>
-            </a:r>
-          </a:p>
-        </p:txBody>
-      </p:sp>
-    </p:spTree>
-    <p:extLst>
-      <p:ext uri="{BB962C8B-B14F-4D97-AF65-F5344CB8AC3E}">
-        <p14:creationId xmlns:p14="http://schemas.microsoft.com/office/powerpoint/2010/main" val="2508788649"/>
       </p:ext>
     </p:extLst>
   </p:cSld>
@@ -11356,10 +12783,55 @@
       </p:grpSpPr>
       <p:cxnSp>
         <p:nvCxnSpPr>
-          <p:cNvPr id="14" name="Connecteur droit 13">
-            <a:extLst>
-              <a:ext uri="{FF2B5EF4-FFF2-40B4-BE49-F238E27FC236}">
-                <a16:creationId xmlns:a16="http://schemas.microsoft.com/office/drawing/2014/main" id="{D2EA3D61-C54A-4A46-90FA-EFAFB7A6A011}"/>
+          <p:cNvPr id="11" name="Connecteur droit 10">
+            <a:extLst>
+              <a:ext uri="{FF2B5EF4-FFF2-40B4-BE49-F238E27FC236}">
+                <a16:creationId xmlns:a16="http://schemas.microsoft.com/office/drawing/2014/main" id="{6131883A-8603-4E82-A8CC-816B8FC23C1B}"/>
+              </a:ext>
+            </a:extLst>
+          </p:cNvPr>
+          <p:cNvCxnSpPr>
+            <a:cxnSpLocks/>
+            <a:stCxn id="5" idx="0"/>
+            <a:endCxn id="16" idx="4"/>
+          </p:cNvCxnSpPr>
+          <p:nvPr/>
+        </p:nvCxnSpPr>
+        <p:spPr>
+          <a:xfrm flipV="1">
+            <a:off x="4642888" y="2101712"/>
+            <a:ext cx="0" cy="1114637"/>
+          </a:xfrm>
+          <a:prstGeom prst="line">
+            <a:avLst/>
+          </a:prstGeom>
+          <a:ln w="28575">
+            <a:solidFill>
+              <a:srgbClr val="C00000"/>
+            </a:solidFill>
+          </a:ln>
+        </p:spPr>
+        <p:style>
+          <a:lnRef idx="1">
+            <a:schemeClr val="accent1"/>
+          </a:lnRef>
+          <a:fillRef idx="0">
+            <a:schemeClr val="accent1"/>
+          </a:fillRef>
+          <a:effectRef idx="0">
+            <a:schemeClr val="accent1"/>
+          </a:effectRef>
+          <a:fontRef idx="minor">
+            <a:schemeClr val="tx1"/>
+          </a:fontRef>
+        </p:style>
+      </p:cxnSp>
+      <p:cxnSp>
+        <p:nvCxnSpPr>
+          <p:cNvPr id="19" name="Connecteur droit 18">
+            <a:extLst>
+              <a:ext uri="{FF2B5EF4-FFF2-40B4-BE49-F238E27FC236}">
+                <a16:creationId xmlns:a16="http://schemas.microsoft.com/office/drawing/2014/main" id="{39598334-531A-4461-B488-0AEDDDFCB2C3}"/>
               </a:ext>
             </a:extLst>
           </p:cNvPr>
@@ -11369,43 +12841,40 @@
           <p:nvPr/>
         </p:nvCxnSpPr>
         <p:spPr>
-          <a:xfrm>
-            <a:off x="5034707" y="2356756"/>
-            <a:ext cx="759323" cy="1072244"/>
+          <a:xfrm flipV="1">
+            <a:off x="4642888" y="1557685"/>
+            <a:ext cx="1453112" cy="1871316"/>
           </a:xfrm>
           <a:prstGeom prst="line">
             <a:avLst/>
           </a:prstGeom>
-          <a:noFill/>
-          <a:ln w="19050">
+          <a:ln w="28575">
             <a:solidFill>
               <a:srgbClr val="C00000"/>
             </a:solidFill>
           </a:ln>
         </p:spPr>
         <p:style>
-          <a:lnRef idx="2">
-            <a:schemeClr val="accent1">
-              <a:shade val="50000"/>
-            </a:schemeClr>
-          </a:lnRef>
-          <a:fillRef idx="1">
-            <a:schemeClr val="accent1"/>
-          </a:fillRef>
-          <a:effectRef idx="0">
-            <a:schemeClr val="accent1"/>
-          </a:effectRef>
-          <a:fontRef idx="minor">
-            <a:schemeClr val="lt1"/>
+          <a:lnRef idx="1">
+            <a:schemeClr val="accent1"/>
+          </a:lnRef>
+          <a:fillRef idx="0">
+            <a:schemeClr val="accent1"/>
+          </a:fillRef>
+          <a:effectRef idx="0">
+            <a:schemeClr val="accent1"/>
+          </a:effectRef>
+          <a:fontRef idx="minor">
+            <a:schemeClr val="tx1"/>
           </a:fontRef>
         </p:style>
       </p:cxnSp>
       <p:cxnSp>
         <p:nvCxnSpPr>
-          <p:cNvPr id="16" name="Connecteur droit 15">
-            <a:extLst>
-              <a:ext uri="{FF2B5EF4-FFF2-40B4-BE49-F238E27FC236}">
-                <a16:creationId xmlns:a16="http://schemas.microsoft.com/office/drawing/2014/main" id="{CD3E2D7A-6B1C-4F19-820B-B9B81D2D1BE6}"/>
+          <p:cNvPr id="22" name="Connecteur droit 21">
+            <a:extLst>
+              <a:ext uri="{FF2B5EF4-FFF2-40B4-BE49-F238E27FC236}">
+                <a16:creationId xmlns:a16="http://schemas.microsoft.com/office/drawing/2014/main" id="{14562189-3E72-4CDF-89B4-4071B884E3FF}"/>
               </a:ext>
             </a:extLst>
           </p:cNvPr>
@@ -11416,42 +12885,215 @@
         </p:nvCxnSpPr>
         <p:spPr>
           <a:xfrm flipV="1">
-            <a:off x="5794030" y="2356755"/>
-            <a:ext cx="721201" cy="1102369"/>
+            <a:off x="4642888" y="2327655"/>
+            <a:ext cx="1453112" cy="1101345"/>
           </a:xfrm>
           <a:prstGeom prst="line">
             <a:avLst/>
           </a:prstGeom>
-          <a:noFill/>
-          <a:ln w="19050">
+          <a:ln w="28575">
             <a:solidFill>
               <a:srgbClr val="C00000"/>
             </a:solidFill>
           </a:ln>
         </p:spPr>
         <p:style>
-          <a:lnRef idx="2">
-            <a:schemeClr val="accent1">
-              <a:shade val="50000"/>
-            </a:schemeClr>
-          </a:lnRef>
-          <a:fillRef idx="1">
-            <a:schemeClr val="accent1"/>
-          </a:fillRef>
-          <a:effectRef idx="0">
-            <a:schemeClr val="accent1"/>
-          </a:effectRef>
-          <a:fontRef idx="minor">
-            <a:schemeClr val="lt1"/>
+          <a:lnRef idx="1">
+            <a:schemeClr val="accent1"/>
+          </a:lnRef>
+          <a:fillRef idx="0">
+            <a:schemeClr val="accent1"/>
+          </a:fillRef>
+          <a:effectRef idx="0">
+            <a:schemeClr val="accent1"/>
+          </a:effectRef>
+          <a:fontRef idx="minor">
+            <a:schemeClr val="tx1"/>
           </a:fontRef>
         </p:style>
       </p:cxnSp>
-      <p:sp>
-        <p:nvSpPr>
-          <p:cNvPr id="4" name="Hexagone 3">
-            <a:extLst>
-              <a:ext uri="{FF2B5EF4-FFF2-40B4-BE49-F238E27FC236}">
-                <a16:creationId xmlns:a16="http://schemas.microsoft.com/office/drawing/2014/main" id="{65F513C0-3A6C-4EAB-BA68-28E3FC674B0F}"/>
+      <p:cxnSp>
+        <p:nvCxnSpPr>
+          <p:cNvPr id="25" name="Connecteur droit 24">
+            <a:extLst>
+              <a:ext uri="{FF2B5EF4-FFF2-40B4-BE49-F238E27FC236}">
+                <a16:creationId xmlns:a16="http://schemas.microsoft.com/office/drawing/2014/main" id="{A7C490C5-8EF0-47D5-BC68-1B3506AE54B9}"/>
+              </a:ext>
+            </a:extLst>
+          </p:cNvPr>
+          <p:cNvCxnSpPr>
+            <a:cxnSpLocks/>
+          </p:cNvCxnSpPr>
+          <p:nvPr/>
+        </p:nvCxnSpPr>
+        <p:spPr>
+          <a:xfrm flipV="1">
+            <a:off x="4642888" y="3097626"/>
+            <a:ext cx="1453112" cy="331374"/>
+          </a:xfrm>
+          <a:prstGeom prst="line">
+            <a:avLst/>
+          </a:prstGeom>
+          <a:ln w="28575">
+            <a:solidFill>
+              <a:srgbClr val="C00000"/>
+            </a:solidFill>
+          </a:ln>
+        </p:spPr>
+        <p:style>
+          <a:lnRef idx="1">
+            <a:schemeClr val="accent1"/>
+          </a:lnRef>
+          <a:fillRef idx="0">
+            <a:schemeClr val="accent1"/>
+          </a:fillRef>
+          <a:effectRef idx="0">
+            <a:schemeClr val="accent1"/>
+          </a:effectRef>
+          <a:fontRef idx="minor">
+            <a:schemeClr val="tx1"/>
+          </a:fontRef>
+        </p:style>
+      </p:cxnSp>
+      <p:cxnSp>
+        <p:nvCxnSpPr>
+          <p:cNvPr id="27" name="Connecteur droit 26">
+            <a:extLst>
+              <a:ext uri="{FF2B5EF4-FFF2-40B4-BE49-F238E27FC236}">
+                <a16:creationId xmlns:a16="http://schemas.microsoft.com/office/drawing/2014/main" id="{65952C0B-F10C-4DFE-9DB7-FC21BABDC421}"/>
+              </a:ext>
+            </a:extLst>
+          </p:cNvPr>
+          <p:cNvCxnSpPr>
+            <a:cxnSpLocks/>
+          </p:cNvCxnSpPr>
+          <p:nvPr/>
+        </p:nvCxnSpPr>
+        <p:spPr>
+          <a:xfrm>
+            <a:off x="4642888" y="3455584"/>
+            <a:ext cx="751363" cy="716803"/>
+          </a:xfrm>
+          <a:prstGeom prst="line">
+            <a:avLst/>
+          </a:prstGeom>
+          <a:ln w="28575">
+            <a:solidFill>
+              <a:srgbClr val="C00000"/>
+            </a:solidFill>
+          </a:ln>
+        </p:spPr>
+        <p:style>
+          <a:lnRef idx="1">
+            <a:schemeClr val="accent1"/>
+          </a:lnRef>
+          <a:fillRef idx="0">
+            <a:schemeClr val="accent1"/>
+          </a:fillRef>
+          <a:effectRef idx="0">
+            <a:schemeClr val="accent1"/>
+          </a:effectRef>
+          <a:fontRef idx="minor">
+            <a:schemeClr val="tx1"/>
+          </a:fontRef>
+        </p:style>
+      </p:cxnSp>
+      <p:cxnSp>
+        <p:nvCxnSpPr>
+          <p:cNvPr id="30" name="Connecteur droit 29">
+            <a:extLst>
+              <a:ext uri="{FF2B5EF4-FFF2-40B4-BE49-F238E27FC236}">
+                <a16:creationId xmlns:a16="http://schemas.microsoft.com/office/drawing/2014/main" id="{134C44C7-8A3C-4594-8CF2-0D33B4430A90}"/>
+              </a:ext>
+            </a:extLst>
+          </p:cNvPr>
+          <p:cNvCxnSpPr>
+            <a:cxnSpLocks/>
+            <a:stCxn id="12" idx="0"/>
+            <a:endCxn id="13" idx="4"/>
+          </p:cNvCxnSpPr>
+          <p:nvPr/>
+        </p:nvCxnSpPr>
+        <p:spPr>
+          <a:xfrm flipV="1">
+            <a:off x="6096000" y="2527014"/>
+            <a:ext cx="0" cy="331377"/>
+          </a:xfrm>
+          <a:prstGeom prst="line">
+            <a:avLst/>
+          </a:prstGeom>
+          <a:ln w="28575">
+            <a:solidFill>
+              <a:srgbClr val="C00000"/>
+            </a:solidFill>
+          </a:ln>
+        </p:spPr>
+        <p:style>
+          <a:lnRef idx="1">
+            <a:schemeClr val="accent1"/>
+          </a:lnRef>
+          <a:fillRef idx="0">
+            <a:schemeClr val="accent1"/>
+          </a:fillRef>
+          <a:effectRef idx="0">
+            <a:schemeClr val="accent1"/>
+          </a:effectRef>
+          <a:fontRef idx="minor">
+            <a:schemeClr val="tx1"/>
+          </a:fontRef>
+        </p:style>
+      </p:cxnSp>
+      <p:cxnSp>
+        <p:nvCxnSpPr>
+          <p:cNvPr id="34" name="Connecteur droit 33">
+            <a:extLst>
+              <a:ext uri="{FF2B5EF4-FFF2-40B4-BE49-F238E27FC236}">
+                <a16:creationId xmlns:a16="http://schemas.microsoft.com/office/drawing/2014/main" id="{E81D9250-C501-48AE-8740-C101211DAA33}"/>
+              </a:ext>
+            </a:extLst>
+          </p:cNvPr>
+          <p:cNvCxnSpPr>
+            <a:cxnSpLocks/>
+            <a:stCxn id="13" idx="0"/>
+            <a:endCxn id="14" idx="4"/>
+          </p:cNvCxnSpPr>
+          <p:nvPr/>
+        </p:nvCxnSpPr>
+        <p:spPr>
+          <a:xfrm flipV="1">
+            <a:off x="6096000" y="1770336"/>
+            <a:ext cx="0" cy="331376"/>
+          </a:xfrm>
+          <a:prstGeom prst="line">
+            <a:avLst/>
+          </a:prstGeom>
+          <a:ln w="28575">
+            <a:solidFill>
+              <a:srgbClr val="C00000"/>
+            </a:solidFill>
+          </a:ln>
+        </p:spPr>
+        <p:style>
+          <a:lnRef idx="1">
+            <a:schemeClr val="accent1"/>
+          </a:lnRef>
+          <a:fillRef idx="0">
+            <a:schemeClr val="accent1"/>
+          </a:fillRef>
+          <a:effectRef idx="0">
+            <a:schemeClr val="accent1"/>
+          </a:effectRef>
+          <a:fontRef idx="minor">
+            <a:schemeClr val="tx1"/>
+          </a:fontRef>
+        </p:style>
+      </p:cxnSp>
+      <p:sp>
+        <p:nvSpPr>
+          <p:cNvPr id="5" name="Ellipse 4">
+            <a:extLst>
+              <a:ext uri="{FF2B5EF4-FFF2-40B4-BE49-F238E27FC236}">
+                <a16:creationId xmlns:a16="http://schemas.microsoft.com/office/drawing/2014/main" id="{E12EDDBD-B5CB-4ECB-8F42-2B7886FE12E3}"/>
               </a:ext>
             </a:extLst>
           </p:cNvPr>
@@ -11460,59 +13102,7 @@
         </p:nvSpPr>
         <p:spPr>
           <a:xfrm>
-            <a:off x="4550229" y="2356757"/>
-            <a:ext cx="2487603" cy="2144485"/>
-          </a:xfrm>
-          <a:prstGeom prst="hexagon">
-            <a:avLst/>
-          </a:prstGeom>
-          <a:noFill/>
-          <a:ln w="19050">
-            <a:solidFill>
-              <a:srgbClr val="C00000"/>
-            </a:solidFill>
-          </a:ln>
-        </p:spPr>
-        <p:style>
-          <a:lnRef idx="2">
-            <a:schemeClr val="accent1">
-              <a:shade val="50000"/>
-            </a:schemeClr>
-          </a:lnRef>
-          <a:fillRef idx="1">
-            <a:schemeClr val="accent1"/>
-          </a:fillRef>
-          <a:effectRef idx="0">
-            <a:schemeClr val="accent1"/>
-          </a:effectRef>
-          <a:fontRef idx="minor">
-            <a:schemeClr val="lt1"/>
-          </a:fontRef>
-        </p:style>
-        <p:txBody>
-          <a:bodyPr rtlCol="0" anchor="ctr"/>
-          <a:lstStyle/>
-          <a:p>
-            <a:pPr algn="ctr"/>
-            <a:endParaRPr lang="fr-FR"/>
-          </a:p>
-        </p:txBody>
-      </p:sp>
-      <p:sp>
-        <p:nvSpPr>
-          <p:cNvPr id="5" name="Ellipse 4">
-            <a:extLst>
-              <a:ext uri="{FF2B5EF4-FFF2-40B4-BE49-F238E27FC236}">
-                <a16:creationId xmlns:a16="http://schemas.microsoft.com/office/drawing/2014/main" id="{148029D0-6D7A-4096-AA1F-4EC1DFBDF69A}"/>
-              </a:ext>
-            </a:extLst>
-          </p:cNvPr>
-          <p:cNvSpPr/>
-          <p:nvPr/>
-        </p:nvSpPr>
-        <p:spPr>
-          <a:xfrm>
-            <a:off x="4865666" y="2144106"/>
+            <a:off x="4430237" y="3216349"/>
             <a:ext cx="425302" cy="425302"/>
           </a:xfrm>
           <a:prstGeom prst="ellipse">
@@ -11526,7 +13116,9 @@
           </a:solidFill>
           <a:ln w="28575">
             <a:solidFill>
-              <a:srgbClr val="002060"/>
+              <a:schemeClr val="accent1">
+                <a:lumMod val="75000"/>
+              </a:schemeClr>
             </a:solidFill>
           </a:ln>
         </p:spPr>
@@ -11565,17 +13157,17 @@
                   <a:schemeClr val="tx1"/>
                 </a:solidFill>
               </a:rPr>
-              <a:t>0</a:t>
-            </a:r>
-          </a:p>
-        </p:txBody>
-      </p:sp>
-      <p:sp>
-        <p:nvSpPr>
-          <p:cNvPr id="6" name="Ellipse 5">
-            <a:extLst>
-              <a:ext uri="{FF2B5EF4-FFF2-40B4-BE49-F238E27FC236}">
-                <a16:creationId xmlns:a16="http://schemas.microsoft.com/office/drawing/2014/main" id="{24B27CE1-ED31-4663-8865-3D910BABF6CF}"/>
+              <a:t>1</a:t>
+            </a:r>
+          </a:p>
+        </p:txBody>
+      </p:sp>
+      <p:sp>
+        <p:nvSpPr>
+          <p:cNvPr id="12" name="Ellipse 11">
+            <a:extLst>
+              <a:ext uri="{FF2B5EF4-FFF2-40B4-BE49-F238E27FC236}">
+                <a16:creationId xmlns:a16="http://schemas.microsoft.com/office/drawing/2014/main" id="{EDF683E1-C03A-4387-AE76-4E4CD0C2A8AA}"/>
               </a:ext>
             </a:extLst>
           </p:cNvPr>
@@ -11584,7 +13176,7 @@
         </p:nvSpPr>
         <p:spPr>
           <a:xfrm>
-            <a:off x="6302580" y="2144106"/>
+            <a:off x="5883349" y="2858391"/>
             <a:ext cx="425302" cy="425302"/>
           </a:xfrm>
           <a:prstGeom prst="ellipse">
@@ -11598,7 +13190,9 @@
           </a:solidFill>
           <a:ln w="28575">
             <a:solidFill>
-              <a:srgbClr val="002060"/>
+              <a:schemeClr val="accent1">
+                <a:lumMod val="75000"/>
+              </a:schemeClr>
             </a:solidFill>
           </a:ln>
         </p:spPr>
@@ -11637,17 +13231,17 @@
                   <a:schemeClr val="tx1"/>
                 </a:solidFill>
               </a:rPr>
-              <a:t>1</a:t>
-            </a:r>
-          </a:p>
-        </p:txBody>
-      </p:sp>
-      <p:sp>
-        <p:nvSpPr>
-          <p:cNvPr id="7" name="Ellipse 6">
-            <a:extLst>
-              <a:ext uri="{FF2B5EF4-FFF2-40B4-BE49-F238E27FC236}">
-                <a16:creationId xmlns:a16="http://schemas.microsoft.com/office/drawing/2014/main" id="{5C1541E5-4126-42FF-837A-2F1DDD023122}"/>
+              <a:t>2</a:t>
+            </a:r>
+          </a:p>
+        </p:txBody>
+      </p:sp>
+      <p:sp>
+        <p:nvSpPr>
+          <p:cNvPr id="13" name="Ellipse 12">
+            <a:extLst>
+              <a:ext uri="{FF2B5EF4-FFF2-40B4-BE49-F238E27FC236}">
+                <a16:creationId xmlns:a16="http://schemas.microsoft.com/office/drawing/2014/main" id="{91C6549F-3030-423F-92E7-078F5FC8C3BB}"/>
               </a:ext>
             </a:extLst>
           </p:cNvPr>
@@ -11656,7 +13250,7 @@
         </p:nvSpPr>
         <p:spPr>
           <a:xfrm>
-            <a:off x="6825181" y="3216349"/>
+            <a:off x="5883349" y="2101712"/>
             <a:ext cx="425302" cy="425302"/>
           </a:xfrm>
           <a:prstGeom prst="ellipse">
@@ -11670,7 +13264,9 @@
           </a:solidFill>
           <a:ln w="28575">
             <a:solidFill>
-              <a:srgbClr val="002060"/>
+              <a:schemeClr val="accent1">
+                <a:lumMod val="75000"/>
+              </a:schemeClr>
             </a:solidFill>
           </a:ln>
         </p:spPr>
@@ -11709,17 +13305,17 @@
                   <a:schemeClr val="tx1"/>
                 </a:solidFill>
               </a:rPr>
-              <a:t>2</a:t>
-            </a:r>
-          </a:p>
-        </p:txBody>
-      </p:sp>
-      <p:sp>
-        <p:nvSpPr>
-          <p:cNvPr id="8" name="Ellipse 7">
-            <a:extLst>
-              <a:ext uri="{FF2B5EF4-FFF2-40B4-BE49-F238E27FC236}">
-                <a16:creationId xmlns:a16="http://schemas.microsoft.com/office/drawing/2014/main" id="{C80538D0-4811-4472-84F0-6042C295104C}"/>
+              <a:t>3</a:t>
+            </a:r>
+          </a:p>
+        </p:txBody>
+      </p:sp>
+      <p:sp>
+        <p:nvSpPr>
+          <p:cNvPr id="14" name="Ellipse 13">
+            <a:extLst>
+              <a:ext uri="{FF2B5EF4-FFF2-40B4-BE49-F238E27FC236}">
+                <a16:creationId xmlns:a16="http://schemas.microsoft.com/office/drawing/2014/main" id="{C9406F36-E067-4917-BF14-3669A0DE3999}"/>
               </a:ext>
             </a:extLst>
           </p:cNvPr>
@@ -11728,7 +13324,7 @@
         </p:nvSpPr>
         <p:spPr>
           <a:xfrm>
-            <a:off x="6302580" y="4288593"/>
+            <a:off x="5883349" y="1345034"/>
             <a:ext cx="425302" cy="425302"/>
           </a:xfrm>
           <a:prstGeom prst="ellipse">
@@ -11742,7 +13338,9 @@
           </a:solidFill>
           <a:ln w="28575">
             <a:solidFill>
-              <a:srgbClr val="002060"/>
+              <a:schemeClr val="accent1">
+                <a:lumMod val="75000"/>
+              </a:schemeClr>
             </a:solidFill>
           </a:ln>
         </p:spPr>
@@ -11781,17 +13379,17 @@
                   <a:schemeClr val="tx1"/>
                 </a:solidFill>
               </a:rPr>
-              <a:t>3</a:t>
-            </a:r>
-          </a:p>
-        </p:txBody>
-      </p:sp>
-      <p:sp>
-        <p:nvSpPr>
-          <p:cNvPr id="9" name="Ellipse 8">
-            <a:extLst>
-              <a:ext uri="{FF2B5EF4-FFF2-40B4-BE49-F238E27FC236}">
-                <a16:creationId xmlns:a16="http://schemas.microsoft.com/office/drawing/2014/main" id="{03347C5B-FA8A-4589-A208-E1EDD080B05B}"/>
+              <a:t>4</a:t>
+            </a:r>
+          </a:p>
+        </p:txBody>
+      </p:sp>
+      <p:sp>
+        <p:nvSpPr>
+          <p:cNvPr id="15" name="Ellipse 14">
+            <a:extLst>
+              <a:ext uri="{FF2B5EF4-FFF2-40B4-BE49-F238E27FC236}">
+                <a16:creationId xmlns:a16="http://schemas.microsoft.com/office/drawing/2014/main" id="{38B99A88-8C8B-4954-A08D-C2B15087B240}"/>
               </a:ext>
             </a:extLst>
           </p:cNvPr>
@@ -11800,7 +13398,7 @@
         </p:nvSpPr>
         <p:spPr>
           <a:xfrm>
-            <a:off x="4865666" y="4288591"/>
+            <a:off x="5181600" y="3927488"/>
             <a:ext cx="425302" cy="425302"/>
           </a:xfrm>
           <a:prstGeom prst="ellipse">
@@ -11814,7 +13412,9 @@
           </a:solidFill>
           <a:ln w="28575">
             <a:solidFill>
-              <a:srgbClr val="002060"/>
+              <a:schemeClr val="accent1">
+                <a:lumMod val="75000"/>
+              </a:schemeClr>
             </a:solidFill>
           </a:ln>
         </p:spPr>
@@ -11853,17 +13453,17 @@
                   <a:schemeClr val="tx1"/>
                 </a:solidFill>
               </a:rPr>
-              <a:t>4</a:t>
-            </a:r>
-          </a:p>
-        </p:txBody>
-      </p:sp>
-      <p:sp>
-        <p:nvSpPr>
-          <p:cNvPr id="10" name="Ellipse 9">
-            <a:extLst>
-              <a:ext uri="{FF2B5EF4-FFF2-40B4-BE49-F238E27FC236}">
-                <a16:creationId xmlns:a16="http://schemas.microsoft.com/office/drawing/2014/main" id="{DDA050FE-D980-4EC6-A131-58A7BA7879CB}"/>
+              <a:t>5</a:t>
+            </a:r>
+          </a:p>
+        </p:txBody>
+      </p:sp>
+      <p:sp>
+        <p:nvSpPr>
+          <p:cNvPr id="16" name="Ellipse 15">
+            <a:extLst>
+              <a:ext uri="{FF2B5EF4-FFF2-40B4-BE49-F238E27FC236}">
+                <a16:creationId xmlns:a16="http://schemas.microsoft.com/office/drawing/2014/main" id="{87B61264-A64D-4915-93F0-607502E150B5}"/>
               </a:ext>
             </a:extLst>
           </p:cNvPr>
@@ -11872,7 +13472,7 @@
         </p:nvSpPr>
         <p:spPr>
           <a:xfrm>
-            <a:off x="4429479" y="3216349"/>
+            <a:off x="4430237" y="1676410"/>
             <a:ext cx="425302" cy="425302"/>
           </a:xfrm>
           <a:prstGeom prst="ellipse">
@@ -11886,7 +13486,9 @@
           </a:solidFill>
           <a:ln w="28575">
             <a:solidFill>
-              <a:srgbClr val="002060"/>
+              <a:schemeClr val="accent1">
+                <a:lumMod val="75000"/>
+              </a:schemeClr>
             </a:solidFill>
           </a:ln>
         </p:spPr>
@@ -11925,6 +13527,325 @@
                   <a:schemeClr val="tx1"/>
                 </a:solidFill>
               </a:rPr>
+              <a:t>6</a:t>
+            </a:r>
+          </a:p>
+        </p:txBody>
+      </p:sp>
+      <p:cxnSp>
+        <p:nvCxnSpPr>
+          <p:cNvPr id="38" name="Connecteur droit 37">
+            <a:extLst>
+              <a:ext uri="{FF2B5EF4-FFF2-40B4-BE49-F238E27FC236}">
+                <a16:creationId xmlns:a16="http://schemas.microsoft.com/office/drawing/2014/main" id="{C446E762-BD1D-4A2D-A188-0AB80ED5ED64}"/>
+              </a:ext>
+            </a:extLst>
+          </p:cNvPr>
+          <p:cNvCxnSpPr>
+            <a:cxnSpLocks/>
+            <a:endCxn id="14" idx="6"/>
+          </p:cNvCxnSpPr>
+          <p:nvPr/>
+        </p:nvCxnSpPr>
+        <p:spPr>
+          <a:xfrm flipH="1">
+            <a:off x="6308651" y="1557685"/>
+            <a:ext cx="900223" cy="0"/>
+          </a:xfrm>
+          <a:prstGeom prst="line">
+            <a:avLst/>
+          </a:prstGeom>
+          <a:ln w="28575">
+            <a:solidFill>
+              <a:schemeClr val="tx1"/>
+            </a:solidFill>
+            <a:tailEnd type="stealth" w="med" len="lg"/>
+          </a:ln>
+        </p:spPr>
+        <p:style>
+          <a:lnRef idx="1">
+            <a:schemeClr val="accent1"/>
+          </a:lnRef>
+          <a:fillRef idx="0">
+            <a:schemeClr val="accent1"/>
+          </a:fillRef>
+          <a:effectRef idx="0">
+            <a:schemeClr val="accent1"/>
+          </a:effectRef>
+          <a:fontRef idx="minor">
+            <a:schemeClr val="tx1"/>
+          </a:fontRef>
+        </p:style>
+      </p:cxnSp>
+      <p:sp>
+        <p:nvSpPr>
+          <p:cNvPr id="41" name="ZoneTexte 40">
+            <a:extLst>
+              <a:ext uri="{FF2B5EF4-FFF2-40B4-BE49-F238E27FC236}">
+                <a16:creationId xmlns:a16="http://schemas.microsoft.com/office/drawing/2014/main" id="{2223C6B3-2445-4A17-9C47-A16BEDBF6BB7}"/>
+              </a:ext>
+            </a:extLst>
+          </p:cNvPr>
+          <p:cNvSpPr txBox="1"/>
+          <p:nvPr/>
+        </p:nvSpPr>
+        <p:spPr>
+          <a:xfrm>
+            <a:off x="7208874" y="1373019"/>
+            <a:ext cx="1318437" cy="369332"/>
+          </a:xfrm>
+          <a:prstGeom prst="rect">
+            <a:avLst/>
+          </a:prstGeom>
+          <a:noFill/>
+        </p:spPr>
+        <p:txBody>
+          <a:bodyPr wrap="square" rtlCol="0" anchor="ctr">
+            <a:spAutoFit/>
+          </a:bodyPr>
+          <a:lstStyle/>
+          <a:p>
+            <a:r>
+              <a:rPr lang="fr-FR" dirty="0"/>
+              <a:t>Sommet</a:t>
+            </a:r>
+          </a:p>
+        </p:txBody>
+      </p:sp>
+      <p:cxnSp>
+        <p:nvCxnSpPr>
+          <p:cNvPr id="42" name="Connecteur droit 41">
+            <a:extLst>
+              <a:ext uri="{FF2B5EF4-FFF2-40B4-BE49-F238E27FC236}">
+                <a16:creationId xmlns:a16="http://schemas.microsoft.com/office/drawing/2014/main" id="{ADC4F4DD-1858-431B-9F53-9AE8577A8189}"/>
+              </a:ext>
+            </a:extLst>
+          </p:cNvPr>
+          <p:cNvCxnSpPr>
+            <a:cxnSpLocks/>
+          </p:cNvCxnSpPr>
+          <p:nvPr/>
+        </p:nvCxnSpPr>
+        <p:spPr>
+          <a:xfrm flipH="1">
+            <a:off x="6096000" y="2711328"/>
+            <a:ext cx="1112875" cy="0"/>
+          </a:xfrm>
+          <a:prstGeom prst="line">
+            <a:avLst/>
+          </a:prstGeom>
+          <a:ln w="28575">
+            <a:solidFill>
+              <a:schemeClr val="tx1"/>
+            </a:solidFill>
+            <a:tailEnd type="stealth" w="med" len="lg"/>
+          </a:ln>
+        </p:spPr>
+        <p:style>
+          <a:lnRef idx="1">
+            <a:schemeClr val="accent1"/>
+          </a:lnRef>
+          <a:fillRef idx="0">
+            <a:schemeClr val="accent1"/>
+          </a:fillRef>
+          <a:effectRef idx="0">
+            <a:schemeClr val="accent1"/>
+          </a:effectRef>
+          <a:fontRef idx="minor">
+            <a:schemeClr val="tx1"/>
+          </a:fontRef>
+        </p:style>
+      </p:cxnSp>
+      <p:sp>
+        <p:nvSpPr>
+          <p:cNvPr id="43" name="ZoneTexte 42">
+            <a:extLst>
+              <a:ext uri="{FF2B5EF4-FFF2-40B4-BE49-F238E27FC236}">
+                <a16:creationId xmlns:a16="http://schemas.microsoft.com/office/drawing/2014/main" id="{F7BAFBEA-9DC0-4073-BB0C-94FE76C0F473}"/>
+              </a:ext>
+            </a:extLst>
+          </p:cNvPr>
+          <p:cNvSpPr txBox="1"/>
+          <p:nvPr/>
+        </p:nvSpPr>
+        <p:spPr>
+          <a:xfrm>
+            <a:off x="7208874" y="2526662"/>
+            <a:ext cx="1318437" cy="369332"/>
+          </a:xfrm>
+          <a:prstGeom prst="rect">
+            <a:avLst/>
+          </a:prstGeom>
+          <a:noFill/>
+        </p:spPr>
+        <p:txBody>
+          <a:bodyPr wrap="square" rtlCol="0" anchor="ctr">
+            <a:spAutoFit/>
+          </a:bodyPr>
+          <a:lstStyle/>
+          <a:p>
+            <a:r>
+              <a:rPr lang="fr-FR" dirty="0"/>
+              <a:t>Arête</a:t>
+            </a:r>
+          </a:p>
+        </p:txBody>
+      </p:sp>
+      <p:sp>
+        <p:nvSpPr>
+          <p:cNvPr id="45" name="ZoneTexte 44">
+            <a:extLst>
+              <a:ext uri="{FF2B5EF4-FFF2-40B4-BE49-F238E27FC236}">
+                <a16:creationId xmlns:a16="http://schemas.microsoft.com/office/drawing/2014/main" id="{01C5EF54-E211-48C1-A92B-566F667A85CA}"/>
+              </a:ext>
+            </a:extLst>
+          </p:cNvPr>
+          <p:cNvSpPr txBox="1"/>
+          <p:nvPr/>
+        </p:nvSpPr>
+        <p:spPr>
+          <a:xfrm>
+            <a:off x="5219009" y="2896208"/>
+            <a:ext cx="425302" cy="369298"/>
+          </a:xfrm>
+          <a:prstGeom prst="rect">
+            <a:avLst/>
+          </a:prstGeom>
+          <a:noFill/>
+        </p:spPr>
+        <p:txBody>
+          <a:bodyPr wrap="square" rtlCol="0" anchor="ctr">
+            <a:spAutoFit/>
+          </a:bodyPr>
+          <a:lstStyle/>
+          <a:p>
+            <a:pPr algn="ctr"/>
+            <a:r>
+              <a:rPr lang="fr-FR" b="1" dirty="0"/>
+              <a:t>A</a:t>
+            </a:r>
+            <a:r>
+              <a:rPr lang="fr-FR" b="1" baseline="-25000" dirty="0"/>
+              <a:t>1</a:t>
+            </a:r>
+          </a:p>
+        </p:txBody>
+      </p:sp>
+      <p:sp>
+        <p:nvSpPr>
+          <p:cNvPr id="46" name="ZoneTexte 45">
+            <a:extLst>
+              <a:ext uri="{FF2B5EF4-FFF2-40B4-BE49-F238E27FC236}">
+                <a16:creationId xmlns:a16="http://schemas.microsoft.com/office/drawing/2014/main" id="{E01E72EA-71E1-4ADD-A080-292E77E7D98C}"/>
+              </a:ext>
+            </a:extLst>
+          </p:cNvPr>
+          <p:cNvSpPr txBox="1"/>
+          <p:nvPr/>
+        </p:nvSpPr>
+        <p:spPr>
+          <a:xfrm>
+            <a:off x="5755762" y="2487658"/>
+            <a:ext cx="425302" cy="369332"/>
+          </a:xfrm>
+          <a:prstGeom prst="rect">
+            <a:avLst/>
+          </a:prstGeom>
+          <a:noFill/>
+        </p:spPr>
+        <p:txBody>
+          <a:bodyPr wrap="square" rtlCol="0" anchor="ctr">
+            <a:spAutoFit/>
+          </a:bodyPr>
+          <a:lstStyle/>
+          <a:p>
+            <a:pPr algn="ctr"/>
+            <a:r>
+              <a:rPr lang="fr-FR" b="1" dirty="0"/>
+              <a:t>A</a:t>
+            </a:r>
+            <a:r>
+              <a:rPr lang="fr-FR" b="1" baseline="-25000" dirty="0"/>
+              <a:t>2</a:t>
+            </a:r>
+          </a:p>
+        </p:txBody>
+      </p:sp>
+      <p:sp>
+        <p:nvSpPr>
+          <p:cNvPr id="47" name="ZoneTexte 46">
+            <a:extLst>
+              <a:ext uri="{FF2B5EF4-FFF2-40B4-BE49-F238E27FC236}">
+                <a16:creationId xmlns:a16="http://schemas.microsoft.com/office/drawing/2014/main" id="{CA5DCCA3-EE20-44C0-8ABE-8CF6C0B1A567}"/>
+              </a:ext>
+            </a:extLst>
+          </p:cNvPr>
+          <p:cNvSpPr txBox="1"/>
+          <p:nvPr/>
+        </p:nvSpPr>
+        <p:spPr>
+          <a:xfrm>
+            <a:off x="5751748" y="1750650"/>
+            <a:ext cx="425302" cy="369332"/>
+          </a:xfrm>
+          <a:prstGeom prst="rect">
+            <a:avLst/>
+          </a:prstGeom>
+          <a:noFill/>
+        </p:spPr>
+        <p:txBody>
+          <a:bodyPr wrap="square" rtlCol="0" anchor="ctr">
+            <a:spAutoFit/>
+          </a:bodyPr>
+          <a:lstStyle/>
+          <a:p>
+            <a:pPr algn="ctr"/>
+            <a:r>
+              <a:rPr lang="fr-FR" b="1" dirty="0"/>
+              <a:t>A</a:t>
+            </a:r>
+            <a:r>
+              <a:rPr lang="fr-FR" b="1" baseline="-25000" dirty="0"/>
+              <a:t>3</a:t>
+            </a:r>
+          </a:p>
+        </p:txBody>
+      </p:sp>
+      <p:sp>
+        <p:nvSpPr>
+          <p:cNvPr id="48" name="ZoneTexte 47">
+            <a:extLst>
+              <a:ext uri="{FF2B5EF4-FFF2-40B4-BE49-F238E27FC236}">
+                <a16:creationId xmlns:a16="http://schemas.microsoft.com/office/drawing/2014/main" id="{3EEFD66A-6E9B-41E3-821A-002CEA81C5ED}"/>
+              </a:ext>
+            </a:extLst>
+          </p:cNvPr>
+          <p:cNvSpPr txBox="1"/>
+          <p:nvPr/>
+        </p:nvSpPr>
+        <p:spPr>
+          <a:xfrm>
+            <a:off x="5219009" y="2424287"/>
+            <a:ext cx="425302" cy="369332"/>
+          </a:xfrm>
+          <a:prstGeom prst="rect">
+            <a:avLst/>
+          </a:prstGeom>
+          <a:noFill/>
+        </p:spPr>
+        <p:txBody>
+          <a:bodyPr wrap="square" rtlCol="0" anchor="ctr">
+            <a:spAutoFit/>
+          </a:bodyPr>
+          <a:lstStyle/>
+          <a:p>
+            <a:pPr algn="ctr"/>
+            <a:r>
+              <a:rPr lang="fr-FR" b="1" dirty="0"/>
+              <a:t>A</a:t>
+            </a:r>
+            <a:r>
+              <a:rPr lang="fr-FR" b="1" baseline="-25000" dirty="0"/>
               <a:t>5</a:t>
             </a:r>
           </a:p>
@@ -11932,72 +13853,120 @@
       </p:sp>
       <p:sp>
         <p:nvSpPr>
-          <p:cNvPr id="11" name="Ellipse 10">
-            <a:extLst>
-              <a:ext uri="{FF2B5EF4-FFF2-40B4-BE49-F238E27FC236}">
-                <a16:creationId xmlns:a16="http://schemas.microsoft.com/office/drawing/2014/main" id="{6130B943-B8A7-4D41-B64C-1784C69F2891}"/>
-              </a:ext>
-            </a:extLst>
-          </p:cNvPr>
-          <p:cNvSpPr/>
-          <p:nvPr/>
-        </p:nvSpPr>
-        <p:spPr>
-          <a:xfrm>
-            <a:off x="5581379" y="3216348"/>
-            <a:ext cx="425302" cy="425302"/>
-          </a:xfrm>
-          <a:prstGeom prst="ellipse">
-            <a:avLst/>
-          </a:prstGeom>
-          <a:solidFill>
-            <a:schemeClr val="accent1">
-              <a:lumMod val="20000"/>
-              <a:lumOff val="80000"/>
-            </a:schemeClr>
-          </a:solidFill>
-          <a:ln w="28575">
-            <a:solidFill>
-              <a:srgbClr val="002060"/>
-            </a:solidFill>
-          </a:ln>
-        </p:spPr>
-        <p:style>
-          <a:lnRef idx="2">
-            <a:schemeClr val="accent1">
-              <a:shade val="50000"/>
-            </a:schemeClr>
-          </a:lnRef>
-          <a:fillRef idx="1">
-            <a:schemeClr val="accent1"/>
-          </a:fillRef>
-          <a:effectRef idx="0">
-            <a:schemeClr val="accent1"/>
-          </a:effectRef>
-          <a:fontRef idx="minor">
-            <a:schemeClr val="lt1"/>
-          </a:fontRef>
-        </p:style>
-        <p:txBody>
-          <a:bodyPr lIns="0" tIns="0" rIns="0" bIns="0" rtlCol="0" anchor="ctr"/>
+          <p:cNvPr id="49" name="ZoneTexte 48">
+            <a:extLst>
+              <a:ext uri="{FF2B5EF4-FFF2-40B4-BE49-F238E27FC236}">
+                <a16:creationId xmlns:a16="http://schemas.microsoft.com/office/drawing/2014/main" id="{394ABA33-80FA-41D2-B907-E2F7B2588791}"/>
+              </a:ext>
+            </a:extLst>
+          </p:cNvPr>
+          <p:cNvSpPr txBox="1"/>
+          <p:nvPr/>
+        </p:nvSpPr>
+        <p:spPr>
+          <a:xfrm>
+            <a:off x="5219009" y="1950275"/>
+            <a:ext cx="425302" cy="369332"/>
+          </a:xfrm>
+          <a:prstGeom prst="rect">
+            <a:avLst/>
+          </a:prstGeom>
+          <a:noFill/>
+        </p:spPr>
+        <p:txBody>
+          <a:bodyPr wrap="square" rtlCol="0" anchor="ctr">
+            <a:spAutoFit/>
+          </a:bodyPr>
           <a:lstStyle/>
           <a:p>
             <a:pPr algn="ctr"/>
             <a:r>
-              <a:rPr lang="fr-FR" b="1" dirty="0">
-                <a:solidFill>
-                  <a:schemeClr val="tx1"/>
-                </a:solidFill>
-              </a:rPr>
-              <a:t>S</a:t>
-            </a:r>
-            <a:r>
-              <a:rPr lang="fr-FR" b="1" baseline="-25000" dirty="0">
-                <a:solidFill>
-                  <a:schemeClr val="tx1"/>
-                </a:solidFill>
-              </a:rPr>
+              <a:rPr lang="fr-FR" b="1" dirty="0"/>
+              <a:t>A</a:t>
+            </a:r>
+            <a:r>
+              <a:rPr lang="fr-FR" b="1" baseline="-25000" dirty="0"/>
+              <a:t>4</a:t>
+            </a:r>
+          </a:p>
+        </p:txBody>
+      </p:sp>
+      <p:sp>
+        <p:nvSpPr>
+          <p:cNvPr id="50" name="ZoneTexte 49">
+            <a:extLst>
+              <a:ext uri="{FF2B5EF4-FFF2-40B4-BE49-F238E27FC236}">
+                <a16:creationId xmlns:a16="http://schemas.microsoft.com/office/drawing/2014/main" id="{793D7C54-E14F-4F3A-B446-89B96F8F1F6E}"/>
+              </a:ext>
+            </a:extLst>
+          </p:cNvPr>
+          <p:cNvSpPr txBox="1"/>
+          <p:nvPr/>
+        </p:nvSpPr>
+        <p:spPr>
+          <a:xfrm>
+            <a:off x="4862624" y="3445752"/>
+            <a:ext cx="425302" cy="369332"/>
+          </a:xfrm>
+          <a:prstGeom prst="rect">
+            <a:avLst/>
+          </a:prstGeom>
+          <a:noFill/>
+        </p:spPr>
+        <p:txBody>
+          <a:bodyPr wrap="square" rtlCol="0" anchor="ctr">
+            <a:spAutoFit/>
+          </a:bodyPr>
+          <a:lstStyle/>
+          <a:p>
+            <a:pPr algn="ctr"/>
+            <a:r>
+              <a:rPr lang="fr-FR" b="1" dirty="0"/>
+              <a:t>A</a:t>
+            </a:r>
+            <a:r>
+              <a:rPr lang="fr-FR" b="1" baseline="-25000" dirty="0"/>
               <a:t>6</a:t>
+            </a:r>
+          </a:p>
+        </p:txBody>
+      </p:sp>
+      <p:sp>
+        <p:nvSpPr>
+          <p:cNvPr id="51" name="ZoneTexte 50">
+            <a:extLst>
+              <a:ext uri="{FF2B5EF4-FFF2-40B4-BE49-F238E27FC236}">
+                <a16:creationId xmlns:a16="http://schemas.microsoft.com/office/drawing/2014/main" id="{8E6B923C-EB05-474C-BB58-15FD7E70FC44}"/>
+              </a:ext>
+            </a:extLst>
+          </p:cNvPr>
+          <p:cNvSpPr txBox="1"/>
+          <p:nvPr/>
+        </p:nvSpPr>
+        <p:spPr>
+          <a:xfrm>
+            <a:off x="4217586" y="2402687"/>
+            <a:ext cx="425302" cy="369332"/>
+          </a:xfrm>
+          <a:prstGeom prst="rect">
+            <a:avLst/>
+          </a:prstGeom>
+          <a:noFill/>
+        </p:spPr>
+        <p:txBody>
+          <a:bodyPr wrap="square" rtlCol="0" anchor="ctr">
+            <a:spAutoFit/>
+          </a:bodyPr>
+          <a:lstStyle/>
+          <a:p>
+            <a:pPr algn="ctr"/>
+            <a:r>
+              <a:rPr lang="fr-FR" b="1" dirty="0"/>
+              <a:t>A</a:t>
+            </a:r>
+            <a:r>
+              <a:rPr lang="fr-FR" b="1" baseline="-25000" dirty="0"/>
+              <a:t>7</a:t>
             </a:r>
           </a:p>
         </p:txBody>
@@ -12005,7 +13974,7 @@
     </p:spTree>
     <p:extLst>
       <p:ext uri="{BB962C8B-B14F-4D97-AF65-F5344CB8AC3E}">
-        <p14:creationId xmlns:p14="http://schemas.microsoft.com/office/powerpoint/2010/main" val="1528422737"/>
+        <p14:creationId xmlns:p14="http://schemas.microsoft.com/office/powerpoint/2010/main" val="2508788649"/>
       </p:ext>
     </p:extLst>
   </p:cSld>
@@ -12034,139 +14003,148 @@
       </p:grpSpPr>
       <p:cxnSp>
         <p:nvCxnSpPr>
-          <p:cNvPr id="31" name="Connecteur droit 30">
-            <a:extLst>
-              <a:ext uri="{FF2B5EF4-FFF2-40B4-BE49-F238E27FC236}">
-                <a16:creationId xmlns:a16="http://schemas.microsoft.com/office/drawing/2014/main" id="{4212F35A-FBD3-4C71-AF4F-B4DA4D909276}"/>
+          <p:cNvPr id="14" name="Connecteur droit 13">
+            <a:extLst>
+              <a:ext uri="{FF2B5EF4-FFF2-40B4-BE49-F238E27FC236}">
+                <a16:creationId xmlns:a16="http://schemas.microsoft.com/office/drawing/2014/main" id="{D2EA3D61-C54A-4A46-90FA-EFAFB7A6A011}"/>
               </a:ext>
             </a:extLst>
           </p:cNvPr>
           <p:cNvCxnSpPr>
             <a:cxnSpLocks/>
-            <a:endCxn id="11" idx="5"/>
           </p:cNvCxnSpPr>
           <p:nvPr/>
         </p:nvCxnSpPr>
         <p:spPr>
-          <a:xfrm flipH="1" flipV="1">
-            <a:off x="5944397" y="3579366"/>
-            <a:ext cx="554374" cy="905548"/>
+          <a:xfrm>
+            <a:off x="5034707" y="2356756"/>
+            <a:ext cx="759323" cy="1072244"/>
           </a:xfrm>
           <a:prstGeom prst="line">
             <a:avLst/>
           </a:prstGeom>
-          <a:ln w="28575">
+          <a:noFill/>
+          <a:ln w="19050">
             <a:solidFill>
               <a:srgbClr val="C00000"/>
             </a:solidFill>
-            <a:tailEnd type="stealth" w="med" len="lg"/>
-          </a:ln>
-        </p:spPr>
-        <p:style>
-          <a:lnRef idx="1">
-            <a:schemeClr val="accent1"/>
-          </a:lnRef>
-          <a:fillRef idx="0">
-            <a:schemeClr val="accent1"/>
-          </a:fillRef>
-          <a:effectRef idx="0">
-            <a:schemeClr val="accent1"/>
-          </a:effectRef>
-          <a:fontRef idx="minor">
-            <a:schemeClr val="tx1"/>
+          </a:ln>
+        </p:spPr>
+        <p:style>
+          <a:lnRef idx="2">
+            <a:schemeClr val="accent1">
+              <a:shade val="50000"/>
+            </a:schemeClr>
+          </a:lnRef>
+          <a:fillRef idx="1">
+            <a:schemeClr val="accent1"/>
+          </a:fillRef>
+          <a:effectRef idx="0">
+            <a:schemeClr val="accent1"/>
+          </a:effectRef>
+          <a:fontRef idx="minor">
+            <a:schemeClr val="lt1"/>
           </a:fontRef>
         </p:style>
       </p:cxnSp>
       <p:cxnSp>
         <p:nvCxnSpPr>
-          <p:cNvPr id="23" name="Connecteur droit 22">
-            <a:extLst>
-              <a:ext uri="{FF2B5EF4-FFF2-40B4-BE49-F238E27FC236}">
-                <a16:creationId xmlns:a16="http://schemas.microsoft.com/office/drawing/2014/main" id="{E3AB8D16-893E-4CAA-8203-0DAA0C3B35B1}"/>
+          <p:cNvPr id="16" name="Connecteur droit 15">
+            <a:extLst>
+              <a:ext uri="{FF2B5EF4-FFF2-40B4-BE49-F238E27FC236}">
+                <a16:creationId xmlns:a16="http://schemas.microsoft.com/office/drawing/2014/main" id="{CD3E2D7A-6B1C-4F19-820B-B9B81D2D1BE6}"/>
               </a:ext>
             </a:extLst>
           </p:cNvPr>
           <p:cNvCxnSpPr>
             <a:cxnSpLocks/>
-            <a:endCxn id="10" idx="4"/>
           </p:cNvCxnSpPr>
           <p:nvPr/>
         </p:nvCxnSpPr>
         <p:spPr>
-          <a:xfrm flipH="1" flipV="1">
-            <a:off x="4642130" y="3641651"/>
-            <a:ext cx="452384" cy="843263"/>
+          <a:xfrm flipV="1">
+            <a:off x="5794030" y="2356755"/>
+            <a:ext cx="721201" cy="1102369"/>
           </a:xfrm>
           <a:prstGeom prst="line">
             <a:avLst/>
           </a:prstGeom>
-          <a:ln w="28575">
+          <a:noFill/>
+          <a:ln w="19050">
             <a:solidFill>
               <a:srgbClr val="C00000"/>
             </a:solidFill>
-            <a:tailEnd type="stealth" w="med" len="lg"/>
-          </a:ln>
-        </p:spPr>
-        <p:style>
-          <a:lnRef idx="1">
-            <a:schemeClr val="accent1"/>
-          </a:lnRef>
-          <a:fillRef idx="0">
-            <a:schemeClr val="accent1"/>
-          </a:fillRef>
-          <a:effectRef idx="0">
-            <a:schemeClr val="accent1"/>
-          </a:effectRef>
-          <a:fontRef idx="minor">
-            <a:schemeClr val="tx1"/>
+          </a:ln>
+        </p:spPr>
+        <p:style>
+          <a:lnRef idx="2">
+            <a:schemeClr val="accent1">
+              <a:shade val="50000"/>
+            </a:schemeClr>
+          </a:lnRef>
+          <a:fillRef idx="1">
+            <a:schemeClr val="accent1"/>
+          </a:fillRef>
+          <a:effectRef idx="0">
+            <a:schemeClr val="accent1"/>
+          </a:effectRef>
+          <a:fontRef idx="minor">
+            <a:schemeClr val="lt1"/>
           </a:fontRef>
         </p:style>
       </p:cxnSp>
-      <p:cxnSp>
-        <p:nvCxnSpPr>
-          <p:cNvPr id="19" name="Connecteur droit 18">
-            <a:extLst>
-              <a:ext uri="{FF2B5EF4-FFF2-40B4-BE49-F238E27FC236}">
-                <a16:creationId xmlns:a16="http://schemas.microsoft.com/office/drawing/2014/main" id="{D115F4B9-1581-4004-82BE-1A1EAE7789B9}"/>
-              </a:ext>
-            </a:extLst>
-          </p:cNvPr>
-          <p:cNvCxnSpPr>
-            <a:cxnSpLocks/>
-            <a:endCxn id="10" idx="0"/>
-          </p:cNvCxnSpPr>
-          <p:nvPr/>
-        </p:nvCxnSpPr>
-        <p:spPr>
-          <a:xfrm flipH="1">
-            <a:off x="4642130" y="2356757"/>
-            <a:ext cx="452384" cy="859592"/>
-          </a:xfrm>
-          <a:prstGeom prst="line">
-            <a:avLst/>
-          </a:prstGeom>
-          <a:ln w="28575">
+      <p:sp>
+        <p:nvSpPr>
+          <p:cNvPr id="4" name="Hexagone 3">
+            <a:extLst>
+              <a:ext uri="{FF2B5EF4-FFF2-40B4-BE49-F238E27FC236}">
+                <a16:creationId xmlns:a16="http://schemas.microsoft.com/office/drawing/2014/main" id="{65F513C0-3A6C-4EAB-BA68-28E3FC674B0F}"/>
+              </a:ext>
+            </a:extLst>
+          </p:cNvPr>
+          <p:cNvSpPr/>
+          <p:nvPr/>
+        </p:nvSpPr>
+        <p:spPr>
+          <a:xfrm>
+            <a:off x="4550229" y="2356757"/>
+            <a:ext cx="2487603" cy="2144485"/>
+          </a:xfrm>
+          <a:prstGeom prst="hexagon">
+            <a:avLst/>
+          </a:prstGeom>
+          <a:noFill/>
+          <a:ln w="19050">
             <a:solidFill>
               <a:srgbClr val="C00000"/>
             </a:solidFill>
-            <a:tailEnd type="stealth" w="med" len="lg"/>
-          </a:ln>
-        </p:spPr>
-        <p:style>
-          <a:lnRef idx="1">
-            <a:schemeClr val="accent1"/>
-          </a:lnRef>
-          <a:fillRef idx="0">
-            <a:schemeClr val="accent1"/>
-          </a:fillRef>
-          <a:effectRef idx="0">
-            <a:schemeClr val="accent1"/>
-          </a:effectRef>
-          <a:fontRef idx="minor">
-            <a:schemeClr val="tx1"/>
-          </a:fontRef>
-        </p:style>
-      </p:cxnSp>
+          </a:ln>
+        </p:spPr>
+        <p:style>
+          <a:lnRef idx="2">
+            <a:schemeClr val="accent1">
+              <a:shade val="50000"/>
+            </a:schemeClr>
+          </a:lnRef>
+          <a:fillRef idx="1">
+            <a:schemeClr val="accent1"/>
+          </a:fillRef>
+          <a:effectRef idx="0">
+            <a:schemeClr val="accent1"/>
+          </a:effectRef>
+          <a:fontRef idx="minor">
+            <a:schemeClr val="lt1"/>
+          </a:fontRef>
+        </p:style>
+        <p:txBody>
+          <a:bodyPr rtlCol="0" anchor="ctr"/>
+          <a:lstStyle/>
+          <a:p>
+            <a:pPr algn="ctr"/>
+            <a:endParaRPr lang="fr-FR"/>
+          </a:p>
+        </p:txBody>
+      </p:sp>
       <p:sp>
         <p:nvSpPr>
           <p:cNvPr id="5" name="Ellipse 4">
@@ -12599,234 +14577,6 @@
           </a:p>
         </p:txBody>
       </p:sp>
-      <p:cxnSp>
-        <p:nvCxnSpPr>
-          <p:cNvPr id="12" name="Connecteur droit 11">
-            <a:extLst>
-              <a:ext uri="{FF2B5EF4-FFF2-40B4-BE49-F238E27FC236}">
-                <a16:creationId xmlns:a16="http://schemas.microsoft.com/office/drawing/2014/main" id="{E1AB89E3-AA9E-462B-987A-B3599A0B1878}"/>
-              </a:ext>
-            </a:extLst>
-          </p:cNvPr>
-          <p:cNvCxnSpPr>
-            <a:cxnSpLocks/>
-            <a:stCxn id="5" idx="6"/>
-            <a:endCxn id="6" idx="2"/>
-          </p:cNvCxnSpPr>
-          <p:nvPr/>
-        </p:nvCxnSpPr>
-        <p:spPr>
-          <a:xfrm>
-            <a:off x="5290968" y="2356757"/>
-            <a:ext cx="1011612" cy="0"/>
-          </a:xfrm>
-          <a:prstGeom prst="line">
-            <a:avLst/>
-          </a:prstGeom>
-          <a:ln w="28575">
-            <a:solidFill>
-              <a:srgbClr val="C00000"/>
-            </a:solidFill>
-            <a:tailEnd type="stealth" w="med" len="lg"/>
-          </a:ln>
-        </p:spPr>
-        <p:style>
-          <a:lnRef idx="1">
-            <a:schemeClr val="accent1"/>
-          </a:lnRef>
-          <a:fillRef idx="0">
-            <a:schemeClr val="accent1"/>
-          </a:fillRef>
-          <a:effectRef idx="0">
-            <a:schemeClr val="accent1"/>
-          </a:effectRef>
-          <a:fontRef idx="minor">
-            <a:schemeClr val="tx1"/>
-          </a:fontRef>
-        </p:style>
-      </p:cxnSp>
-      <p:cxnSp>
-        <p:nvCxnSpPr>
-          <p:cNvPr id="15" name="Connecteur droit 14">
-            <a:extLst>
-              <a:ext uri="{FF2B5EF4-FFF2-40B4-BE49-F238E27FC236}">
-                <a16:creationId xmlns:a16="http://schemas.microsoft.com/office/drawing/2014/main" id="{53301B0C-5DCB-4B6F-80A3-0112150EE4F9}"/>
-              </a:ext>
-            </a:extLst>
-          </p:cNvPr>
-          <p:cNvCxnSpPr>
-            <a:cxnSpLocks/>
-            <a:stCxn id="5" idx="4"/>
-            <a:endCxn id="11" idx="2"/>
-          </p:cNvCxnSpPr>
-          <p:nvPr/>
-        </p:nvCxnSpPr>
-        <p:spPr>
-          <a:xfrm>
-            <a:off x="5078317" y="2569408"/>
-            <a:ext cx="503062" cy="859591"/>
-          </a:xfrm>
-          <a:prstGeom prst="line">
-            <a:avLst/>
-          </a:prstGeom>
-          <a:ln w="28575">
-            <a:solidFill>
-              <a:srgbClr val="C00000"/>
-            </a:solidFill>
-            <a:tailEnd type="stealth" w="med" len="lg"/>
-          </a:ln>
-        </p:spPr>
-        <p:style>
-          <a:lnRef idx="1">
-            <a:schemeClr val="accent1"/>
-          </a:lnRef>
-          <a:fillRef idx="0">
-            <a:schemeClr val="accent1"/>
-          </a:fillRef>
-          <a:effectRef idx="0">
-            <a:schemeClr val="accent1"/>
-          </a:effectRef>
-          <a:fontRef idx="minor">
-            <a:schemeClr val="tx1"/>
-          </a:fontRef>
-        </p:style>
-      </p:cxnSp>
-      <p:cxnSp>
-        <p:nvCxnSpPr>
-          <p:cNvPr id="28" name="Connecteur droit 27">
-            <a:extLst>
-              <a:ext uri="{FF2B5EF4-FFF2-40B4-BE49-F238E27FC236}">
-                <a16:creationId xmlns:a16="http://schemas.microsoft.com/office/drawing/2014/main" id="{57453609-4490-413B-93B2-A3493254CF12}"/>
-              </a:ext>
-            </a:extLst>
-          </p:cNvPr>
-          <p:cNvCxnSpPr>
-            <a:cxnSpLocks/>
-            <a:stCxn id="9" idx="6"/>
-            <a:endCxn id="8" idx="2"/>
-          </p:cNvCxnSpPr>
-          <p:nvPr/>
-        </p:nvCxnSpPr>
-        <p:spPr>
-          <a:xfrm>
-            <a:off x="5290968" y="4501242"/>
-            <a:ext cx="1011612" cy="2"/>
-          </a:xfrm>
-          <a:prstGeom prst="line">
-            <a:avLst/>
-          </a:prstGeom>
-          <a:ln w="28575">
-            <a:solidFill>
-              <a:srgbClr val="C00000"/>
-            </a:solidFill>
-            <a:tailEnd type="stealth" w="med" len="lg"/>
-          </a:ln>
-        </p:spPr>
-        <p:style>
-          <a:lnRef idx="1">
-            <a:schemeClr val="accent1"/>
-          </a:lnRef>
-          <a:fillRef idx="0">
-            <a:schemeClr val="accent1"/>
-          </a:fillRef>
-          <a:effectRef idx="0">
-            <a:schemeClr val="accent1"/>
-          </a:effectRef>
-          <a:fontRef idx="minor">
-            <a:schemeClr val="tx1"/>
-          </a:fontRef>
-        </p:style>
-      </p:cxnSp>
-      <p:cxnSp>
-        <p:nvCxnSpPr>
-          <p:cNvPr id="35" name="Connecteur droit 34">
-            <a:extLst>
-              <a:ext uri="{FF2B5EF4-FFF2-40B4-BE49-F238E27FC236}">
-                <a16:creationId xmlns:a16="http://schemas.microsoft.com/office/drawing/2014/main" id="{5890C366-C7B4-4569-B592-A59915A46D85}"/>
-              </a:ext>
-            </a:extLst>
-          </p:cNvPr>
-          <p:cNvCxnSpPr>
-            <a:cxnSpLocks/>
-            <a:stCxn id="7" idx="0"/>
-          </p:cNvCxnSpPr>
-          <p:nvPr/>
-        </p:nvCxnSpPr>
-        <p:spPr>
-          <a:xfrm flipH="1" flipV="1">
-            <a:off x="6622566" y="2523452"/>
-            <a:ext cx="415266" cy="692897"/>
-          </a:xfrm>
-          <a:prstGeom prst="line">
-            <a:avLst/>
-          </a:prstGeom>
-          <a:ln w="28575">
-            <a:solidFill>
-              <a:srgbClr val="C00000"/>
-            </a:solidFill>
-            <a:tailEnd type="stealth" w="med" len="lg"/>
-          </a:ln>
-        </p:spPr>
-        <p:style>
-          <a:lnRef idx="1">
-            <a:schemeClr val="accent1"/>
-          </a:lnRef>
-          <a:fillRef idx="0">
-            <a:schemeClr val="accent1"/>
-          </a:fillRef>
-          <a:effectRef idx="0">
-            <a:schemeClr val="accent1"/>
-          </a:effectRef>
-          <a:fontRef idx="minor">
-            <a:schemeClr val="tx1"/>
-          </a:fontRef>
-        </p:style>
-      </p:cxnSp>
-      <p:cxnSp>
-        <p:nvCxnSpPr>
-          <p:cNvPr id="37" name="Connecteur droit 36">
-            <a:extLst>
-              <a:ext uri="{FF2B5EF4-FFF2-40B4-BE49-F238E27FC236}">
-                <a16:creationId xmlns:a16="http://schemas.microsoft.com/office/drawing/2014/main" id="{0A3494F4-668B-40B2-B2F8-8D3285DDF7ED}"/>
-              </a:ext>
-            </a:extLst>
-          </p:cNvPr>
-          <p:cNvCxnSpPr>
-            <a:cxnSpLocks/>
-            <a:endCxn id="5" idx="5"/>
-          </p:cNvCxnSpPr>
-          <p:nvPr/>
-        </p:nvCxnSpPr>
-        <p:spPr>
-          <a:xfrm flipH="1" flipV="1">
-            <a:off x="5228684" y="2507124"/>
-            <a:ext cx="549149" cy="921876"/>
-          </a:xfrm>
-          <a:prstGeom prst="line">
-            <a:avLst/>
-          </a:prstGeom>
-          <a:ln w="28575">
-            <a:solidFill>
-              <a:srgbClr val="C00000"/>
-            </a:solidFill>
-            <a:tailEnd type="stealth" w="med" len="lg"/>
-          </a:ln>
-        </p:spPr>
-        <p:style>
-          <a:lnRef idx="1">
-            <a:schemeClr val="accent1"/>
-          </a:lnRef>
-          <a:fillRef idx="0">
-            <a:schemeClr val="accent1"/>
-          </a:fillRef>
-          <a:effectRef idx="0">
-            <a:schemeClr val="accent1"/>
-          </a:effectRef>
-          <a:fontRef idx="minor">
-            <a:schemeClr val="tx1"/>
-          </a:fontRef>
-        </p:style>
-      </p:cxnSp>
       <p:sp>
         <p:nvSpPr>
           <p:cNvPr id="11" name="Ellipse 10">
@@ -12899,56 +14649,10 @@
           </a:p>
         </p:txBody>
       </p:sp>
-      <p:cxnSp>
-        <p:nvCxnSpPr>
-          <p:cNvPr id="48" name="Connecteur droit 47">
-            <a:extLst>
-              <a:ext uri="{FF2B5EF4-FFF2-40B4-BE49-F238E27FC236}">
-                <a16:creationId xmlns:a16="http://schemas.microsoft.com/office/drawing/2014/main" id="{A0548D61-F4DF-488C-978F-D36C5D840BF9}"/>
-              </a:ext>
-            </a:extLst>
-          </p:cNvPr>
-          <p:cNvCxnSpPr>
-            <a:cxnSpLocks/>
-            <a:stCxn id="11" idx="7"/>
-            <a:endCxn id="6" idx="3"/>
-          </p:cNvCxnSpPr>
-          <p:nvPr/>
-        </p:nvCxnSpPr>
-        <p:spPr>
-          <a:xfrm flipV="1">
-            <a:off x="5944397" y="2507124"/>
-            <a:ext cx="420467" cy="771508"/>
-          </a:xfrm>
-          <a:prstGeom prst="line">
-            <a:avLst/>
-          </a:prstGeom>
-          <a:ln w="28575">
-            <a:solidFill>
-              <a:srgbClr val="C00000"/>
-            </a:solidFill>
-            <a:tailEnd type="stealth" w="med" len="lg"/>
-          </a:ln>
-        </p:spPr>
-        <p:style>
-          <a:lnRef idx="1">
-            <a:schemeClr val="accent1"/>
-          </a:lnRef>
-          <a:fillRef idx="0">
-            <a:schemeClr val="accent1"/>
-          </a:fillRef>
-          <a:effectRef idx="0">
-            <a:schemeClr val="accent1"/>
-          </a:effectRef>
-          <a:fontRef idx="minor">
-            <a:schemeClr val="tx1"/>
-          </a:fontRef>
-        </p:style>
-      </p:cxnSp>
     </p:spTree>
     <p:extLst>
       <p:ext uri="{BB962C8B-B14F-4D97-AF65-F5344CB8AC3E}">
-        <p14:creationId xmlns:p14="http://schemas.microsoft.com/office/powerpoint/2010/main" val="195434932"/>
+        <p14:creationId xmlns:p14="http://schemas.microsoft.com/office/powerpoint/2010/main" val="1528422737"/>
       </p:ext>
     </p:extLst>
   </p:cSld>
@@ -12977,24 +14681,68 @@
       </p:grpSpPr>
       <p:cxnSp>
         <p:nvCxnSpPr>
-          <p:cNvPr id="11" name="Connecteur droit 10">
-            <a:extLst>
-              <a:ext uri="{FF2B5EF4-FFF2-40B4-BE49-F238E27FC236}">
-                <a16:creationId xmlns:a16="http://schemas.microsoft.com/office/drawing/2014/main" id="{6131883A-8603-4E82-A8CC-816B8FC23C1B}"/>
+          <p:cNvPr id="31" name="Connecteur droit 30">
+            <a:extLst>
+              <a:ext uri="{FF2B5EF4-FFF2-40B4-BE49-F238E27FC236}">
+                <a16:creationId xmlns:a16="http://schemas.microsoft.com/office/drawing/2014/main" id="{4212F35A-FBD3-4C71-AF4F-B4DA4D909276}"/>
               </a:ext>
             </a:extLst>
           </p:cNvPr>
           <p:cNvCxnSpPr>
             <a:cxnSpLocks/>
-            <a:stCxn id="5" idx="0"/>
-            <a:endCxn id="16" idx="4"/>
+            <a:endCxn id="11" idx="5"/>
           </p:cNvCxnSpPr>
           <p:nvPr/>
         </p:nvCxnSpPr>
         <p:spPr>
-          <a:xfrm flipV="1">
-            <a:off x="4642888" y="2101712"/>
-            <a:ext cx="0" cy="1114637"/>
+          <a:xfrm flipH="1" flipV="1">
+            <a:off x="5944397" y="3579366"/>
+            <a:ext cx="554374" cy="905548"/>
+          </a:xfrm>
+          <a:prstGeom prst="line">
+            <a:avLst/>
+          </a:prstGeom>
+          <a:ln w="28575">
+            <a:solidFill>
+              <a:srgbClr val="C00000"/>
+            </a:solidFill>
+            <a:tailEnd type="stealth" w="med" len="lg"/>
+          </a:ln>
+        </p:spPr>
+        <p:style>
+          <a:lnRef idx="1">
+            <a:schemeClr val="accent1"/>
+          </a:lnRef>
+          <a:fillRef idx="0">
+            <a:schemeClr val="accent1"/>
+          </a:fillRef>
+          <a:effectRef idx="0">
+            <a:schemeClr val="accent1"/>
+          </a:effectRef>
+          <a:fontRef idx="minor">
+            <a:schemeClr val="tx1"/>
+          </a:fontRef>
+        </p:style>
+      </p:cxnSp>
+      <p:cxnSp>
+        <p:nvCxnSpPr>
+          <p:cNvPr id="23" name="Connecteur droit 22">
+            <a:extLst>
+              <a:ext uri="{FF2B5EF4-FFF2-40B4-BE49-F238E27FC236}">
+                <a16:creationId xmlns:a16="http://schemas.microsoft.com/office/drawing/2014/main" id="{E3AB8D16-893E-4CAA-8203-0DAA0C3B35B1}"/>
+              </a:ext>
+            </a:extLst>
+          </p:cNvPr>
+          <p:cNvCxnSpPr>
+            <a:cxnSpLocks/>
+            <a:endCxn id="10" idx="4"/>
+          </p:cNvCxnSpPr>
+          <p:nvPr/>
+        </p:nvCxnSpPr>
+        <p:spPr>
+          <a:xfrm flipH="1" flipV="1">
+            <a:off x="4642130" y="3641651"/>
+            <a:ext cx="452384" cy="843263"/>
           </a:xfrm>
           <a:prstGeom prst="line">
             <a:avLst/>
@@ -13026,20 +14774,20 @@
           <p:cNvPr id="19" name="Connecteur droit 18">
             <a:extLst>
               <a:ext uri="{FF2B5EF4-FFF2-40B4-BE49-F238E27FC236}">
-                <a16:creationId xmlns:a16="http://schemas.microsoft.com/office/drawing/2014/main" id="{39598334-531A-4461-B488-0AEDDDFCB2C3}"/>
+                <a16:creationId xmlns:a16="http://schemas.microsoft.com/office/drawing/2014/main" id="{D115F4B9-1581-4004-82BE-1A1EAE7789B9}"/>
               </a:ext>
             </a:extLst>
           </p:cNvPr>
           <p:cNvCxnSpPr>
             <a:cxnSpLocks/>
-            <a:stCxn id="14" idx="3"/>
+            <a:endCxn id="10" idx="0"/>
           </p:cNvCxnSpPr>
           <p:nvPr/>
         </p:nvCxnSpPr>
         <p:spPr>
           <a:xfrm flipH="1">
-            <a:off x="4750724" y="1708052"/>
-            <a:ext cx="1194909" cy="1508297"/>
+            <a:off x="4642130" y="2356757"/>
+            <a:ext cx="452384" cy="859592"/>
           </a:xfrm>
           <a:prstGeom prst="line">
             <a:avLst/>
@@ -13066,240 +14814,12 @@
           </a:fontRef>
         </p:style>
       </p:cxnSp>
-      <p:cxnSp>
-        <p:nvCxnSpPr>
-          <p:cNvPr id="22" name="Connecteur droit 21">
-            <a:extLst>
-              <a:ext uri="{FF2B5EF4-FFF2-40B4-BE49-F238E27FC236}">
-                <a16:creationId xmlns:a16="http://schemas.microsoft.com/office/drawing/2014/main" id="{14562189-3E72-4CDF-89B4-4071B884E3FF}"/>
-              </a:ext>
-            </a:extLst>
-          </p:cNvPr>
-          <p:cNvCxnSpPr>
-            <a:cxnSpLocks/>
-            <a:endCxn id="13" idx="3"/>
-          </p:cNvCxnSpPr>
-          <p:nvPr/>
-        </p:nvCxnSpPr>
-        <p:spPr>
-          <a:xfrm flipV="1">
-            <a:off x="4642888" y="2464730"/>
-            <a:ext cx="1302745" cy="964272"/>
-          </a:xfrm>
-          <a:prstGeom prst="line">
-            <a:avLst/>
-          </a:prstGeom>
-          <a:ln w="28575">
-            <a:solidFill>
-              <a:srgbClr val="C00000"/>
-            </a:solidFill>
-            <a:tailEnd type="stealth" w="med" len="lg"/>
-          </a:ln>
-        </p:spPr>
-        <p:style>
-          <a:lnRef idx="1">
-            <a:schemeClr val="accent1"/>
-          </a:lnRef>
-          <a:fillRef idx="0">
-            <a:schemeClr val="accent1"/>
-          </a:fillRef>
-          <a:effectRef idx="0">
-            <a:schemeClr val="accent1"/>
-          </a:effectRef>
-          <a:fontRef idx="minor">
-            <a:schemeClr val="tx1"/>
-          </a:fontRef>
-        </p:style>
-      </p:cxnSp>
-      <p:cxnSp>
-        <p:nvCxnSpPr>
-          <p:cNvPr id="25" name="Connecteur droit 24">
-            <a:extLst>
-              <a:ext uri="{FF2B5EF4-FFF2-40B4-BE49-F238E27FC236}">
-                <a16:creationId xmlns:a16="http://schemas.microsoft.com/office/drawing/2014/main" id="{A7C490C5-8EF0-47D5-BC68-1B3506AE54B9}"/>
-              </a:ext>
-            </a:extLst>
-          </p:cNvPr>
-          <p:cNvCxnSpPr>
-            <a:cxnSpLocks/>
-            <a:endCxn id="12" idx="2"/>
-          </p:cNvCxnSpPr>
-          <p:nvPr/>
-        </p:nvCxnSpPr>
-        <p:spPr>
-          <a:xfrm flipV="1">
-            <a:off x="4642888" y="3071042"/>
-            <a:ext cx="1240461" cy="357958"/>
-          </a:xfrm>
-          <a:prstGeom prst="line">
-            <a:avLst/>
-          </a:prstGeom>
-          <a:ln w="28575">
-            <a:solidFill>
-              <a:srgbClr val="C00000"/>
-            </a:solidFill>
-            <a:tailEnd type="stealth" w="med" len="lg"/>
-          </a:ln>
-        </p:spPr>
-        <p:style>
-          <a:lnRef idx="1">
-            <a:schemeClr val="accent1"/>
-          </a:lnRef>
-          <a:fillRef idx="0">
-            <a:schemeClr val="accent1"/>
-          </a:fillRef>
-          <a:effectRef idx="0">
-            <a:schemeClr val="accent1"/>
-          </a:effectRef>
-          <a:fontRef idx="minor">
-            <a:schemeClr val="tx1"/>
-          </a:fontRef>
-        </p:style>
-      </p:cxnSp>
-      <p:cxnSp>
-        <p:nvCxnSpPr>
-          <p:cNvPr id="27" name="Connecteur droit 26">
-            <a:extLst>
-              <a:ext uri="{FF2B5EF4-FFF2-40B4-BE49-F238E27FC236}">
-                <a16:creationId xmlns:a16="http://schemas.microsoft.com/office/drawing/2014/main" id="{65952C0B-F10C-4DFE-9DB7-FC21BABDC421}"/>
-              </a:ext>
-            </a:extLst>
-          </p:cNvPr>
-          <p:cNvCxnSpPr>
-            <a:cxnSpLocks/>
-            <a:stCxn id="5" idx="5"/>
-            <a:endCxn id="15" idx="1"/>
-          </p:cNvCxnSpPr>
-          <p:nvPr/>
-        </p:nvCxnSpPr>
-        <p:spPr>
-          <a:xfrm>
-            <a:off x="4793255" y="3579367"/>
-            <a:ext cx="450629" cy="410405"/>
-          </a:xfrm>
-          <a:prstGeom prst="line">
-            <a:avLst/>
-          </a:prstGeom>
-          <a:ln w="28575">
-            <a:solidFill>
-              <a:srgbClr val="C00000"/>
-            </a:solidFill>
-            <a:tailEnd type="stealth" w="med" len="lg"/>
-          </a:ln>
-        </p:spPr>
-        <p:style>
-          <a:lnRef idx="1">
-            <a:schemeClr val="accent1"/>
-          </a:lnRef>
-          <a:fillRef idx="0">
-            <a:schemeClr val="accent1"/>
-          </a:fillRef>
-          <a:effectRef idx="0">
-            <a:schemeClr val="accent1"/>
-          </a:effectRef>
-          <a:fontRef idx="minor">
-            <a:schemeClr val="tx1"/>
-          </a:fontRef>
-        </p:style>
-      </p:cxnSp>
-      <p:cxnSp>
-        <p:nvCxnSpPr>
-          <p:cNvPr id="30" name="Connecteur droit 29">
-            <a:extLst>
-              <a:ext uri="{FF2B5EF4-FFF2-40B4-BE49-F238E27FC236}">
-                <a16:creationId xmlns:a16="http://schemas.microsoft.com/office/drawing/2014/main" id="{134C44C7-8A3C-4594-8CF2-0D33B4430A90}"/>
-              </a:ext>
-            </a:extLst>
-          </p:cNvPr>
-          <p:cNvCxnSpPr>
-            <a:cxnSpLocks/>
-            <a:stCxn id="12" idx="0"/>
-            <a:endCxn id="13" idx="4"/>
-          </p:cNvCxnSpPr>
-          <p:nvPr/>
-        </p:nvCxnSpPr>
-        <p:spPr>
-          <a:xfrm flipV="1">
-            <a:off x="6096000" y="2527014"/>
-            <a:ext cx="0" cy="331377"/>
-          </a:xfrm>
-          <a:prstGeom prst="line">
-            <a:avLst/>
-          </a:prstGeom>
-          <a:ln w="28575">
-            <a:solidFill>
-              <a:srgbClr val="C00000"/>
-            </a:solidFill>
-            <a:tailEnd type="stealth" w="med" len="lg"/>
-          </a:ln>
-        </p:spPr>
-        <p:style>
-          <a:lnRef idx="1">
-            <a:schemeClr val="accent1"/>
-          </a:lnRef>
-          <a:fillRef idx="0">
-            <a:schemeClr val="accent1"/>
-          </a:fillRef>
-          <a:effectRef idx="0">
-            <a:schemeClr val="accent1"/>
-          </a:effectRef>
-          <a:fontRef idx="minor">
-            <a:schemeClr val="tx1"/>
-          </a:fontRef>
-        </p:style>
-      </p:cxnSp>
-      <p:cxnSp>
-        <p:nvCxnSpPr>
-          <p:cNvPr id="34" name="Connecteur droit 33">
-            <a:extLst>
-              <a:ext uri="{FF2B5EF4-FFF2-40B4-BE49-F238E27FC236}">
-                <a16:creationId xmlns:a16="http://schemas.microsoft.com/office/drawing/2014/main" id="{E81D9250-C501-48AE-8740-C101211DAA33}"/>
-              </a:ext>
-            </a:extLst>
-          </p:cNvPr>
-          <p:cNvCxnSpPr>
-            <a:cxnSpLocks/>
-            <a:stCxn id="13" idx="0"/>
-            <a:endCxn id="14" idx="4"/>
-          </p:cNvCxnSpPr>
-          <p:nvPr/>
-        </p:nvCxnSpPr>
-        <p:spPr>
-          <a:xfrm flipV="1">
-            <a:off x="6096000" y="1770336"/>
-            <a:ext cx="0" cy="331376"/>
-          </a:xfrm>
-          <a:prstGeom prst="line">
-            <a:avLst/>
-          </a:prstGeom>
-          <a:ln w="28575">
-            <a:solidFill>
-              <a:srgbClr val="C00000"/>
-            </a:solidFill>
-            <a:tailEnd type="stealth" w="med" len="lg"/>
-          </a:ln>
-        </p:spPr>
-        <p:style>
-          <a:lnRef idx="1">
-            <a:schemeClr val="accent1"/>
-          </a:lnRef>
-          <a:fillRef idx="0">
-            <a:schemeClr val="accent1"/>
-          </a:fillRef>
-          <a:effectRef idx="0">
-            <a:schemeClr val="accent1"/>
-          </a:effectRef>
-          <a:fontRef idx="minor">
-            <a:schemeClr val="tx1"/>
-          </a:fontRef>
-        </p:style>
-      </p:cxnSp>
       <p:sp>
         <p:nvSpPr>
           <p:cNvPr id="5" name="Ellipse 4">
             <a:extLst>
               <a:ext uri="{FF2B5EF4-FFF2-40B4-BE49-F238E27FC236}">
-                <a16:creationId xmlns:a16="http://schemas.microsoft.com/office/drawing/2014/main" id="{E12EDDBD-B5CB-4ECB-8F42-2B7886FE12E3}"/>
+                <a16:creationId xmlns:a16="http://schemas.microsoft.com/office/drawing/2014/main" id="{148029D0-6D7A-4096-AA1F-4EC1DFBDF69A}"/>
               </a:ext>
             </a:extLst>
           </p:cNvPr>
@@ -13308,7 +14828,7 @@
         </p:nvSpPr>
         <p:spPr>
           <a:xfrm>
-            <a:off x="4430237" y="3216349"/>
+            <a:off x="4865666" y="2144106"/>
             <a:ext cx="425302" cy="425302"/>
           </a:xfrm>
           <a:prstGeom prst="ellipse">
@@ -13322,9 +14842,7 @@
           </a:solidFill>
           <a:ln w="28575">
             <a:solidFill>
-              <a:schemeClr val="accent1">
-                <a:lumMod val="75000"/>
-              </a:schemeClr>
+              <a:srgbClr val="002060"/>
             </a:solidFill>
           </a:ln>
         </p:spPr>
@@ -13363,17 +14881,17 @@
                   <a:schemeClr val="tx1"/>
                 </a:solidFill>
               </a:rPr>
-              <a:t>1</a:t>
-            </a:r>
-          </a:p>
-        </p:txBody>
-      </p:sp>
-      <p:sp>
-        <p:nvSpPr>
-          <p:cNvPr id="12" name="Ellipse 11">
-            <a:extLst>
-              <a:ext uri="{FF2B5EF4-FFF2-40B4-BE49-F238E27FC236}">
-                <a16:creationId xmlns:a16="http://schemas.microsoft.com/office/drawing/2014/main" id="{EDF683E1-C03A-4387-AE76-4E4CD0C2A8AA}"/>
+              <a:t>0</a:t>
+            </a:r>
+          </a:p>
+        </p:txBody>
+      </p:sp>
+      <p:sp>
+        <p:nvSpPr>
+          <p:cNvPr id="6" name="Ellipse 5">
+            <a:extLst>
+              <a:ext uri="{FF2B5EF4-FFF2-40B4-BE49-F238E27FC236}">
+                <a16:creationId xmlns:a16="http://schemas.microsoft.com/office/drawing/2014/main" id="{24B27CE1-ED31-4663-8865-3D910BABF6CF}"/>
               </a:ext>
             </a:extLst>
           </p:cNvPr>
@@ -13382,7 +14900,7 @@
         </p:nvSpPr>
         <p:spPr>
           <a:xfrm>
-            <a:off x="5883349" y="2858391"/>
+            <a:off x="6302580" y="2144106"/>
             <a:ext cx="425302" cy="425302"/>
           </a:xfrm>
           <a:prstGeom prst="ellipse">
@@ -13396,9 +14914,7 @@
           </a:solidFill>
           <a:ln w="28575">
             <a:solidFill>
-              <a:schemeClr val="accent1">
-                <a:lumMod val="75000"/>
-              </a:schemeClr>
+              <a:srgbClr val="002060"/>
             </a:solidFill>
           </a:ln>
         </p:spPr>
@@ -13437,17 +14953,17 @@
                   <a:schemeClr val="tx1"/>
                 </a:solidFill>
               </a:rPr>
-              <a:t>2</a:t>
-            </a:r>
-          </a:p>
-        </p:txBody>
-      </p:sp>
-      <p:sp>
-        <p:nvSpPr>
-          <p:cNvPr id="13" name="Ellipse 12">
-            <a:extLst>
-              <a:ext uri="{FF2B5EF4-FFF2-40B4-BE49-F238E27FC236}">
-                <a16:creationId xmlns:a16="http://schemas.microsoft.com/office/drawing/2014/main" id="{91C6549F-3030-423F-92E7-078F5FC8C3BB}"/>
+              <a:t>1</a:t>
+            </a:r>
+          </a:p>
+        </p:txBody>
+      </p:sp>
+      <p:sp>
+        <p:nvSpPr>
+          <p:cNvPr id="7" name="Ellipse 6">
+            <a:extLst>
+              <a:ext uri="{FF2B5EF4-FFF2-40B4-BE49-F238E27FC236}">
+                <a16:creationId xmlns:a16="http://schemas.microsoft.com/office/drawing/2014/main" id="{5C1541E5-4126-42FF-837A-2F1DDD023122}"/>
               </a:ext>
             </a:extLst>
           </p:cNvPr>
@@ -13456,7 +14972,7 @@
         </p:nvSpPr>
         <p:spPr>
           <a:xfrm>
-            <a:off x="5883349" y="2101712"/>
+            <a:off x="6825181" y="3216349"/>
             <a:ext cx="425302" cy="425302"/>
           </a:xfrm>
           <a:prstGeom prst="ellipse">
@@ -13470,25 +14986,24 @@
           </a:solidFill>
           <a:ln w="28575">
             <a:solidFill>
-              <a:schemeClr val="accent1">
-                <a:lumMod val="75000"/>
-              </a:schemeClr>
-            </a:solidFill>
-            <a:tailEnd type="stealth" w="med" len="lg"/>
-          </a:ln>
-        </p:spPr>
-        <p:style>
-          <a:lnRef idx="1">
-            <a:schemeClr val="accent1"/>
-          </a:lnRef>
-          <a:fillRef idx="0">
-            <a:schemeClr val="accent1"/>
-          </a:fillRef>
-          <a:effectRef idx="0">
-            <a:schemeClr val="accent1"/>
-          </a:effectRef>
-          <a:fontRef idx="minor">
-            <a:schemeClr val="tx1"/>
+              <a:srgbClr val="002060"/>
+            </a:solidFill>
+          </a:ln>
+        </p:spPr>
+        <p:style>
+          <a:lnRef idx="2">
+            <a:schemeClr val="accent1">
+              <a:shade val="50000"/>
+            </a:schemeClr>
+          </a:lnRef>
+          <a:fillRef idx="1">
+            <a:schemeClr val="accent1"/>
+          </a:fillRef>
+          <a:effectRef idx="0">
+            <a:schemeClr val="accent1"/>
+          </a:effectRef>
+          <a:fontRef idx="minor">
+            <a:schemeClr val="lt1"/>
           </a:fontRef>
         </p:style>
         <p:txBody>
@@ -13510,17 +15025,17 @@
                   <a:schemeClr val="tx1"/>
                 </a:solidFill>
               </a:rPr>
-              <a:t>3</a:t>
-            </a:r>
-          </a:p>
-        </p:txBody>
-      </p:sp>
-      <p:sp>
-        <p:nvSpPr>
-          <p:cNvPr id="14" name="Ellipse 13">
-            <a:extLst>
-              <a:ext uri="{FF2B5EF4-FFF2-40B4-BE49-F238E27FC236}">
-                <a16:creationId xmlns:a16="http://schemas.microsoft.com/office/drawing/2014/main" id="{C9406F36-E067-4917-BF14-3669A0DE3999}"/>
+              <a:t>2</a:t>
+            </a:r>
+          </a:p>
+        </p:txBody>
+      </p:sp>
+      <p:sp>
+        <p:nvSpPr>
+          <p:cNvPr id="8" name="Ellipse 7">
+            <a:extLst>
+              <a:ext uri="{FF2B5EF4-FFF2-40B4-BE49-F238E27FC236}">
+                <a16:creationId xmlns:a16="http://schemas.microsoft.com/office/drawing/2014/main" id="{C80538D0-4811-4472-84F0-6042C295104C}"/>
               </a:ext>
             </a:extLst>
           </p:cNvPr>
@@ -13529,7 +15044,7 @@
         </p:nvSpPr>
         <p:spPr>
           <a:xfrm>
-            <a:off x="5883349" y="1345034"/>
+            <a:off x="6302580" y="4288593"/>
             <a:ext cx="425302" cy="425302"/>
           </a:xfrm>
           <a:prstGeom prst="ellipse">
@@ -13543,9 +15058,7 @@
           </a:solidFill>
           <a:ln w="28575">
             <a:solidFill>
-              <a:schemeClr val="accent1">
-                <a:lumMod val="75000"/>
-              </a:schemeClr>
+              <a:srgbClr val="002060"/>
             </a:solidFill>
           </a:ln>
         </p:spPr>
@@ -13584,17 +15097,17 @@
                   <a:schemeClr val="tx1"/>
                 </a:solidFill>
               </a:rPr>
-              <a:t>4</a:t>
-            </a:r>
-          </a:p>
-        </p:txBody>
-      </p:sp>
-      <p:sp>
-        <p:nvSpPr>
-          <p:cNvPr id="15" name="Ellipse 14">
-            <a:extLst>
-              <a:ext uri="{FF2B5EF4-FFF2-40B4-BE49-F238E27FC236}">
-                <a16:creationId xmlns:a16="http://schemas.microsoft.com/office/drawing/2014/main" id="{38B99A88-8C8B-4954-A08D-C2B15087B240}"/>
+              <a:t>3</a:t>
+            </a:r>
+          </a:p>
+        </p:txBody>
+      </p:sp>
+      <p:sp>
+        <p:nvSpPr>
+          <p:cNvPr id="9" name="Ellipse 8">
+            <a:extLst>
+              <a:ext uri="{FF2B5EF4-FFF2-40B4-BE49-F238E27FC236}">
+                <a16:creationId xmlns:a16="http://schemas.microsoft.com/office/drawing/2014/main" id="{03347C5B-FA8A-4589-A208-E1EDD080B05B}"/>
               </a:ext>
             </a:extLst>
           </p:cNvPr>
@@ -13603,7 +15116,7 @@
         </p:nvSpPr>
         <p:spPr>
           <a:xfrm>
-            <a:off x="5181600" y="3927488"/>
+            <a:off x="4865666" y="4288591"/>
             <a:ext cx="425302" cy="425302"/>
           </a:xfrm>
           <a:prstGeom prst="ellipse">
@@ -13617,9 +15130,7 @@
           </a:solidFill>
           <a:ln w="28575">
             <a:solidFill>
-              <a:schemeClr val="accent1">
-                <a:lumMod val="75000"/>
-              </a:schemeClr>
+              <a:srgbClr val="002060"/>
             </a:solidFill>
           </a:ln>
         </p:spPr>
@@ -13658,17 +15169,17 @@
                   <a:schemeClr val="tx1"/>
                 </a:solidFill>
               </a:rPr>
-              <a:t>5</a:t>
-            </a:r>
-          </a:p>
-        </p:txBody>
-      </p:sp>
-      <p:sp>
-        <p:nvSpPr>
-          <p:cNvPr id="16" name="Ellipse 15">
-            <a:extLst>
-              <a:ext uri="{FF2B5EF4-FFF2-40B4-BE49-F238E27FC236}">
-                <a16:creationId xmlns:a16="http://schemas.microsoft.com/office/drawing/2014/main" id="{87B61264-A64D-4915-93F0-607502E150B5}"/>
+              <a:t>4</a:t>
+            </a:r>
+          </a:p>
+        </p:txBody>
+      </p:sp>
+      <p:sp>
+        <p:nvSpPr>
+          <p:cNvPr id="10" name="Ellipse 9">
+            <a:extLst>
+              <a:ext uri="{FF2B5EF4-FFF2-40B4-BE49-F238E27FC236}">
+                <a16:creationId xmlns:a16="http://schemas.microsoft.com/office/drawing/2014/main" id="{DDA050FE-D980-4EC6-A131-58A7BA7879CB}"/>
               </a:ext>
             </a:extLst>
           </p:cNvPr>
@@ -13677,7 +15188,7 @@
         </p:nvSpPr>
         <p:spPr>
           <a:xfrm>
-            <a:off x="4430237" y="1676410"/>
+            <a:off x="4429479" y="3216349"/>
             <a:ext cx="425302" cy="425302"/>
           </a:xfrm>
           <a:prstGeom prst="ellipse">
@@ -13691,9 +15202,7 @@
           </a:solidFill>
           <a:ln w="28575">
             <a:solidFill>
-              <a:schemeClr val="accent1">
-                <a:lumMod val="75000"/>
-              </a:schemeClr>
+              <a:srgbClr val="002060"/>
             </a:solidFill>
           </a:ln>
         </p:spPr>
@@ -13732,37 +15241,38 @@
                   <a:schemeClr val="tx1"/>
                 </a:solidFill>
               </a:rPr>
-              <a:t>6</a:t>
+              <a:t>5</a:t>
             </a:r>
           </a:p>
         </p:txBody>
       </p:sp>
       <p:cxnSp>
         <p:nvCxnSpPr>
-          <p:cNvPr id="38" name="Connecteur droit 37">
-            <a:extLst>
-              <a:ext uri="{FF2B5EF4-FFF2-40B4-BE49-F238E27FC236}">
-                <a16:creationId xmlns:a16="http://schemas.microsoft.com/office/drawing/2014/main" id="{C446E762-BD1D-4A2D-A188-0AB80ED5ED64}"/>
+          <p:cNvPr id="12" name="Connecteur droit 11">
+            <a:extLst>
+              <a:ext uri="{FF2B5EF4-FFF2-40B4-BE49-F238E27FC236}">
+                <a16:creationId xmlns:a16="http://schemas.microsoft.com/office/drawing/2014/main" id="{E1AB89E3-AA9E-462B-987A-B3599A0B1878}"/>
               </a:ext>
             </a:extLst>
           </p:cNvPr>
           <p:cNvCxnSpPr>
             <a:cxnSpLocks/>
-            <a:endCxn id="14" idx="6"/>
+            <a:stCxn id="5" idx="6"/>
+            <a:endCxn id="6" idx="2"/>
           </p:cNvCxnSpPr>
           <p:nvPr/>
         </p:nvCxnSpPr>
         <p:spPr>
-          <a:xfrm flipH="1">
-            <a:off x="6308651" y="1557685"/>
-            <a:ext cx="900223" cy="0"/>
+          <a:xfrm>
+            <a:off x="5290968" y="2356757"/>
+            <a:ext cx="1011612" cy="0"/>
           </a:xfrm>
           <a:prstGeom prst="line">
             <a:avLst/>
           </a:prstGeom>
           <a:ln w="28575">
             <a:solidFill>
-              <a:schemeClr val="tx1"/>
+              <a:srgbClr val="C00000"/>
             </a:solidFill>
             <a:tailEnd type="stealth" w="med" len="lg"/>
           </a:ln>
@@ -13782,66 +15292,33 @@
           </a:fontRef>
         </p:style>
       </p:cxnSp>
-      <p:sp>
-        <p:nvSpPr>
-          <p:cNvPr id="41" name="ZoneTexte 40">
-            <a:extLst>
-              <a:ext uri="{FF2B5EF4-FFF2-40B4-BE49-F238E27FC236}">
-                <a16:creationId xmlns:a16="http://schemas.microsoft.com/office/drawing/2014/main" id="{2223C6B3-2445-4A17-9C47-A16BEDBF6BB7}"/>
-              </a:ext>
-            </a:extLst>
-          </p:cNvPr>
-          <p:cNvSpPr txBox="1"/>
-          <p:nvPr/>
-        </p:nvSpPr>
-        <p:spPr>
-          <a:xfrm>
-            <a:off x="7208874" y="1373019"/>
-            <a:ext cx="1318437" cy="369332"/>
-          </a:xfrm>
-          <a:prstGeom prst="rect">
-            <a:avLst/>
-          </a:prstGeom>
-          <a:noFill/>
-        </p:spPr>
-        <p:txBody>
-          <a:bodyPr wrap="square" rtlCol="0" anchor="ctr">
-            <a:spAutoFit/>
-          </a:bodyPr>
-          <a:lstStyle/>
-          <a:p>
-            <a:r>
-              <a:rPr lang="fr-FR" dirty="0"/>
-              <a:t>Sommet</a:t>
-            </a:r>
-          </a:p>
-        </p:txBody>
-      </p:sp>
       <p:cxnSp>
         <p:nvCxnSpPr>
-          <p:cNvPr id="42" name="Connecteur droit 41">
-            <a:extLst>
-              <a:ext uri="{FF2B5EF4-FFF2-40B4-BE49-F238E27FC236}">
-                <a16:creationId xmlns:a16="http://schemas.microsoft.com/office/drawing/2014/main" id="{ADC4F4DD-1858-431B-9F53-9AE8577A8189}"/>
+          <p:cNvPr id="15" name="Connecteur droit 14">
+            <a:extLst>
+              <a:ext uri="{FF2B5EF4-FFF2-40B4-BE49-F238E27FC236}">
+                <a16:creationId xmlns:a16="http://schemas.microsoft.com/office/drawing/2014/main" id="{53301B0C-5DCB-4B6F-80A3-0112150EE4F9}"/>
               </a:ext>
             </a:extLst>
           </p:cNvPr>
           <p:cNvCxnSpPr>
             <a:cxnSpLocks/>
+            <a:stCxn id="5" idx="4"/>
+            <a:endCxn id="11" idx="2"/>
           </p:cNvCxnSpPr>
           <p:nvPr/>
         </p:nvCxnSpPr>
         <p:spPr>
-          <a:xfrm flipH="1">
-            <a:off x="6096000" y="2711328"/>
-            <a:ext cx="1112875" cy="0"/>
+          <a:xfrm>
+            <a:off x="5078317" y="2569408"/>
+            <a:ext cx="503062" cy="859591"/>
           </a:xfrm>
           <a:prstGeom prst="line">
             <a:avLst/>
           </a:prstGeom>
           <a:ln w="28575">
             <a:solidFill>
-              <a:schemeClr val="tx1"/>
+              <a:srgbClr val="C00000"/>
             </a:solidFill>
             <a:tailEnd type="stealth" w="med" len="lg"/>
           </a:ln>
@@ -13861,325 +15338,264 @@
           </a:fontRef>
         </p:style>
       </p:cxnSp>
-      <p:sp>
-        <p:nvSpPr>
-          <p:cNvPr id="43" name="ZoneTexte 42">
-            <a:extLst>
-              <a:ext uri="{FF2B5EF4-FFF2-40B4-BE49-F238E27FC236}">
-                <a16:creationId xmlns:a16="http://schemas.microsoft.com/office/drawing/2014/main" id="{F7BAFBEA-9DC0-4073-BB0C-94FE76C0F473}"/>
-              </a:ext>
-            </a:extLst>
-          </p:cNvPr>
-          <p:cNvSpPr txBox="1"/>
-          <p:nvPr/>
-        </p:nvSpPr>
-        <p:spPr>
-          <a:xfrm>
-            <a:off x="7208874" y="2526662"/>
-            <a:ext cx="1318437" cy="369332"/>
-          </a:xfrm>
-          <a:prstGeom prst="rect">
-            <a:avLst/>
-          </a:prstGeom>
-          <a:noFill/>
-        </p:spPr>
-        <p:txBody>
-          <a:bodyPr wrap="square" rtlCol="0" anchor="ctr">
-            <a:spAutoFit/>
-          </a:bodyPr>
-          <a:lstStyle/>
-          <a:p>
-            <a:r>
-              <a:rPr lang="fr-FR" dirty="0"/>
-              <a:t>Arc</a:t>
-            </a:r>
-          </a:p>
-        </p:txBody>
-      </p:sp>
-      <p:sp>
-        <p:nvSpPr>
-          <p:cNvPr id="40" name="ZoneTexte 39">
-            <a:extLst>
-              <a:ext uri="{FF2B5EF4-FFF2-40B4-BE49-F238E27FC236}">
-                <a16:creationId xmlns:a16="http://schemas.microsoft.com/office/drawing/2014/main" id="{8F622977-B0CF-4BF2-93F5-270EEED4F226}"/>
-              </a:ext>
-            </a:extLst>
-          </p:cNvPr>
-          <p:cNvSpPr txBox="1"/>
-          <p:nvPr/>
-        </p:nvSpPr>
-        <p:spPr>
-          <a:xfrm>
-            <a:off x="5219009" y="2856452"/>
-            <a:ext cx="425302" cy="369298"/>
-          </a:xfrm>
-          <a:prstGeom prst="rect">
-            <a:avLst/>
-          </a:prstGeom>
-          <a:noFill/>
-        </p:spPr>
-        <p:txBody>
-          <a:bodyPr wrap="square" rtlCol="0" anchor="ctr">
-            <a:spAutoFit/>
-          </a:bodyPr>
+      <p:cxnSp>
+        <p:nvCxnSpPr>
+          <p:cNvPr id="28" name="Connecteur droit 27">
+            <a:extLst>
+              <a:ext uri="{FF2B5EF4-FFF2-40B4-BE49-F238E27FC236}">
+                <a16:creationId xmlns:a16="http://schemas.microsoft.com/office/drawing/2014/main" id="{57453609-4490-413B-93B2-A3493254CF12}"/>
+              </a:ext>
+            </a:extLst>
+          </p:cNvPr>
+          <p:cNvCxnSpPr>
+            <a:cxnSpLocks/>
+            <a:stCxn id="9" idx="6"/>
+            <a:endCxn id="8" idx="2"/>
+          </p:cNvCxnSpPr>
+          <p:nvPr/>
+        </p:nvCxnSpPr>
+        <p:spPr>
+          <a:xfrm>
+            <a:off x="5290968" y="4501242"/>
+            <a:ext cx="1011612" cy="2"/>
+          </a:xfrm>
+          <a:prstGeom prst="line">
+            <a:avLst/>
+          </a:prstGeom>
+          <a:ln w="28575">
+            <a:solidFill>
+              <a:srgbClr val="C00000"/>
+            </a:solidFill>
+            <a:tailEnd type="stealth" w="med" len="lg"/>
+          </a:ln>
+        </p:spPr>
+        <p:style>
+          <a:lnRef idx="1">
+            <a:schemeClr val="accent1"/>
+          </a:lnRef>
+          <a:fillRef idx="0">
+            <a:schemeClr val="accent1"/>
+          </a:fillRef>
+          <a:effectRef idx="0">
+            <a:schemeClr val="accent1"/>
+          </a:effectRef>
+          <a:fontRef idx="minor">
+            <a:schemeClr val="tx1"/>
+          </a:fontRef>
+        </p:style>
+      </p:cxnSp>
+      <p:cxnSp>
+        <p:nvCxnSpPr>
+          <p:cNvPr id="35" name="Connecteur droit 34">
+            <a:extLst>
+              <a:ext uri="{FF2B5EF4-FFF2-40B4-BE49-F238E27FC236}">
+                <a16:creationId xmlns:a16="http://schemas.microsoft.com/office/drawing/2014/main" id="{5890C366-C7B4-4569-B592-A59915A46D85}"/>
+              </a:ext>
+            </a:extLst>
+          </p:cNvPr>
+          <p:cNvCxnSpPr>
+            <a:cxnSpLocks/>
+            <a:stCxn id="7" idx="0"/>
+          </p:cNvCxnSpPr>
+          <p:nvPr/>
+        </p:nvCxnSpPr>
+        <p:spPr>
+          <a:xfrm flipH="1" flipV="1">
+            <a:off x="6622566" y="2523452"/>
+            <a:ext cx="415266" cy="692897"/>
+          </a:xfrm>
+          <a:prstGeom prst="line">
+            <a:avLst/>
+          </a:prstGeom>
+          <a:ln w="28575">
+            <a:solidFill>
+              <a:srgbClr val="C00000"/>
+            </a:solidFill>
+            <a:tailEnd type="stealth" w="med" len="lg"/>
+          </a:ln>
+        </p:spPr>
+        <p:style>
+          <a:lnRef idx="1">
+            <a:schemeClr val="accent1"/>
+          </a:lnRef>
+          <a:fillRef idx="0">
+            <a:schemeClr val="accent1"/>
+          </a:fillRef>
+          <a:effectRef idx="0">
+            <a:schemeClr val="accent1"/>
+          </a:effectRef>
+          <a:fontRef idx="minor">
+            <a:schemeClr val="tx1"/>
+          </a:fontRef>
+        </p:style>
+      </p:cxnSp>
+      <p:cxnSp>
+        <p:nvCxnSpPr>
+          <p:cNvPr id="37" name="Connecteur droit 36">
+            <a:extLst>
+              <a:ext uri="{FF2B5EF4-FFF2-40B4-BE49-F238E27FC236}">
+                <a16:creationId xmlns:a16="http://schemas.microsoft.com/office/drawing/2014/main" id="{0A3494F4-668B-40B2-B2F8-8D3285DDF7ED}"/>
+              </a:ext>
+            </a:extLst>
+          </p:cNvPr>
+          <p:cNvCxnSpPr>
+            <a:cxnSpLocks/>
+            <a:endCxn id="5" idx="5"/>
+          </p:cNvCxnSpPr>
+          <p:nvPr/>
+        </p:nvCxnSpPr>
+        <p:spPr>
+          <a:xfrm flipH="1" flipV="1">
+            <a:off x="5228684" y="2507124"/>
+            <a:ext cx="549149" cy="921876"/>
+          </a:xfrm>
+          <a:prstGeom prst="line">
+            <a:avLst/>
+          </a:prstGeom>
+          <a:ln w="28575">
+            <a:solidFill>
+              <a:srgbClr val="C00000"/>
+            </a:solidFill>
+            <a:tailEnd type="stealth" w="med" len="lg"/>
+          </a:ln>
+        </p:spPr>
+        <p:style>
+          <a:lnRef idx="1">
+            <a:schemeClr val="accent1"/>
+          </a:lnRef>
+          <a:fillRef idx="0">
+            <a:schemeClr val="accent1"/>
+          </a:fillRef>
+          <a:effectRef idx="0">
+            <a:schemeClr val="accent1"/>
+          </a:effectRef>
+          <a:fontRef idx="minor">
+            <a:schemeClr val="tx1"/>
+          </a:fontRef>
+        </p:style>
+      </p:cxnSp>
+      <p:sp>
+        <p:nvSpPr>
+          <p:cNvPr id="11" name="Ellipse 10">
+            <a:extLst>
+              <a:ext uri="{FF2B5EF4-FFF2-40B4-BE49-F238E27FC236}">
+                <a16:creationId xmlns:a16="http://schemas.microsoft.com/office/drawing/2014/main" id="{6130B943-B8A7-4D41-B64C-1784C69F2891}"/>
+              </a:ext>
+            </a:extLst>
+          </p:cNvPr>
+          <p:cNvSpPr/>
+          <p:nvPr/>
+        </p:nvSpPr>
+        <p:spPr>
+          <a:xfrm>
+            <a:off x="5581379" y="3216348"/>
+            <a:ext cx="425302" cy="425302"/>
+          </a:xfrm>
+          <a:prstGeom prst="ellipse">
+            <a:avLst/>
+          </a:prstGeom>
+          <a:solidFill>
+            <a:schemeClr val="accent1">
+              <a:lumMod val="20000"/>
+              <a:lumOff val="80000"/>
+            </a:schemeClr>
+          </a:solidFill>
+          <a:ln w="28575">
+            <a:solidFill>
+              <a:srgbClr val="002060"/>
+            </a:solidFill>
+          </a:ln>
+        </p:spPr>
+        <p:style>
+          <a:lnRef idx="2">
+            <a:schemeClr val="accent1">
+              <a:shade val="50000"/>
+            </a:schemeClr>
+          </a:lnRef>
+          <a:fillRef idx="1">
+            <a:schemeClr val="accent1"/>
+          </a:fillRef>
+          <a:effectRef idx="0">
+            <a:schemeClr val="accent1"/>
+          </a:effectRef>
+          <a:fontRef idx="minor">
+            <a:schemeClr val="lt1"/>
+          </a:fontRef>
+        </p:style>
+        <p:txBody>
+          <a:bodyPr lIns="0" tIns="0" rIns="0" bIns="0" rtlCol="0" anchor="ctr"/>
           <a:lstStyle/>
           <a:p>
             <a:pPr algn="ctr"/>
             <a:r>
-              <a:rPr lang="fr-FR" b="1" dirty="0"/>
-              <a:t>A</a:t>
-            </a:r>
-            <a:r>
-              <a:rPr lang="fr-FR" b="1" baseline="-25000" dirty="0"/>
-              <a:t>1</a:t>
-            </a:r>
-          </a:p>
-        </p:txBody>
-      </p:sp>
-      <p:sp>
-        <p:nvSpPr>
-          <p:cNvPr id="44" name="ZoneTexte 43">
-            <a:extLst>
-              <a:ext uri="{FF2B5EF4-FFF2-40B4-BE49-F238E27FC236}">
-                <a16:creationId xmlns:a16="http://schemas.microsoft.com/office/drawing/2014/main" id="{A56711C1-51DF-474A-8B9B-50F3B714431B}"/>
-              </a:ext>
-            </a:extLst>
-          </p:cNvPr>
-          <p:cNvSpPr txBox="1"/>
-          <p:nvPr/>
-        </p:nvSpPr>
-        <p:spPr>
-          <a:xfrm>
-            <a:off x="5755762" y="2487658"/>
-            <a:ext cx="425302" cy="369332"/>
-          </a:xfrm>
-          <a:prstGeom prst="rect">
-            <a:avLst/>
-          </a:prstGeom>
-          <a:noFill/>
-        </p:spPr>
-        <p:txBody>
-          <a:bodyPr wrap="square" rtlCol="0" anchor="ctr">
-            <a:spAutoFit/>
-          </a:bodyPr>
-          <a:lstStyle/>
-          <a:p>
-            <a:pPr algn="ctr"/>
-            <a:r>
-              <a:rPr lang="fr-FR" b="1" dirty="0"/>
-              <a:t>A</a:t>
-            </a:r>
-            <a:r>
-              <a:rPr lang="fr-FR" b="1" baseline="-25000" dirty="0"/>
-              <a:t>2</a:t>
-            </a:r>
-          </a:p>
-        </p:txBody>
-      </p:sp>
-      <p:sp>
-        <p:nvSpPr>
-          <p:cNvPr id="45" name="ZoneTexte 44">
-            <a:extLst>
-              <a:ext uri="{FF2B5EF4-FFF2-40B4-BE49-F238E27FC236}">
-                <a16:creationId xmlns:a16="http://schemas.microsoft.com/office/drawing/2014/main" id="{4E9DD261-96BD-456F-B7F2-9D0E8A31627D}"/>
-              </a:ext>
-            </a:extLst>
-          </p:cNvPr>
-          <p:cNvSpPr txBox="1"/>
-          <p:nvPr/>
-        </p:nvSpPr>
-        <p:spPr>
-          <a:xfrm>
-            <a:off x="5751748" y="1750650"/>
-            <a:ext cx="425302" cy="369332"/>
-          </a:xfrm>
-          <a:prstGeom prst="rect">
-            <a:avLst/>
-          </a:prstGeom>
-          <a:noFill/>
-        </p:spPr>
-        <p:txBody>
-          <a:bodyPr wrap="square" rtlCol="0" anchor="ctr">
-            <a:spAutoFit/>
-          </a:bodyPr>
-          <a:lstStyle/>
-          <a:p>
-            <a:pPr algn="ctr"/>
-            <a:r>
-              <a:rPr lang="fr-FR" b="1" dirty="0"/>
-              <a:t>A</a:t>
-            </a:r>
-            <a:r>
-              <a:rPr lang="fr-FR" b="1" baseline="-25000" dirty="0"/>
-              <a:t>3</a:t>
-            </a:r>
-          </a:p>
-        </p:txBody>
-      </p:sp>
-      <p:sp>
-        <p:nvSpPr>
-          <p:cNvPr id="46" name="ZoneTexte 45">
-            <a:extLst>
-              <a:ext uri="{FF2B5EF4-FFF2-40B4-BE49-F238E27FC236}">
-                <a16:creationId xmlns:a16="http://schemas.microsoft.com/office/drawing/2014/main" id="{1DC7FEB4-AD69-4D94-9560-E0DE9EFF4D60}"/>
-              </a:ext>
-            </a:extLst>
-          </p:cNvPr>
-          <p:cNvSpPr txBox="1"/>
-          <p:nvPr/>
-        </p:nvSpPr>
-        <p:spPr>
-          <a:xfrm>
-            <a:off x="5219009" y="2424287"/>
-            <a:ext cx="425302" cy="369332"/>
-          </a:xfrm>
-          <a:prstGeom prst="rect">
-            <a:avLst/>
-          </a:prstGeom>
-          <a:noFill/>
-        </p:spPr>
-        <p:txBody>
-          <a:bodyPr wrap="square" rtlCol="0" anchor="ctr">
-            <a:spAutoFit/>
-          </a:bodyPr>
-          <a:lstStyle/>
-          <a:p>
-            <a:pPr algn="ctr"/>
-            <a:r>
-              <a:rPr lang="fr-FR" b="1" dirty="0"/>
-              <a:t>A</a:t>
-            </a:r>
-            <a:r>
-              <a:rPr lang="fr-FR" b="1" baseline="-25000" dirty="0"/>
-              <a:t>5</a:t>
-            </a:r>
-          </a:p>
-        </p:txBody>
-      </p:sp>
-      <p:sp>
-        <p:nvSpPr>
-          <p:cNvPr id="47" name="ZoneTexte 46">
-            <a:extLst>
-              <a:ext uri="{FF2B5EF4-FFF2-40B4-BE49-F238E27FC236}">
-                <a16:creationId xmlns:a16="http://schemas.microsoft.com/office/drawing/2014/main" id="{26C194D8-BCEC-4D48-9372-2BCC6835448B}"/>
-              </a:ext>
-            </a:extLst>
-          </p:cNvPr>
-          <p:cNvSpPr txBox="1"/>
-          <p:nvPr/>
-        </p:nvSpPr>
-        <p:spPr>
-          <a:xfrm>
-            <a:off x="5219009" y="1890641"/>
-            <a:ext cx="425302" cy="369332"/>
-          </a:xfrm>
-          <a:prstGeom prst="rect">
-            <a:avLst/>
-          </a:prstGeom>
-          <a:noFill/>
-        </p:spPr>
-        <p:txBody>
-          <a:bodyPr wrap="square" rtlCol="0" anchor="ctr">
-            <a:spAutoFit/>
-          </a:bodyPr>
-          <a:lstStyle/>
-          <a:p>
-            <a:pPr algn="ctr"/>
-            <a:r>
-              <a:rPr lang="fr-FR" b="1" dirty="0"/>
-              <a:t>A</a:t>
-            </a:r>
-            <a:r>
-              <a:rPr lang="fr-FR" b="1" baseline="-25000" dirty="0"/>
-              <a:t>4</a:t>
-            </a:r>
-          </a:p>
-        </p:txBody>
-      </p:sp>
-      <p:sp>
-        <p:nvSpPr>
-          <p:cNvPr id="48" name="ZoneTexte 47">
-            <a:extLst>
-              <a:ext uri="{FF2B5EF4-FFF2-40B4-BE49-F238E27FC236}">
-                <a16:creationId xmlns:a16="http://schemas.microsoft.com/office/drawing/2014/main" id="{7B72A33D-DBFB-4462-B259-C761D93B3B96}"/>
-              </a:ext>
-            </a:extLst>
-          </p:cNvPr>
-          <p:cNvSpPr txBox="1"/>
-          <p:nvPr/>
-        </p:nvSpPr>
-        <p:spPr>
-          <a:xfrm>
-            <a:off x="4862624" y="3445752"/>
-            <a:ext cx="425302" cy="369332"/>
-          </a:xfrm>
-          <a:prstGeom prst="rect">
-            <a:avLst/>
-          </a:prstGeom>
-          <a:noFill/>
-        </p:spPr>
-        <p:txBody>
-          <a:bodyPr wrap="square" rtlCol="0" anchor="ctr">
-            <a:spAutoFit/>
-          </a:bodyPr>
-          <a:lstStyle/>
-          <a:p>
-            <a:pPr algn="ctr"/>
-            <a:r>
-              <a:rPr lang="fr-FR" b="1" dirty="0"/>
-              <a:t>A</a:t>
-            </a:r>
-            <a:r>
-              <a:rPr lang="fr-FR" b="1" baseline="-25000" dirty="0"/>
+              <a:rPr lang="fr-FR" b="1" dirty="0">
+                <a:solidFill>
+                  <a:schemeClr val="tx1"/>
+                </a:solidFill>
+              </a:rPr>
+              <a:t>S</a:t>
+            </a:r>
+            <a:r>
+              <a:rPr lang="fr-FR" b="1" baseline="-25000" dirty="0">
+                <a:solidFill>
+                  <a:schemeClr val="tx1"/>
+                </a:solidFill>
+              </a:rPr>
               <a:t>6</a:t>
             </a:r>
           </a:p>
         </p:txBody>
       </p:sp>
-      <p:sp>
-        <p:nvSpPr>
-          <p:cNvPr id="49" name="ZoneTexte 48">
-            <a:extLst>
-              <a:ext uri="{FF2B5EF4-FFF2-40B4-BE49-F238E27FC236}">
-                <a16:creationId xmlns:a16="http://schemas.microsoft.com/office/drawing/2014/main" id="{5C458C46-E063-4857-A271-CFCF88EB32C1}"/>
-              </a:ext>
-            </a:extLst>
-          </p:cNvPr>
-          <p:cNvSpPr txBox="1"/>
-          <p:nvPr/>
-        </p:nvSpPr>
-        <p:spPr>
-          <a:xfrm>
-            <a:off x="4217586" y="2402687"/>
-            <a:ext cx="425302" cy="369332"/>
-          </a:xfrm>
-          <a:prstGeom prst="rect">
-            <a:avLst/>
-          </a:prstGeom>
-          <a:noFill/>
-        </p:spPr>
-        <p:txBody>
-          <a:bodyPr wrap="square" rtlCol="0" anchor="ctr">
-            <a:spAutoFit/>
-          </a:bodyPr>
-          <a:lstStyle/>
-          <a:p>
-            <a:pPr algn="ctr"/>
-            <a:r>
-              <a:rPr lang="fr-FR" b="1" dirty="0"/>
-              <a:t>A</a:t>
-            </a:r>
-            <a:r>
-              <a:rPr lang="fr-FR" b="1" baseline="-25000" dirty="0"/>
-              <a:t>7</a:t>
-            </a:r>
-          </a:p>
-        </p:txBody>
-      </p:sp>
+      <p:cxnSp>
+        <p:nvCxnSpPr>
+          <p:cNvPr id="48" name="Connecteur droit 47">
+            <a:extLst>
+              <a:ext uri="{FF2B5EF4-FFF2-40B4-BE49-F238E27FC236}">
+                <a16:creationId xmlns:a16="http://schemas.microsoft.com/office/drawing/2014/main" id="{A0548D61-F4DF-488C-978F-D36C5D840BF9}"/>
+              </a:ext>
+            </a:extLst>
+          </p:cNvPr>
+          <p:cNvCxnSpPr>
+            <a:cxnSpLocks/>
+            <a:stCxn id="11" idx="7"/>
+            <a:endCxn id="6" idx="3"/>
+          </p:cNvCxnSpPr>
+          <p:nvPr/>
+        </p:nvCxnSpPr>
+        <p:spPr>
+          <a:xfrm flipV="1">
+            <a:off x="5944397" y="2507124"/>
+            <a:ext cx="420467" cy="771508"/>
+          </a:xfrm>
+          <a:prstGeom prst="line">
+            <a:avLst/>
+          </a:prstGeom>
+          <a:ln w="28575">
+            <a:solidFill>
+              <a:srgbClr val="C00000"/>
+            </a:solidFill>
+            <a:tailEnd type="stealth" w="med" len="lg"/>
+          </a:ln>
+        </p:spPr>
+        <p:style>
+          <a:lnRef idx="1">
+            <a:schemeClr val="accent1"/>
+          </a:lnRef>
+          <a:fillRef idx="0">
+            <a:schemeClr val="accent1"/>
+          </a:fillRef>
+          <a:effectRef idx="0">
+            <a:schemeClr val="accent1"/>
+          </a:effectRef>
+          <a:fontRef idx="minor">
+            <a:schemeClr val="tx1"/>
+          </a:fontRef>
+        </p:style>
+      </p:cxnSp>
     </p:spTree>
     <p:extLst>
       <p:ext uri="{BB962C8B-B14F-4D97-AF65-F5344CB8AC3E}">
-        <p14:creationId xmlns:p14="http://schemas.microsoft.com/office/powerpoint/2010/main" val="3649243130"/>
+        <p14:creationId xmlns:p14="http://schemas.microsoft.com/office/powerpoint/2010/main" val="195434932"/>
       </p:ext>
     </p:extLst>
   </p:cSld>
